--- a/03_Proiectarea BD prin normalizare/03a_Introducere_in_proiectareaBD.pptx
+++ b/03_Proiectarea BD prin normalizare/03a_Introducere_in_proiectareaBD.pptx
@@ -7,7 +7,7 @@
     <p:sldMasterId id="2147483725" r:id="rId3"/>
   </p:sldMasterIdLst>
   <p:notesMasterIdLst>
-    <p:notesMasterId r:id="rId29"/>
+    <p:notesMasterId r:id="rId28"/>
   </p:notesMasterIdLst>
   <p:sldIdLst>
     <p:sldId id="256" r:id="rId4"/>
@@ -34,7 +34,6 @@
     <p:sldId id="299" r:id="rId25"/>
     <p:sldId id="303" r:id="rId26"/>
     <p:sldId id="297" r:id="rId27"/>
-    <p:sldId id="327" r:id="rId28"/>
   </p:sldIdLst>
   <p:sldSz cx="9144000" cy="6858000" type="screen4x3"/>
   <p:notesSz cx="6858000" cy="9144000"/>
@@ -290,7 +289,7 @@
             <a:fld id="{082B9E41-CDA9-4A7D-97C0-E81083CE2A8D}" type="datetimeFigureOut">
               <a:rPr lang="en-US" smtClean="0"/>
               <a:pPr/>
-              <a:t>3/7/17</a:t>
+              <a:t>3/24/20</a:t>
             </a:fld>
             <a:endParaRPr lang="en-US"/>
           </a:p>
@@ -356,38 +355,37 @@
           <a:p>
             <a:pPr lvl="0"/>
             <a:r>
-              <a:rPr lang="en-US" smtClean="0"/>
+              <a:rPr lang="en-US"/>
               <a:t>Click to edit Master text styles</a:t>
             </a:r>
           </a:p>
           <a:p>
             <a:pPr lvl="1"/>
             <a:r>
-              <a:rPr lang="en-US" smtClean="0"/>
+              <a:rPr lang="en-US"/>
               <a:t>Second level</a:t>
             </a:r>
           </a:p>
           <a:p>
             <a:pPr lvl="2"/>
             <a:r>
-              <a:rPr lang="en-US" smtClean="0"/>
+              <a:rPr lang="en-US"/>
               <a:t>Third level</a:t>
             </a:r>
           </a:p>
           <a:p>
             <a:pPr lvl="3"/>
             <a:r>
-              <a:rPr lang="en-US" smtClean="0"/>
+              <a:rPr lang="en-US"/>
               <a:t>Fourth level</a:t>
             </a:r>
           </a:p>
           <a:p>
             <a:pPr lvl="4"/>
             <a:r>
-              <a:rPr lang="en-US" smtClean="0"/>
+              <a:rPr lang="en-US"/>
               <a:t>Fifth level</a:t>
             </a:r>
-            <a:endParaRPr lang="en-US"/>
           </a:p>
         </p:txBody>
       </p:sp>
@@ -768,10 +766,9 @@
           </a:lstStyle>
           <a:p>
             <a:r>
-              <a:rPr kumimoji="0" lang="en-US" smtClean="0"/>
+              <a:rPr kumimoji="0" lang="en-US"/>
               <a:t>Click to edit Master title style</a:t>
             </a:r>
-            <a:endParaRPr kumimoji="0" lang="en-US"/>
           </a:p>
         </p:txBody>
       </p:sp>
@@ -833,10 +830,9 @@
           </a:lstStyle>
           <a:p>
             <a:r>
-              <a:rPr kumimoji="0" lang="en-US" smtClean="0"/>
+              <a:rPr kumimoji="0" lang="en-US"/>
               <a:t>Click to edit Master subtitle style</a:t>
             </a:r>
-            <a:endParaRPr kumimoji="0" lang="en-US"/>
           </a:p>
         </p:txBody>
       </p:sp>
@@ -853,9 +849,7 @@
         <p:spPr/>
         <p:txBody>
           <a:bodyPr/>
-          <a:lstStyle>
-            <a:extLst/>
-          </a:lstStyle>
+          <a:lstStyle/>
           <a:p>
             <a:pPr>
               <a:defRPr/>
@@ -877,9 +871,7 @@
         <p:spPr/>
         <p:txBody>
           <a:bodyPr/>
-          <a:lstStyle>
-            <a:extLst/>
-          </a:lstStyle>
+          <a:lstStyle/>
           <a:p>
             <a:pPr>
               <a:defRPr/>
@@ -901,9 +893,7 @@
         <p:spPr/>
         <p:txBody>
           <a:bodyPr/>
-          <a:lstStyle>
-            <a:extLst/>
-          </a:lstStyle>
+          <a:lstStyle/>
           <a:p>
             <a:pPr>
               <a:defRPr/>
@@ -997,9 +987,7 @@
         </p:style>
         <p:txBody>
           <a:bodyPr anchor="ctr"/>
-          <a:lstStyle>
-            <a:extLst/>
-          </a:lstStyle>
+          <a:lstStyle/>
           <a:p>
             <a:pPr algn="ctr" eaLnBrk="1" latinLnBrk="0" hangingPunct="1"/>
             <a:endParaRPr kumimoji="0" lang="en-US"/>
@@ -1048,9 +1036,7 @@
         </p:style>
         <p:txBody>
           <a:bodyPr anchor="ctr"/>
-          <a:lstStyle>
-            <a:extLst/>
-          </a:lstStyle>
+          <a:lstStyle/>
           <a:p>
             <a:pPr algn="ctr" eaLnBrk="1" latinLnBrk="0" hangingPunct="1"/>
             <a:endParaRPr kumimoji="0" lang="en-US"/>
@@ -1065,13 +1051,6 @@
   <p:transition>
     <p:random/>
   </p:transition>
-  <p:timing>
-    <p:tnLst>
-      <p:par>
-        <p:cTn id="1" dur="indefinite" restart="never" nodeType="tmRoot"/>
-      </p:par>
-    </p:tnLst>
-  </p:timing>
 </p:sldLayout>
 </file>
 
@@ -1105,88 +1084,81 @@
         <p:spPr/>
         <p:txBody>
           <a:bodyPr/>
-          <a:lstStyle>
-            <a:extLst/>
-          </a:lstStyle>
-          <a:p>
-            <a:r>
-              <a:rPr kumimoji="0" lang="en-US" smtClean="0"/>
+          <a:lstStyle/>
+          <a:p>
+            <a:r>
+              <a:rPr kumimoji="0" lang="en-US"/>
               <a:t>Click to edit Master title style</a:t>
             </a:r>
+          </a:p>
+        </p:txBody>
+      </p:sp>
+      <p:sp>
+        <p:nvSpPr>
+          <p:cNvPr id="3" name="Vertical Text Placeholder 2"/>
+          <p:cNvSpPr>
+            <a:spLocks noGrp="1"/>
+          </p:cNvSpPr>
+          <p:nvPr>
+            <p:ph type="body" orient="vert" idx="1"/>
+          </p:nvPr>
+        </p:nvSpPr>
+        <p:spPr/>
+        <p:txBody>
+          <a:bodyPr vert="eaVert"/>
+          <a:lstStyle/>
+          <a:p>
+            <a:pPr lvl="0" eaLnBrk="1" latinLnBrk="0" hangingPunct="1"/>
+            <a:r>
+              <a:rPr lang="en-US"/>
+              <a:t>Click to edit Master text styles</a:t>
+            </a:r>
+          </a:p>
+          <a:p>
+            <a:pPr lvl="1" eaLnBrk="1" latinLnBrk="0" hangingPunct="1"/>
+            <a:r>
+              <a:rPr lang="en-US"/>
+              <a:t>Second level</a:t>
+            </a:r>
+          </a:p>
+          <a:p>
+            <a:pPr lvl="2" eaLnBrk="1" latinLnBrk="0" hangingPunct="1"/>
+            <a:r>
+              <a:rPr lang="en-US"/>
+              <a:t>Third level</a:t>
+            </a:r>
+          </a:p>
+          <a:p>
+            <a:pPr lvl="3" eaLnBrk="1" latinLnBrk="0" hangingPunct="1"/>
+            <a:r>
+              <a:rPr lang="en-US"/>
+              <a:t>Fourth level</a:t>
+            </a:r>
+          </a:p>
+          <a:p>
+            <a:pPr lvl="4" eaLnBrk="1" latinLnBrk="0" hangingPunct="1"/>
+            <a:r>
+              <a:rPr lang="en-US"/>
+              <a:t>Fifth level</a:t>
+            </a:r>
             <a:endParaRPr kumimoji="0" lang="en-US"/>
           </a:p>
         </p:txBody>
       </p:sp>
       <p:sp>
         <p:nvSpPr>
-          <p:cNvPr id="3" name="Vertical Text Placeholder 2"/>
-          <p:cNvSpPr>
-            <a:spLocks noGrp="1"/>
-          </p:cNvSpPr>
-          <p:nvPr>
-            <p:ph type="body" orient="vert" idx="1"/>
+          <p:cNvPr id="4" name="Date Placeholder 3"/>
+          <p:cNvSpPr>
+            <a:spLocks noGrp="1"/>
+          </p:cNvSpPr>
+          <p:nvPr>
+            <p:ph type="dt" sz="half" idx="10"/>
           </p:nvPr>
         </p:nvSpPr>
         <p:spPr/>
         <p:txBody>
-          <a:bodyPr vert="eaVert"/>
-          <a:lstStyle>
-            <a:extLst/>
-          </a:lstStyle>
-          <a:p>
-            <a:pPr lvl="0" eaLnBrk="1" latinLnBrk="0" hangingPunct="1"/>
-            <a:r>
-              <a:rPr lang="en-US" smtClean="0"/>
-              <a:t>Click to edit Master text styles</a:t>
-            </a:r>
-          </a:p>
-          <a:p>
-            <a:pPr lvl="1" eaLnBrk="1" latinLnBrk="0" hangingPunct="1"/>
-            <a:r>
-              <a:rPr lang="en-US" smtClean="0"/>
-              <a:t>Second level</a:t>
-            </a:r>
-          </a:p>
-          <a:p>
-            <a:pPr lvl="2" eaLnBrk="1" latinLnBrk="0" hangingPunct="1"/>
-            <a:r>
-              <a:rPr lang="en-US" smtClean="0"/>
-              <a:t>Third level</a:t>
-            </a:r>
-          </a:p>
-          <a:p>
-            <a:pPr lvl="3" eaLnBrk="1" latinLnBrk="0" hangingPunct="1"/>
-            <a:r>
-              <a:rPr lang="en-US" smtClean="0"/>
-              <a:t>Fourth level</a:t>
-            </a:r>
-          </a:p>
-          <a:p>
-            <a:pPr lvl="4" eaLnBrk="1" latinLnBrk="0" hangingPunct="1"/>
-            <a:r>
-              <a:rPr lang="en-US" smtClean="0"/>
-              <a:t>Fifth level</a:t>
-            </a:r>
-            <a:endParaRPr kumimoji="0" lang="en-US"/>
-          </a:p>
-        </p:txBody>
-      </p:sp>
-      <p:sp>
-        <p:nvSpPr>
-          <p:cNvPr id="4" name="Date Placeholder 3"/>
-          <p:cNvSpPr>
-            <a:spLocks noGrp="1"/>
-          </p:cNvSpPr>
-          <p:nvPr>
-            <p:ph type="dt" sz="half" idx="10"/>
-          </p:nvPr>
-        </p:nvSpPr>
-        <p:spPr/>
-        <p:txBody>
           <a:bodyPr/>
-          <a:lstStyle>
-            <a:extLst/>
-          </a:lstStyle>
+          <a:lstStyle/>
           <a:p>
             <a:pPr>
               <a:defRPr/>
@@ -1208,9 +1180,7 @@
         <p:spPr/>
         <p:txBody>
           <a:bodyPr/>
-          <a:lstStyle>
-            <a:extLst/>
-          </a:lstStyle>
+          <a:lstStyle/>
           <a:p>
             <a:pPr>
               <a:defRPr/>
@@ -1232,9 +1202,7 @@
         <p:spPr/>
         <p:txBody>
           <a:bodyPr/>
-          <a:lstStyle>
-            <a:extLst/>
-          </a:lstStyle>
+          <a:lstStyle/>
           <a:p>
             <a:pPr>
               <a:defRPr/>
@@ -1258,13 +1226,6 @@
   <p:transition>
     <p:random/>
   </p:transition>
-  <p:timing>
-    <p:tnLst>
-      <p:par>
-        <p:cTn id="1" dur="indefinite" restart="never" nodeType="tmRoot"/>
-      </p:par>
-    </p:tnLst>
-  </p:timing>
 </p:sldLayout>
 </file>
 
@@ -1303,15 +1264,12 @@
         </p:spPr>
         <p:txBody>
           <a:bodyPr vert="eaVert"/>
-          <a:lstStyle>
-            <a:extLst/>
-          </a:lstStyle>
-          <a:p>
-            <a:r>
-              <a:rPr kumimoji="0" lang="en-US" smtClean="0"/>
+          <a:lstStyle/>
+          <a:p>
+            <a:r>
+              <a:rPr kumimoji="0" lang="en-US"/>
               <a:t>Click to edit Master title style</a:t>
             </a:r>
-            <a:endParaRPr kumimoji="0" lang="en-US"/>
           </a:p>
         </p:txBody>
       </p:sp>
@@ -1333,41 +1291,39 @@
         </p:spPr>
         <p:txBody>
           <a:bodyPr vert="eaVert"/>
-          <a:lstStyle>
-            <a:extLst/>
-          </a:lstStyle>
+          <a:lstStyle/>
           <a:p>
             <a:pPr lvl="0" eaLnBrk="1" latinLnBrk="0" hangingPunct="1"/>
             <a:r>
-              <a:rPr lang="en-US" smtClean="0"/>
+              <a:rPr lang="en-US"/>
               <a:t>Click to edit Master text styles</a:t>
             </a:r>
           </a:p>
           <a:p>
             <a:pPr lvl="1" eaLnBrk="1" latinLnBrk="0" hangingPunct="1"/>
             <a:r>
-              <a:rPr lang="en-US" smtClean="0"/>
+              <a:rPr lang="en-US"/>
               <a:t>Second level</a:t>
             </a:r>
           </a:p>
           <a:p>
             <a:pPr lvl="2" eaLnBrk="1" latinLnBrk="0" hangingPunct="1"/>
             <a:r>
-              <a:rPr lang="en-US" smtClean="0"/>
+              <a:rPr lang="en-US"/>
               <a:t>Third level</a:t>
             </a:r>
           </a:p>
           <a:p>
             <a:pPr lvl="3" eaLnBrk="1" latinLnBrk="0" hangingPunct="1"/>
             <a:r>
-              <a:rPr lang="en-US" smtClean="0"/>
+              <a:rPr lang="en-US"/>
               <a:t>Fourth level</a:t>
             </a:r>
           </a:p>
           <a:p>
             <a:pPr lvl="4" eaLnBrk="1" latinLnBrk="0" hangingPunct="1"/>
             <a:r>
-              <a:rPr lang="en-US" smtClean="0"/>
+              <a:rPr lang="en-US"/>
               <a:t>Fifth level</a:t>
             </a:r>
             <a:endParaRPr kumimoji="0" lang="en-US"/>
@@ -1387,9 +1343,7 @@
         <p:spPr/>
         <p:txBody>
           <a:bodyPr/>
-          <a:lstStyle>
-            <a:extLst/>
-          </a:lstStyle>
+          <a:lstStyle/>
           <a:p>
             <a:pPr>
               <a:defRPr/>
@@ -1411,9 +1365,7 @@
         <p:spPr/>
         <p:txBody>
           <a:bodyPr/>
-          <a:lstStyle>
-            <a:extLst/>
-          </a:lstStyle>
+          <a:lstStyle/>
           <a:p>
             <a:pPr>
               <a:defRPr/>
@@ -1435,9 +1387,7 @@
         <p:spPr/>
         <p:txBody>
           <a:bodyPr/>
-          <a:lstStyle>
-            <a:extLst/>
-          </a:lstStyle>
+          <a:lstStyle/>
           <a:p>
             <a:pPr>
               <a:defRPr/>
@@ -1461,13 +1411,6 @@
   <p:transition>
     <p:random/>
   </p:transition>
-  <p:timing>
-    <p:tnLst>
-      <p:par>
-        <p:cTn id="1" dur="indefinite" restart="never" nodeType="tmRoot"/>
-      </p:par>
-    </p:tnLst>
-  </p:timing>
 </p:sldLayout>
 </file>
 
@@ -1566,9 +1509,7 @@
         </p:style>
         <p:txBody>
           <a:bodyPr anchor="ctr"/>
-          <a:lstStyle>
-            <a:extLst/>
-          </a:lstStyle>
+          <a:lstStyle/>
           <a:p>
             <a:pPr algn="ctr">
               <a:defRPr/>
@@ -1619,9 +1560,7 @@
         </p:style>
         <p:txBody>
           <a:bodyPr anchor="ctr"/>
-          <a:lstStyle>
-            <a:extLst/>
-          </a:lstStyle>
+          <a:lstStyle/>
           <a:p>
             <a:pPr algn="ctr">
               <a:defRPr/>
@@ -1656,10 +1595,9 @@
           </a:lstStyle>
           <a:p>
             <a:r>
-              <a:rPr lang="en-US" smtClean="0"/>
+              <a:rPr lang="en-US"/>
               <a:t>Click to edit Master title style</a:t>
             </a:r>
-            <a:endParaRPr lang="en-US"/>
           </a:p>
         </p:txBody>
       </p:sp>
@@ -1721,10 +1659,9 @@
           </a:lstStyle>
           <a:p>
             <a:r>
-              <a:rPr lang="en-US" smtClean="0"/>
+              <a:rPr lang="en-US"/>
               <a:t>Click to edit Master subtitle style</a:t>
             </a:r>
-            <a:endParaRPr lang="en-US"/>
           </a:p>
         </p:txBody>
       </p:sp>
@@ -1862,15 +1799,12 @@
         <p:spPr/>
         <p:txBody>
           <a:bodyPr/>
-          <a:lstStyle>
-            <a:extLst/>
-          </a:lstStyle>
-          <a:p>
-            <a:r>
-              <a:rPr lang="en-US" smtClean="0"/>
+          <a:lstStyle/>
+          <a:p>
+            <a:r>
+              <a:rPr lang="en-US"/>
               <a:t>Click to edit Master title style</a:t>
             </a:r>
-            <a:endParaRPr lang="en-US"/>
           </a:p>
         </p:txBody>
       </p:sp>
@@ -1887,44 +1821,41 @@
         <p:spPr/>
         <p:txBody>
           <a:bodyPr/>
-          <a:lstStyle>
-            <a:extLst/>
-          </a:lstStyle>
+          <a:lstStyle/>
           <a:p>
             <a:pPr lvl="0"/>
             <a:r>
-              <a:rPr lang="en-US" smtClean="0"/>
+              <a:rPr lang="en-US"/>
               <a:t>Click to edit Master text styles</a:t>
             </a:r>
           </a:p>
           <a:p>
             <a:pPr lvl="1"/>
             <a:r>
-              <a:rPr lang="en-US" smtClean="0"/>
+              <a:rPr lang="en-US"/>
               <a:t>Second level</a:t>
             </a:r>
           </a:p>
           <a:p>
             <a:pPr lvl="2"/>
             <a:r>
-              <a:rPr lang="en-US" smtClean="0"/>
+              <a:rPr lang="en-US"/>
               <a:t>Third level</a:t>
             </a:r>
           </a:p>
           <a:p>
             <a:pPr lvl="3"/>
             <a:r>
-              <a:rPr lang="en-US" smtClean="0"/>
+              <a:rPr lang="en-US"/>
               <a:t>Fourth level</a:t>
             </a:r>
           </a:p>
           <a:p>
             <a:pPr lvl="4"/>
             <a:r>
-              <a:rPr lang="en-US" smtClean="0"/>
+              <a:rPr lang="en-US"/>
               <a:t>Fifth level</a:t>
             </a:r>
-            <a:endParaRPr lang="en-US"/>
           </a:p>
         </p:txBody>
       </p:sp>
@@ -2085,9 +2016,7 @@
         </p:style>
         <p:txBody>
           <a:bodyPr anchor="ctr"/>
-          <a:lstStyle>
-            <a:extLst/>
-          </a:lstStyle>
+          <a:lstStyle/>
           <a:p>
             <a:pPr algn="ctr">
               <a:defRPr/>
@@ -2143,9 +2072,7 @@
         </p:style>
         <p:txBody>
           <a:bodyPr anchor="ctr"/>
-          <a:lstStyle>
-            <a:extLst/>
-          </a:lstStyle>
+          <a:lstStyle/>
           <a:p>
             <a:pPr algn="ctr">
               <a:defRPr/>
@@ -2232,9 +2159,7 @@
         </p:style>
         <p:txBody>
           <a:bodyPr anchor="ctr"/>
-          <a:lstStyle>
-            <a:extLst/>
-          </a:lstStyle>
+          <a:lstStyle/>
           <a:p>
             <a:pPr algn="ctr">
               <a:defRPr/>
@@ -2285,9 +2210,7 @@
         </p:style>
         <p:txBody>
           <a:bodyPr anchor="ctr"/>
-          <a:lstStyle>
-            <a:extLst/>
-          </a:lstStyle>
+          <a:lstStyle/>
           <a:p>
             <a:pPr algn="ctr">
               <a:defRPr/>
@@ -2326,10 +2249,9 @@
           </a:lstStyle>
           <a:p>
             <a:r>
-              <a:rPr lang="en-US" smtClean="0"/>
+              <a:rPr lang="en-US"/>
               <a:t>Click to edit Master title style</a:t>
             </a:r>
-            <a:endParaRPr lang="en-US"/>
           </a:p>
         </p:txBody>
       </p:sp>
@@ -2414,7 +2336,7 @@
           <a:p>
             <a:pPr lvl="0"/>
             <a:r>
-              <a:rPr lang="en-US" smtClean="0"/>
+              <a:rPr lang="en-US"/>
               <a:t>Click to edit Master text styles</a:t>
             </a:r>
           </a:p>
@@ -2559,15 +2481,12 @@
         </p:spPr>
         <p:txBody>
           <a:bodyPr/>
-          <a:lstStyle>
-            <a:extLst/>
-          </a:lstStyle>
-          <a:p>
-            <a:r>
-              <a:rPr lang="en-US" smtClean="0"/>
+          <a:lstStyle/>
+          <a:p>
+            <a:r>
+              <a:rPr lang="en-US"/>
               <a:t>Click to edit Master title style</a:t>
             </a:r>
-            <a:endParaRPr lang="en-US"/>
           </a:p>
         </p:txBody>
       </p:sp>
@@ -2610,38 +2529,37 @@
           <a:p>
             <a:pPr lvl="0"/>
             <a:r>
-              <a:rPr lang="en-US" smtClean="0"/>
+              <a:rPr lang="en-US"/>
               <a:t>Click to edit Master text styles</a:t>
             </a:r>
           </a:p>
           <a:p>
             <a:pPr lvl="1"/>
             <a:r>
-              <a:rPr lang="en-US" smtClean="0"/>
+              <a:rPr lang="en-US"/>
               <a:t>Second level</a:t>
             </a:r>
           </a:p>
           <a:p>
             <a:pPr lvl="2"/>
             <a:r>
-              <a:rPr lang="en-US" smtClean="0"/>
+              <a:rPr lang="en-US"/>
               <a:t>Third level</a:t>
             </a:r>
           </a:p>
           <a:p>
             <a:pPr lvl="3"/>
             <a:r>
-              <a:rPr lang="en-US" smtClean="0"/>
+              <a:rPr lang="en-US"/>
               <a:t>Fourth level</a:t>
             </a:r>
           </a:p>
           <a:p>
             <a:pPr lvl="4"/>
             <a:r>
-              <a:rPr lang="en-US" smtClean="0"/>
+              <a:rPr lang="en-US"/>
               <a:t>Fifth level</a:t>
             </a:r>
-            <a:endParaRPr lang="en-US"/>
           </a:p>
         </p:txBody>
       </p:sp>
@@ -2684,38 +2602,37 @@
           <a:p>
             <a:pPr lvl="0"/>
             <a:r>
-              <a:rPr lang="en-US" smtClean="0"/>
+              <a:rPr lang="en-US"/>
               <a:t>Click to edit Master text styles</a:t>
             </a:r>
           </a:p>
           <a:p>
             <a:pPr lvl="1"/>
             <a:r>
-              <a:rPr lang="en-US" smtClean="0"/>
+              <a:rPr lang="en-US"/>
               <a:t>Second level</a:t>
             </a:r>
           </a:p>
           <a:p>
             <a:pPr lvl="2"/>
             <a:r>
-              <a:rPr lang="en-US" smtClean="0"/>
+              <a:rPr lang="en-US"/>
               <a:t>Third level</a:t>
             </a:r>
           </a:p>
           <a:p>
             <a:pPr lvl="3"/>
             <a:r>
-              <a:rPr lang="en-US" smtClean="0"/>
+              <a:rPr lang="en-US"/>
               <a:t>Fourth level</a:t>
             </a:r>
           </a:p>
           <a:p>
             <a:pPr lvl="4"/>
             <a:r>
-              <a:rPr lang="en-US" smtClean="0"/>
+              <a:rPr lang="en-US"/>
               <a:t>Fifth level</a:t>
             </a:r>
-            <a:endParaRPr lang="en-US"/>
           </a:p>
         </p:txBody>
       </p:sp>
@@ -2863,10 +2780,9 @@
           </a:lstStyle>
           <a:p>
             <a:r>
-              <a:rPr lang="en-US" smtClean="0"/>
+              <a:rPr lang="en-US"/>
               <a:t>Click to edit Master title style</a:t>
             </a:r>
-            <a:endParaRPr lang="en-US"/>
           </a:p>
         </p:txBody>
       </p:sp>
@@ -2933,7 +2849,7 @@
           <a:p>
             <a:pPr lvl="0"/>
             <a:r>
-              <a:rPr lang="en-US" smtClean="0"/>
+              <a:rPr lang="en-US"/>
               <a:t>Click to edit Master text styles</a:t>
             </a:r>
           </a:p>
@@ -3002,7 +2918,7 @@
           <a:p>
             <a:pPr lvl="0"/>
             <a:r>
-              <a:rPr lang="en-US" smtClean="0"/>
+              <a:rPr lang="en-US"/>
               <a:t>Click to edit Master text styles</a:t>
             </a:r>
           </a:p>
@@ -3084,38 +3000,37 @@
           <a:p>
             <a:pPr lvl="0"/>
             <a:r>
-              <a:rPr lang="en-US" smtClean="0"/>
+              <a:rPr lang="en-US"/>
               <a:t>Click to edit Master text styles</a:t>
             </a:r>
           </a:p>
           <a:p>
             <a:pPr lvl="1"/>
             <a:r>
-              <a:rPr lang="en-US" smtClean="0"/>
+              <a:rPr lang="en-US"/>
               <a:t>Second level</a:t>
             </a:r>
           </a:p>
           <a:p>
             <a:pPr lvl="2"/>
             <a:r>
-              <a:rPr lang="en-US" smtClean="0"/>
+              <a:rPr lang="en-US"/>
               <a:t>Third level</a:t>
             </a:r>
           </a:p>
           <a:p>
             <a:pPr lvl="3"/>
             <a:r>
-              <a:rPr lang="en-US" smtClean="0"/>
+              <a:rPr lang="en-US"/>
               <a:t>Fourth level</a:t>
             </a:r>
           </a:p>
           <a:p>
             <a:pPr lvl="4"/>
             <a:r>
-              <a:rPr lang="en-US" smtClean="0"/>
+              <a:rPr lang="en-US"/>
               <a:t>Fifth level</a:t>
             </a:r>
-            <a:endParaRPr lang="en-US"/>
           </a:p>
         </p:txBody>
       </p:sp>
@@ -3195,38 +3110,37 @@
           <a:p>
             <a:pPr lvl="0"/>
             <a:r>
-              <a:rPr lang="en-US" smtClean="0"/>
+              <a:rPr lang="en-US"/>
               <a:t>Click to edit Master text styles</a:t>
             </a:r>
           </a:p>
           <a:p>
             <a:pPr lvl="1"/>
             <a:r>
-              <a:rPr lang="en-US" smtClean="0"/>
+              <a:rPr lang="en-US"/>
               <a:t>Second level</a:t>
             </a:r>
           </a:p>
           <a:p>
             <a:pPr lvl="2"/>
             <a:r>
-              <a:rPr lang="en-US" smtClean="0"/>
+              <a:rPr lang="en-US"/>
               <a:t>Third level</a:t>
             </a:r>
           </a:p>
           <a:p>
             <a:pPr lvl="3"/>
             <a:r>
-              <a:rPr lang="en-US" smtClean="0"/>
+              <a:rPr lang="en-US"/>
               <a:t>Fourth level</a:t>
             </a:r>
           </a:p>
           <a:p>
             <a:pPr lvl="4"/>
             <a:r>
-              <a:rPr lang="en-US" smtClean="0"/>
+              <a:rPr lang="en-US"/>
               <a:t>Fifth level</a:t>
             </a:r>
-            <a:endParaRPr lang="en-US"/>
           </a:p>
         </p:txBody>
       </p:sp>
@@ -3369,15 +3283,12 @@
         </p:spPr>
         <p:txBody>
           <a:bodyPr/>
-          <a:lstStyle>
-            <a:extLst/>
-          </a:lstStyle>
-          <a:p>
-            <a:r>
-              <a:rPr lang="en-US" smtClean="0"/>
+          <a:lstStyle/>
+          <a:p>
+            <a:r>
+              <a:rPr lang="en-US"/>
               <a:t>Click to edit Master title style</a:t>
             </a:r>
-            <a:endParaRPr lang="en-US"/>
           </a:p>
         </p:txBody>
       </p:sp>
@@ -3538,9 +3449,7 @@
         </p:style>
         <p:txBody>
           <a:bodyPr anchor="ctr"/>
-          <a:lstStyle>
-            <a:extLst/>
-          </a:lstStyle>
+          <a:lstStyle/>
           <a:p>
             <a:pPr algn="ctr">
               <a:defRPr/>
@@ -3596,9 +3505,7 @@
         </p:style>
         <p:txBody>
           <a:bodyPr anchor="ctr"/>
-          <a:lstStyle>
-            <a:extLst/>
-          </a:lstStyle>
+          <a:lstStyle/>
           <a:p>
             <a:pPr algn="ctr">
               <a:defRPr/>
@@ -3761,10 +3668,9 @@
           </a:lstStyle>
           <a:p>
             <a:r>
-              <a:rPr lang="en-US" smtClean="0"/>
+              <a:rPr lang="en-US"/>
               <a:t>Click to edit Master title style</a:t>
             </a:r>
-            <a:endParaRPr lang="en-US"/>
           </a:p>
         </p:txBody>
       </p:sp>
@@ -3818,7 +3724,7 @@
           <a:p>
             <a:pPr lvl="0"/>
             <a:r>
-              <a:rPr lang="en-US" smtClean="0"/>
+              <a:rPr lang="en-US"/>
               <a:t>Click to edit Master text styles</a:t>
             </a:r>
           </a:p>
@@ -3863,38 +3769,37 @@
           <a:p>
             <a:pPr lvl="0"/>
             <a:r>
-              <a:rPr lang="en-US" smtClean="0"/>
+              <a:rPr lang="en-US"/>
               <a:t>Click to edit Master text styles</a:t>
             </a:r>
           </a:p>
           <a:p>
             <a:pPr lvl="1"/>
             <a:r>
-              <a:rPr lang="en-US" smtClean="0"/>
+              <a:rPr lang="en-US"/>
               <a:t>Second level</a:t>
             </a:r>
           </a:p>
           <a:p>
             <a:pPr lvl="2"/>
             <a:r>
-              <a:rPr lang="en-US" smtClean="0"/>
+              <a:rPr lang="en-US"/>
               <a:t>Third level</a:t>
             </a:r>
           </a:p>
           <a:p>
             <a:pPr lvl="3"/>
             <a:r>
-              <a:rPr lang="en-US" smtClean="0"/>
+              <a:rPr lang="en-US"/>
               <a:t>Fourth level</a:t>
             </a:r>
           </a:p>
           <a:p>
             <a:pPr lvl="4"/>
             <a:r>
-              <a:rPr lang="en-US" smtClean="0"/>
+              <a:rPr lang="en-US"/>
               <a:t>Fifth level</a:t>
             </a:r>
-            <a:endParaRPr lang="en-US"/>
           </a:p>
         </p:txBody>
       </p:sp>
@@ -4032,88 +3937,81 @@
         <p:spPr/>
         <p:txBody>
           <a:bodyPr/>
-          <a:lstStyle>
-            <a:extLst/>
-          </a:lstStyle>
-          <a:p>
-            <a:r>
-              <a:rPr kumimoji="0" lang="en-US" smtClean="0"/>
+          <a:lstStyle/>
+          <a:p>
+            <a:r>
+              <a:rPr kumimoji="0" lang="en-US"/>
               <a:t>Click to edit Master title style</a:t>
             </a:r>
+          </a:p>
+        </p:txBody>
+      </p:sp>
+      <p:sp>
+        <p:nvSpPr>
+          <p:cNvPr id="3" name="Content Placeholder 2"/>
+          <p:cNvSpPr>
+            <a:spLocks noGrp="1"/>
+          </p:cNvSpPr>
+          <p:nvPr>
+            <p:ph idx="1"/>
+          </p:nvPr>
+        </p:nvSpPr>
+        <p:spPr/>
+        <p:txBody>
+          <a:bodyPr/>
+          <a:lstStyle/>
+          <a:p>
+            <a:pPr lvl="0" eaLnBrk="1" latinLnBrk="0" hangingPunct="1"/>
+            <a:r>
+              <a:rPr lang="en-US"/>
+              <a:t>Click to edit Master text styles</a:t>
+            </a:r>
+          </a:p>
+          <a:p>
+            <a:pPr lvl="1" eaLnBrk="1" latinLnBrk="0" hangingPunct="1"/>
+            <a:r>
+              <a:rPr lang="en-US"/>
+              <a:t>Second level</a:t>
+            </a:r>
+          </a:p>
+          <a:p>
+            <a:pPr lvl="2" eaLnBrk="1" latinLnBrk="0" hangingPunct="1"/>
+            <a:r>
+              <a:rPr lang="en-US"/>
+              <a:t>Third level</a:t>
+            </a:r>
+          </a:p>
+          <a:p>
+            <a:pPr lvl="3" eaLnBrk="1" latinLnBrk="0" hangingPunct="1"/>
+            <a:r>
+              <a:rPr lang="en-US"/>
+              <a:t>Fourth level</a:t>
+            </a:r>
+          </a:p>
+          <a:p>
+            <a:pPr lvl="4" eaLnBrk="1" latinLnBrk="0" hangingPunct="1"/>
+            <a:r>
+              <a:rPr lang="en-US"/>
+              <a:t>Fifth level</a:t>
+            </a:r>
             <a:endParaRPr kumimoji="0" lang="en-US"/>
           </a:p>
         </p:txBody>
       </p:sp>
       <p:sp>
         <p:nvSpPr>
-          <p:cNvPr id="3" name="Content Placeholder 2"/>
-          <p:cNvSpPr>
-            <a:spLocks noGrp="1"/>
-          </p:cNvSpPr>
-          <p:nvPr>
-            <p:ph idx="1"/>
+          <p:cNvPr id="4" name="Date Placeholder 3"/>
+          <p:cNvSpPr>
+            <a:spLocks noGrp="1"/>
+          </p:cNvSpPr>
+          <p:nvPr>
+            <p:ph type="dt" sz="half" idx="10"/>
           </p:nvPr>
         </p:nvSpPr>
         <p:spPr/>
         <p:txBody>
           <a:bodyPr/>
-          <a:lstStyle>
-            <a:extLst/>
-          </a:lstStyle>
-          <a:p>
-            <a:pPr lvl="0" eaLnBrk="1" latinLnBrk="0" hangingPunct="1"/>
-            <a:r>
-              <a:rPr lang="en-US" smtClean="0"/>
-              <a:t>Click to edit Master text styles</a:t>
-            </a:r>
-          </a:p>
-          <a:p>
-            <a:pPr lvl="1" eaLnBrk="1" latinLnBrk="0" hangingPunct="1"/>
-            <a:r>
-              <a:rPr lang="en-US" smtClean="0"/>
-              <a:t>Second level</a:t>
-            </a:r>
-          </a:p>
-          <a:p>
-            <a:pPr lvl="2" eaLnBrk="1" latinLnBrk="0" hangingPunct="1"/>
-            <a:r>
-              <a:rPr lang="en-US" smtClean="0"/>
-              <a:t>Third level</a:t>
-            </a:r>
-          </a:p>
-          <a:p>
-            <a:pPr lvl="3" eaLnBrk="1" latinLnBrk="0" hangingPunct="1"/>
-            <a:r>
-              <a:rPr lang="en-US" smtClean="0"/>
-              <a:t>Fourth level</a:t>
-            </a:r>
-          </a:p>
-          <a:p>
-            <a:pPr lvl="4" eaLnBrk="1" latinLnBrk="0" hangingPunct="1"/>
-            <a:r>
-              <a:rPr lang="en-US" smtClean="0"/>
-              <a:t>Fifth level</a:t>
-            </a:r>
-            <a:endParaRPr kumimoji="0" lang="en-US"/>
-          </a:p>
-        </p:txBody>
-      </p:sp>
-      <p:sp>
-        <p:nvSpPr>
-          <p:cNvPr id="4" name="Date Placeholder 3"/>
-          <p:cNvSpPr>
-            <a:spLocks noGrp="1"/>
-          </p:cNvSpPr>
-          <p:nvPr>
-            <p:ph type="dt" sz="half" idx="10"/>
-          </p:nvPr>
-        </p:nvSpPr>
-        <p:spPr/>
-        <p:txBody>
-          <a:bodyPr/>
-          <a:lstStyle>
-            <a:extLst/>
-          </a:lstStyle>
+          <a:lstStyle/>
           <a:p>
             <a:pPr>
               <a:defRPr/>
@@ -4135,9 +4033,7 @@
         <p:spPr/>
         <p:txBody>
           <a:bodyPr/>
-          <a:lstStyle>
-            <a:extLst/>
-          </a:lstStyle>
+          <a:lstStyle/>
           <a:p>
             <a:pPr>
               <a:defRPr/>
@@ -4159,9 +4055,7 @@
         <p:spPr/>
         <p:txBody>
           <a:bodyPr/>
-          <a:lstStyle>
-            <a:extLst/>
-          </a:lstStyle>
+          <a:lstStyle/>
           <a:p>
             <a:pPr>
               <a:defRPr/>
@@ -4185,13 +4079,6 @@
   <p:transition>
     <p:random/>
   </p:transition>
-  <p:timing>
-    <p:tnLst>
-      <p:par>
-        <p:cTn id="1" dur="indefinite" restart="never" nodeType="tmRoot"/>
-      </p:par>
-    </p:tnLst>
-  </p:timing>
 </p:sldLayout>
 </file>
 
@@ -4259,9 +4146,7 @@
           <a:bodyPr tIns="274320">
             <a:normAutofit/>
           </a:bodyPr>
-          <a:lstStyle>
-            <a:extLst/>
-          </a:lstStyle>
+          <a:lstStyle/>
           <a:p>
             <a:pPr indent="-283464" algn="l">
               <a:lnSpc>
@@ -4337,9 +4222,7 @@
         </p:style>
         <p:txBody>
           <a:bodyPr anchor="ctr"/>
-          <a:lstStyle>
-            <a:extLst/>
-          </a:lstStyle>
+          <a:lstStyle/>
           <a:p>
             <a:pPr algn="ctr">
               <a:defRPr/>
@@ -4399,9 +4282,7 @@
         </p:style>
         <p:txBody>
           <a:bodyPr anchor="ctr"/>
-          <a:lstStyle>
-            <a:extLst/>
-          </a:lstStyle>
+          <a:lstStyle/>
           <a:p>
             <a:pPr algn="ctr">
               <a:defRPr/>
@@ -4441,10 +4322,9 @@
           </a:lstStyle>
           <a:p>
             <a:r>
-              <a:rPr lang="en-US" smtClean="0"/>
+              <a:rPr lang="en-US"/>
               <a:t>Click to edit Master title style</a:t>
             </a:r>
-            <a:endParaRPr lang="en-US"/>
           </a:p>
         </p:txBody>
       </p:sp>
@@ -4491,7 +4371,7 @@
           <a:p>
             <a:pPr lvl="0"/>
             <a:r>
-              <a:rPr lang="en-US" noProof="0" smtClean="0"/>
+              <a:rPr lang="en-US" noProof="0"/>
               <a:t>Click icon to add picture</a:t>
             </a:r>
             <a:endParaRPr lang="en-US" noProof="0" dirty="0"/>
@@ -4548,7 +4428,7 @@
           <a:p>
             <a:pPr lvl="0"/>
             <a:r>
-              <a:rPr lang="en-US" smtClean="0"/>
+              <a:rPr lang="en-US"/>
               <a:t>Click to edit Master text styles</a:t>
             </a:r>
           </a:p>
@@ -4688,15 +4568,12 @@
         <p:spPr/>
         <p:txBody>
           <a:bodyPr/>
-          <a:lstStyle>
-            <a:extLst/>
-          </a:lstStyle>
-          <a:p>
-            <a:r>
-              <a:rPr lang="en-US" smtClean="0"/>
+          <a:lstStyle/>
+          <a:p>
+            <a:r>
+              <a:rPr lang="en-US"/>
               <a:t>Click to edit Master title style</a:t>
             </a:r>
-            <a:endParaRPr lang="en-US"/>
           </a:p>
         </p:txBody>
       </p:sp>
@@ -4713,44 +4590,41 @@
         <p:spPr/>
         <p:txBody>
           <a:bodyPr vert="eaVert"/>
-          <a:lstStyle>
-            <a:extLst/>
-          </a:lstStyle>
+          <a:lstStyle/>
           <a:p>
             <a:pPr lvl="0"/>
             <a:r>
-              <a:rPr lang="en-US" smtClean="0"/>
+              <a:rPr lang="en-US"/>
               <a:t>Click to edit Master text styles</a:t>
             </a:r>
           </a:p>
           <a:p>
             <a:pPr lvl="1"/>
             <a:r>
-              <a:rPr lang="en-US" smtClean="0"/>
+              <a:rPr lang="en-US"/>
               <a:t>Second level</a:t>
             </a:r>
           </a:p>
           <a:p>
             <a:pPr lvl="2"/>
             <a:r>
-              <a:rPr lang="en-US" smtClean="0"/>
+              <a:rPr lang="en-US"/>
               <a:t>Third level</a:t>
             </a:r>
           </a:p>
           <a:p>
             <a:pPr lvl="3"/>
             <a:r>
-              <a:rPr lang="en-US" smtClean="0"/>
+              <a:rPr lang="en-US"/>
               <a:t>Fourth level</a:t>
             </a:r>
           </a:p>
           <a:p>
             <a:pPr lvl="4"/>
             <a:r>
-              <a:rPr lang="en-US" smtClean="0"/>
+              <a:rPr lang="en-US"/>
               <a:t>Fifth level</a:t>
             </a:r>
-            <a:endParaRPr lang="en-US"/>
           </a:p>
         </p:txBody>
       </p:sp>
@@ -4890,15 +4764,12 @@
         </p:spPr>
         <p:txBody>
           <a:bodyPr vert="eaVert"/>
-          <a:lstStyle>
-            <a:extLst/>
-          </a:lstStyle>
-          <a:p>
-            <a:r>
-              <a:rPr lang="en-US" smtClean="0"/>
+          <a:lstStyle/>
+          <a:p>
+            <a:r>
+              <a:rPr lang="en-US"/>
               <a:t>Click to edit Master title style</a:t>
             </a:r>
-            <a:endParaRPr lang="en-US"/>
           </a:p>
         </p:txBody>
       </p:sp>
@@ -4920,44 +4791,41 @@
         </p:spPr>
         <p:txBody>
           <a:bodyPr vert="eaVert"/>
-          <a:lstStyle>
-            <a:extLst/>
-          </a:lstStyle>
+          <a:lstStyle/>
           <a:p>
             <a:pPr lvl="0"/>
             <a:r>
-              <a:rPr lang="en-US" smtClean="0"/>
+              <a:rPr lang="en-US"/>
               <a:t>Click to edit Master text styles</a:t>
             </a:r>
           </a:p>
           <a:p>
             <a:pPr lvl="1"/>
             <a:r>
-              <a:rPr lang="en-US" smtClean="0"/>
+              <a:rPr lang="en-US"/>
               <a:t>Second level</a:t>
             </a:r>
           </a:p>
           <a:p>
             <a:pPr lvl="2"/>
             <a:r>
-              <a:rPr lang="en-US" smtClean="0"/>
+              <a:rPr lang="en-US"/>
               <a:t>Third level</a:t>
             </a:r>
           </a:p>
           <a:p>
             <a:pPr lvl="3"/>
             <a:r>
-              <a:rPr lang="en-US" smtClean="0"/>
+              <a:rPr lang="en-US"/>
               <a:t>Fourth level</a:t>
             </a:r>
           </a:p>
           <a:p>
             <a:pPr lvl="4"/>
             <a:r>
-              <a:rPr lang="en-US" smtClean="0"/>
+              <a:rPr lang="en-US"/>
               <a:t>Fifth level</a:t>
             </a:r>
-            <a:endParaRPr lang="en-US"/>
           </a:p>
         </p:txBody>
       </p:sp>
@@ -5100,10 +4968,9 @@
           <a:lstStyle/>
           <a:p>
             <a:r>
-              <a:rPr lang="en-US" smtClean="0"/>
+              <a:rPr lang="en-US"/>
               <a:t>Click to edit Master title style</a:t>
             </a:r>
-            <a:endParaRPr lang="en-US"/>
           </a:p>
         </p:txBody>
       </p:sp>
@@ -5129,38 +4996,37 @@
           <a:p>
             <a:pPr lvl="0"/>
             <a:r>
-              <a:rPr lang="en-US" smtClean="0"/>
+              <a:rPr lang="en-US"/>
               <a:t>Click to edit Master text styles</a:t>
             </a:r>
           </a:p>
           <a:p>
             <a:pPr lvl="1"/>
             <a:r>
-              <a:rPr lang="en-US" smtClean="0"/>
+              <a:rPr lang="en-US"/>
               <a:t>Second level</a:t>
             </a:r>
           </a:p>
           <a:p>
             <a:pPr lvl="2"/>
             <a:r>
-              <a:rPr lang="en-US" smtClean="0"/>
+              <a:rPr lang="en-US"/>
               <a:t>Third level</a:t>
             </a:r>
           </a:p>
           <a:p>
             <a:pPr lvl="3"/>
             <a:r>
-              <a:rPr lang="en-US" smtClean="0"/>
+              <a:rPr lang="en-US"/>
               <a:t>Fourth level</a:t>
             </a:r>
           </a:p>
           <a:p>
             <a:pPr lvl="4"/>
             <a:r>
-              <a:rPr lang="en-US" smtClean="0"/>
+              <a:rPr lang="en-US"/>
               <a:t>Fifth level</a:t>
             </a:r>
-            <a:endParaRPr lang="en-US"/>
           </a:p>
         </p:txBody>
       </p:sp>
@@ -5345,10 +5211,9 @@
           <a:lstStyle/>
           <a:p>
             <a:r>
-              <a:rPr lang="en-US" smtClean="0"/>
+              <a:rPr lang="en-US"/>
               <a:t>Click to edit Master title style</a:t>
             </a:r>
-            <a:endParaRPr lang="en-US"/>
           </a:p>
         </p:txBody>
       </p:sp>
@@ -5401,38 +5266,37 @@
           <a:p>
             <a:pPr lvl="0"/>
             <a:r>
-              <a:rPr lang="en-US" smtClean="0"/>
+              <a:rPr lang="en-US"/>
               <a:t>Click to edit Master text styles</a:t>
             </a:r>
           </a:p>
           <a:p>
             <a:pPr lvl="1"/>
             <a:r>
-              <a:rPr lang="en-US" smtClean="0"/>
+              <a:rPr lang="en-US"/>
               <a:t>Second level</a:t>
             </a:r>
           </a:p>
           <a:p>
             <a:pPr lvl="2"/>
             <a:r>
-              <a:rPr lang="en-US" smtClean="0"/>
+              <a:rPr lang="en-US"/>
               <a:t>Third level</a:t>
             </a:r>
           </a:p>
           <a:p>
             <a:pPr lvl="3"/>
             <a:r>
-              <a:rPr lang="en-US" smtClean="0"/>
+              <a:rPr lang="en-US"/>
               <a:t>Fourth level</a:t>
             </a:r>
           </a:p>
           <a:p>
             <a:pPr lvl="4"/>
             <a:r>
-              <a:rPr lang="en-US" smtClean="0"/>
+              <a:rPr lang="en-US"/>
               <a:t>Fifth level</a:t>
             </a:r>
-            <a:endParaRPr lang="en-US"/>
           </a:p>
         </p:txBody>
       </p:sp>
@@ -5647,9 +5511,7 @@
         </p:style>
         <p:txBody>
           <a:bodyPr anchor="ctr"/>
-          <a:lstStyle>
-            <a:extLst/>
-          </a:lstStyle>
+          <a:lstStyle/>
           <a:p>
             <a:pPr algn="ctr">
               <a:defRPr/>
@@ -5700,9 +5562,7 @@
         </p:style>
         <p:txBody>
           <a:bodyPr anchor="ctr"/>
-          <a:lstStyle>
-            <a:extLst/>
-          </a:lstStyle>
+          <a:lstStyle/>
           <a:p>
             <a:pPr algn="ctr">
               <a:defRPr/>
@@ -5737,10 +5597,9 @@
           </a:lstStyle>
           <a:p>
             <a:r>
-              <a:rPr lang="en-US" smtClean="0"/>
+              <a:rPr lang="en-US"/>
               <a:t>Click to edit Master title style</a:t>
             </a:r>
-            <a:endParaRPr lang="en-US"/>
           </a:p>
         </p:txBody>
       </p:sp>
@@ -5802,10 +5661,9 @@
           </a:lstStyle>
           <a:p>
             <a:r>
-              <a:rPr lang="en-US" smtClean="0"/>
+              <a:rPr lang="en-US"/>
               <a:t>Click to edit Master subtitle style</a:t>
             </a:r>
-            <a:endParaRPr lang="en-US"/>
           </a:p>
         </p:txBody>
       </p:sp>
@@ -5943,15 +5801,12 @@
         <p:spPr/>
         <p:txBody>
           <a:bodyPr/>
-          <a:lstStyle>
-            <a:extLst/>
-          </a:lstStyle>
-          <a:p>
-            <a:r>
-              <a:rPr lang="en-US" smtClean="0"/>
+          <a:lstStyle/>
+          <a:p>
+            <a:r>
+              <a:rPr lang="en-US"/>
               <a:t>Click to edit Master title style</a:t>
             </a:r>
-            <a:endParaRPr lang="en-US"/>
           </a:p>
         </p:txBody>
       </p:sp>
@@ -5968,44 +5823,41 @@
         <p:spPr/>
         <p:txBody>
           <a:bodyPr/>
-          <a:lstStyle>
-            <a:extLst/>
-          </a:lstStyle>
+          <a:lstStyle/>
           <a:p>
             <a:pPr lvl="0"/>
             <a:r>
-              <a:rPr lang="en-US" smtClean="0"/>
+              <a:rPr lang="en-US"/>
               <a:t>Click to edit Master text styles</a:t>
             </a:r>
           </a:p>
           <a:p>
             <a:pPr lvl="1"/>
             <a:r>
-              <a:rPr lang="en-US" smtClean="0"/>
+              <a:rPr lang="en-US"/>
               <a:t>Second level</a:t>
             </a:r>
           </a:p>
           <a:p>
             <a:pPr lvl="2"/>
             <a:r>
-              <a:rPr lang="en-US" smtClean="0"/>
+              <a:rPr lang="en-US"/>
               <a:t>Third level</a:t>
             </a:r>
           </a:p>
           <a:p>
             <a:pPr lvl="3"/>
             <a:r>
-              <a:rPr lang="en-US" smtClean="0"/>
+              <a:rPr lang="en-US"/>
               <a:t>Fourth level</a:t>
             </a:r>
           </a:p>
           <a:p>
             <a:pPr lvl="4"/>
             <a:r>
-              <a:rPr lang="en-US" smtClean="0"/>
+              <a:rPr lang="en-US"/>
               <a:t>Fifth level</a:t>
             </a:r>
-            <a:endParaRPr lang="en-US"/>
           </a:p>
         </p:txBody>
       </p:sp>
@@ -6166,9 +6018,7 @@
         </p:style>
         <p:txBody>
           <a:bodyPr anchor="ctr"/>
-          <a:lstStyle>
-            <a:extLst/>
-          </a:lstStyle>
+          <a:lstStyle/>
           <a:p>
             <a:pPr algn="ctr">
               <a:defRPr/>
@@ -6224,9 +6074,7 @@
         </p:style>
         <p:txBody>
           <a:bodyPr anchor="ctr"/>
-          <a:lstStyle>
-            <a:extLst/>
-          </a:lstStyle>
+          <a:lstStyle/>
           <a:p>
             <a:pPr algn="ctr">
               <a:defRPr/>
@@ -6313,9 +6161,7 @@
         </p:style>
         <p:txBody>
           <a:bodyPr anchor="ctr"/>
-          <a:lstStyle>
-            <a:extLst/>
-          </a:lstStyle>
+          <a:lstStyle/>
           <a:p>
             <a:pPr algn="ctr">
               <a:defRPr/>
@@ -6366,9 +6212,7 @@
         </p:style>
         <p:txBody>
           <a:bodyPr anchor="ctr"/>
-          <a:lstStyle>
-            <a:extLst/>
-          </a:lstStyle>
+          <a:lstStyle/>
           <a:p>
             <a:pPr algn="ctr">
               <a:defRPr/>
@@ -6407,10 +6251,9 @@
           </a:lstStyle>
           <a:p>
             <a:r>
-              <a:rPr lang="en-US" smtClean="0"/>
+              <a:rPr lang="en-US"/>
               <a:t>Click to edit Master title style</a:t>
             </a:r>
-            <a:endParaRPr lang="en-US"/>
           </a:p>
         </p:txBody>
       </p:sp>
@@ -6495,7 +6338,7 @@
           <a:p>
             <a:pPr lvl="0"/>
             <a:r>
-              <a:rPr lang="en-US" smtClean="0"/>
+              <a:rPr lang="en-US"/>
               <a:t>Click to edit Master text styles</a:t>
             </a:r>
           </a:p>
@@ -6640,15 +6483,12 @@
         </p:spPr>
         <p:txBody>
           <a:bodyPr/>
-          <a:lstStyle>
-            <a:extLst/>
-          </a:lstStyle>
-          <a:p>
-            <a:r>
-              <a:rPr lang="en-US" smtClean="0"/>
+          <a:lstStyle/>
+          <a:p>
+            <a:r>
+              <a:rPr lang="en-US"/>
               <a:t>Click to edit Master title style</a:t>
             </a:r>
-            <a:endParaRPr lang="en-US"/>
           </a:p>
         </p:txBody>
       </p:sp>
@@ -6691,38 +6531,37 @@
           <a:p>
             <a:pPr lvl="0"/>
             <a:r>
-              <a:rPr lang="en-US" smtClean="0"/>
+              <a:rPr lang="en-US"/>
               <a:t>Click to edit Master text styles</a:t>
             </a:r>
           </a:p>
           <a:p>
             <a:pPr lvl="1"/>
             <a:r>
-              <a:rPr lang="en-US" smtClean="0"/>
+              <a:rPr lang="en-US"/>
               <a:t>Second level</a:t>
             </a:r>
           </a:p>
           <a:p>
             <a:pPr lvl="2"/>
             <a:r>
-              <a:rPr lang="en-US" smtClean="0"/>
+              <a:rPr lang="en-US"/>
               <a:t>Third level</a:t>
             </a:r>
           </a:p>
           <a:p>
             <a:pPr lvl="3"/>
             <a:r>
-              <a:rPr lang="en-US" smtClean="0"/>
+              <a:rPr lang="en-US"/>
               <a:t>Fourth level</a:t>
             </a:r>
           </a:p>
           <a:p>
             <a:pPr lvl="4"/>
             <a:r>
-              <a:rPr lang="en-US" smtClean="0"/>
+              <a:rPr lang="en-US"/>
               <a:t>Fifth level</a:t>
             </a:r>
-            <a:endParaRPr lang="en-US"/>
           </a:p>
         </p:txBody>
       </p:sp>
@@ -6765,38 +6604,37 @@
           <a:p>
             <a:pPr lvl="0"/>
             <a:r>
-              <a:rPr lang="en-US" smtClean="0"/>
+              <a:rPr lang="en-US"/>
               <a:t>Click to edit Master text styles</a:t>
             </a:r>
           </a:p>
           <a:p>
             <a:pPr lvl="1"/>
             <a:r>
-              <a:rPr lang="en-US" smtClean="0"/>
+              <a:rPr lang="en-US"/>
               <a:t>Second level</a:t>
             </a:r>
           </a:p>
           <a:p>
             <a:pPr lvl="2"/>
             <a:r>
-              <a:rPr lang="en-US" smtClean="0"/>
+              <a:rPr lang="en-US"/>
               <a:t>Third level</a:t>
             </a:r>
           </a:p>
           <a:p>
             <a:pPr lvl="3"/>
             <a:r>
-              <a:rPr lang="en-US" smtClean="0"/>
+              <a:rPr lang="en-US"/>
               <a:t>Fourth level</a:t>
             </a:r>
           </a:p>
           <a:p>
             <a:pPr lvl="4"/>
             <a:r>
-              <a:rPr lang="en-US" smtClean="0"/>
+              <a:rPr lang="en-US"/>
               <a:t>Fifth level</a:t>
             </a:r>
-            <a:endParaRPr lang="en-US"/>
           </a:p>
         </p:txBody>
       </p:sp>
@@ -6944,10 +6782,9 @@
           </a:lstStyle>
           <a:p>
             <a:r>
-              <a:rPr lang="en-US" smtClean="0"/>
+              <a:rPr lang="en-US"/>
               <a:t>Click to edit Master title style</a:t>
             </a:r>
-            <a:endParaRPr lang="en-US"/>
           </a:p>
         </p:txBody>
       </p:sp>
@@ -7014,7 +6851,7 @@
           <a:p>
             <a:pPr lvl="0"/>
             <a:r>
-              <a:rPr lang="en-US" smtClean="0"/>
+              <a:rPr lang="en-US"/>
               <a:t>Click to edit Master text styles</a:t>
             </a:r>
           </a:p>
@@ -7083,7 +6920,7 @@
           <a:p>
             <a:pPr lvl="0"/>
             <a:r>
-              <a:rPr lang="en-US" smtClean="0"/>
+              <a:rPr lang="en-US"/>
               <a:t>Click to edit Master text styles</a:t>
             </a:r>
           </a:p>
@@ -7165,38 +7002,37 @@
           <a:p>
             <a:pPr lvl="0"/>
             <a:r>
-              <a:rPr lang="en-US" smtClean="0"/>
+              <a:rPr lang="en-US"/>
               <a:t>Click to edit Master text styles</a:t>
             </a:r>
           </a:p>
           <a:p>
             <a:pPr lvl="1"/>
             <a:r>
-              <a:rPr lang="en-US" smtClean="0"/>
+              <a:rPr lang="en-US"/>
               <a:t>Second level</a:t>
             </a:r>
           </a:p>
           <a:p>
             <a:pPr lvl="2"/>
             <a:r>
-              <a:rPr lang="en-US" smtClean="0"/>
+              <a:rPr lang="en-US"/>
               <a:t>Third level</a:t>
             </a:r>
           </a:p>
           <a:p>
             <a:pPr lvl="3"/>
             <a:r>
-              <a:rPr lang="en-US" smtClean="0"/>
+              <a:rPr lang="en-US"/>
               <a:t>Fourth level</a:t>
             </a:r>
           </a:p>
           <a:p>
             <a:pPr lvl="4"/>
             <a:r>
-              <a:rPr lang="en-US" smtClean="0"/>
+              <a:rPr lang="en-US"/>
               <a:t>Fifth level</a:t>
             </a:r>
-            <a:endParaRPr lang="en-US"/>
           </a:p>
         </p:txBody>
       </p:sp>
@@ -7276,38 +7112,37 @@
           <a:p>
             <a:pPr lvl="0"/>
             <a:r>
-              <a:rPr lang="en-US" smtClean="0"/>
+              <a:rPr lang="en-US"/>
               <a:t>Click to edit Master text styles</a:t>
             </a:r>
           </a:p>
           <a:p>
             <a:pPr lvl="1"/>
             <a:r>
-              <a:rPr lang="en-US" smtClean="0"/>
+              <a:rPr lang="en-US"/>
               <a:t>Second level</a:t>
             </a:r>
           </a:p>
           <a:p>
             <a:pPr lvl="2"/>
             <a:r>
-              <a:rPr lang="en-US" smtClean="0"/>
+              <a:rPr lang="en-US"/>
               <a:t>Third level</a:t>
             </a:r>
           </a:p>
           <a:p>
             <a:pPr lvl="3"/>
             <a:r>
-              <a:rPr lang="en-US" smtClean="0"/>
+              <a:rPr lang="en-US"/>
               <a:t>Fourth level</a:t>
             </a:r>
           </a:p>
           <a:p>
             <a:pPr lvl="4"/>
             <a:r>
-              <a:rPr lang="en-US" smtClean="0"/>
+              <a:rPr lang="en-US"/>
               <a:t>Fifth level</a:t>
             </a:r>
-            <a:endParaRPr lang="en-US"/>
           </a:p>
         </p:txBody>
       </p:sp>
@@ -7471,9 +7306,7 @@
         </p:style>
         <p:txBody>
           <a:bodyPr anchor="ctr"/>
-          <a:lstStyle>
-            <a:extLst/>
-          </a:lstStyle>
+          <a:lstStyle/>
           <a:p>
             <a:pPr algn="ctr" eaLnBrk="1" latinLnBrk="0" hangingPunct="1"/>
             <a:endParaRPr kumimoji="0" lang="en-US"/>
@@ -7510,10 +7343,9 @@
           </a:lstStyle>
           <a:p>
             <a:r>
-              <a:rPr kumimoji="0" lang="en-US" smtClean="0"/>
+              <a:rPr kumimoji="0" lang="en-US"/>
               <a:t>Click to edit Master title style</a:t>
             </a:r>
-            <a:endParaRPr kumimoji="0" lang="en-US"/>
           </a:p>
         </p:txBody>
       </p:sp>
@@ -7598,7 +7430,7 @@
           <a:p>
             <a:pPr lvl="0" eaLnBrk="1" latinLnBrk="0" hangingPunct="1"/>
             <a:r>
-              <a:rPr kumimoji="0" lang="en-US" smtClean="0"/>
+              <a:rPr kumimoji="0" lang="en-US"/>
               <a:t>Click to edit Master text styles</a:t>
             </a:r>
           </a:p>
@@ -7617,9 +7449,7 @@
         <p:spPr/>
         <p:txBody>
           <a:bodyPr/>
-          <a:lstStyle>
-            <a:extLst/>
-          </a:lstStyle>
+          <a:lstStyle/>
           <a:p>
             <a:pPr>
               <a:defRPr/>
@@ -7641,9 +7471,7 @@
         <p:spPr/>
         <p:txBody>
           <a:bodyPr/>
-          <a:lstStyle>
-            <a:extLst/>
-          </a:lstStyle>
+          <a:lstStyle/>
           <a:p>
             <a:pPr>
               <a:defRPr/>
@@ -7665,9 +7493,7 @@
         <p:spPr/>
         <p:txBody>
           <a:bodyPr/>
-          <a:lstStyle>
-            <a:extLst/>
-          </a:lstStyle>
+          <a:lstStyle/>
           <a:p>
             <a:pPr>
               <a:defRPr/>
@@ -7730,9 +7556,7 @@
         </p:style>
         <p:txBody>
           <a:bodyPr anchor="ctr"/>
-          <a:lstStyle>
-            <a:extLst/>
-          </a:lstStyle>
+          <a:lstStyle/>
           <a:p>
             <a:pPr algn="ctr" eaLnBrk="1" latinLnBrk="0" hangingPunct="1"/>
             <a:endParaRPr kumimoji="0" lang="en-US"/>
@@ -7817,9 +7641,7 @@
         </p:style>
         <p:txBody>
           <a:bodyPr anchor="ctr"/>
-          <a:lstStyle>
-            <a:extLst/>
-          </a:lstStyle>
+          <a:lstStyle/>
           <a:p>
             <a:pPr algn="ctr" eaLnBrk="1" latinLnBrk="0" hangingPunct="1"/>
             <a:endParaRPr kumimoji="0" lang="en-US"/>
@@ -7868,9 +7690,7 @@
         </p:style>
         <p:txBody>
           <a:bodyPr anchor="ctr"/>
-          <a:lstStyle>
-            <a:extLst/>
-          </a:lstStyle>
+          <a:lstStyle/>
           <a:p>
             <a:pPr algn="ctr" eaLnBrk="1" latinLnBrk="0" hangingPunct="1"/>
             <a:endParaRPr kumimoji="0" lang="en-US"/>
@@ -7885,13 +7705,6 @@
   <p:transition>
     <p:random/>
   </p:transition>
-  <p:timing>
-    <p:tnLst>
-      <p:par>
-        <p:cTn id="1" dur="indefinite" restart="never" nodeType="tmRoot"/>
-      </p:par>
-    </p:tnLst>
-  </p:timing>
 </p:sldLayout>
 </file>
 
@@ -7930,15 +7743,12 @@
         </p:spPr>
         <p:txBody>
           <a:bodyPr/>
-          <a:lstStyle>
-            <a:extLst/>
-          </a:lstStyle>
-          <a:p>
-            <a:r>
-              <a:rPr lang="en-US" smtClean="0"/>
+          <a:lstStyle/>
+          <a:p>
+            <a:r>
+              <a:rPr lang="en-US"/>
               <a:t>Click to edit Master title style</a:t>
             </a:r>
-            <a:endParaRPr lang="en-US"/>
           </a:p>
         </p:txBody>
       </p:sp>
@@ -8099,9 +7909,7 @@
         </p:style>
         <p:txBody>
           <a:bodyPr anchor="ctr"/>
-          <a:lstStyle>
-            <a:extLst/>
-          </a:lstStyle>
+          <a:lstStyle/>
           <a:p>
             <a:pPr algn="ctr">
               <a:defRPr/>
@@ -8157,9 +7965,7 @@
         </p:style>
         <p:txBody>
           <a:bodyPr anchor="ctr"/>
-          <a:lstStyle>
-            <a:extLst/>
-          </a:lstStyle>
+          <a:lstStyle/>
           <a:p>
             <a:pPr algn="ctr">
               <a:defRPr/>
@@ -8322,10 +8128,9 @@
           </a:lstStyle>
           <a:p>
             <a:r>
-              <a:rPr lang="en-US" smtClean="0"/>
+              <a:rPr lang="en-US"/>
               <a:t>Click to edit Master title style</a:t>
             </a:r>
-            <a:endParaRPr lang="en-US"/>
           </a:p>
         </p:txBody>
       </p:sp>
@@ -8379,7 +8184,7 @@
           <a:p>
             <a:pPr lvl="0"/>
             <a:r>
-              <a:rPr lang="en-US" smtClean="0"/>
+              <a:rPr lang="en-US"/>
               <a:t>Click to edit Master text styles</a:t>
             </a:r>
           </a:p>
@@ -8424,38 +8229,37 @@
           <a:p>
             <a:pPr lvl="0"/>
             <a:r>
-              <a:rPr lang="en-US" smtClean="0"/>
+              <a:rPr lang="en-US"/>
               <a:t>Click to edit Master text styles</a:t>
             </a:r>
           </a:p>
           <a:p>
             <a:pPr lvl="1"/>
             <a:r>
-              <a:rPr lang="en-US" smtClean="0"/>
+              <a:rPr lang="en-US"/>
               <a:t>Second level</a:t>
             </a:r>
           </a:p>
           <a:p>
             <a:pPr lvl="2"/>
             <a:r>
-              <a:rPr lang="en-US" smtClean="0"/>
+              <a:rPr lang="en-US"/>
               <a:t>Third level</a:t>
             </a:r>
           </a:p>
           <a:p>
             <a:pPr lvl="3"/>
             <a:r>
-              <a:rPr lang="en-US" smtClean="0"/>
+              <a:rPr lang="en-US"/>
               <a:t>Fourth level</a:t>
             </a:r>
           </a:p>
           <a:p>
             <a:pPr lvl="4"/>
             <a:r>
-              <a:rPr lang="en-US" smtClean="0"/>
+              <a:rPr lang="en-US"/>
               <a:t>Fifth level</a:t>
             </a:r>
-            <a:endParaRPr lang="en-US"/>
           </a:p>
         </p:txBody>
       </p:sp>
@@ -8627,9 +8431,7 @@
           <a:bodyPr tIns="274320">
             <a:normAutofit/>
           </a:bodyPr>
-          <a:lstStyle>
-            <a:extLst/>
-          </a:lstStyle>
+          <a:lstStyle/>
           <a:p>
             <a:pPr indent="-283464" algn="l">
               <a:lnSpc>
@@ -8705,9 +8507,7 @@
         </p:style>
         <p:txBody>
           <a:bodyPr anchor="ctr"/>
-          <a:lstStyle>
-            <a:extLst/>
-          </a:lstStyle>
+          <a:lstStyle/>
           <a:p>
             <a:pPr algn="ctr">
               <a:defRPr/>
@@ -8767,9 +8567,7 @@
         </p:style>
         <p:txBody>
           <a:bodyPr anchor="ctr"/>
-          <a:lstStyle>
-            <a:extLst/>
-          </a:lstStyle>
+          <a:lstStyle/>
           <a:p>
             <a:pPr algn="ctr">
               <a:defRPr/>
@@ -8809,10 +8607,9 @@
           </a:lstStyle>
           <a:p>
             <a:r>
-              <a:rPr lang="en-US" smtClean="0"/>
+              <a:rPr lang="en-US"/>
               <a:t>Click to edit Master title style</a:t>
             </a:r>
-            <a:endParaRPr lang="en-US"/>
           </a:p>
         </p:txBody>
       </p:sp>
@@ -8859,7 +8656,7 @@
           <a:p>
             <a:pPr lvl="0"/>
             <a:r>
-              <a:rPr lang="en-US" noProof="0" smtClean="0"/>
+              <a:rPr lang="en-US" noProof="0"/>
               <a:t>Click icon to add picture</a:t>
             </a:r>
             <a:endParaRPr lang="en-US" noProof="0" dirty="0"/>
@@ -8916,7 +8713,7 @@
           <a:p>
             <a:pPr lvl="0"/>
             <a:r>
-              <a:rPr lang="en-US" smtClean="0"/>
+              <a:rPr lang="en-US"/>
               <a:t>Click to edit Master text styles</a:t>
             </a:r>
           </a:p>
@@ -9056,15 +8853,12 @@
         <p:spPr/>
         <p:txBody>
           <a:bodyPr/>
-          <a:lstStyle>
-            <a:extLst/>
-          </a:lstStyle>
-          <a:p>
-            <a:r>
-              <a:rPr lang="en-US" smtClean="0"/>
+          <a:lstStyle/>
+          <a:p>
+            <a:r>
+              <a:rPr lang="en-US"/>
               <a:t>Click to edit Master title style</a:t>
             </a:r>
-            <a:endParaRPr lang="en-US"/>
           </a:p>
         </p:txBody>
       </p:sp>
@@ -9081,44 +8875,41 @@
         <p:spPr/>
         <p:txBody>
           <a:bodyPr vert="eaVert"/>
-          <a:lstStyle>
-            <a:extLst/>
-          </a:lstStyle>
+          <a:lstStyle/>
           <a:p>
             <a:pPr lvl="0"/>
             <a:r>
-              <a:rPr lang="en-US" smtClean="0"/>
+              <a:rPr lang="en-US"/>
               <a:t>Click to edit Master text styles</a:t>
             </a:r>
           </a:p>
           <a:p>
             <a:pPr lvl="1"/>
             <a:r>
-              <a:rPr lang="en-US" smtClean="0"/>
+              <a:rPr lang="en-US"/>
               <a:t>Second level</a:t>
             </a:r>
           </a:p>
           <a:p>
             <a:pPr lvl="2"/>
             <a:r>
-              <a:rPr lang="en-US" smtClean="0"/>
+              <a:rPr lang="en-US"/>
               <a:t>Third level</a:t>
             </a:r>
           </a:p>
           <a:p>
             <a:pPr lvl="3"/>
             <a:r>
-              <a:rPr lang="en-US" smtClean="0"/>
+              <a:rPr lang="en-US"/>
               <a:t>Fourth level</a:t>
             </a:r>
           </a:p>
           <a:p>
             <a:pPr lvl="4"/>
             <a:r>
-              <a:rPr lang="en-US" smtClean="0"/>
+              <a:rPr lang="en-US"/>
               <a:t>Fifth level</a:t>
             </a:r>
-            <a:endParaRPr lang="en-US"/>
           </a:p>
         </p:txBody>
       </p:sp>
@@ -9258,15 +9049,12 @@
         </p:spPr>
         <p:txBody>
           <a:bodyPr vert="eaVert"/>
-          <a:lstStyle>
-            <a:extLst/>
-          </a:lstStyle>
-          <a:p>
-            <a:r>
-              <a:rPr lang="en-US" smtClean="0"/>
+          <a:lstStyle/>
+          <a:p>
+            <a:r>
+              <a:rPr lang="en-US"/>
               <a:t>Click to edit Master title style</a:t>
             </a:r>
-            <a:endParaRPr lang="en-US"/>
           </a:p>
         </p:txBody>
       </p:sp>
@@ -9288,44 +9076,41 @@
         </p:spPr>
         <p:txBody>
           <a:bodyPr vert="eaVert"/>
-          <a:lstStyle>
-            <a:extLst/>
-          </a:lstStyle>
+          <a:lstStyle/>
           <a:p>
             <a:pPr lvl="0"/>
             <a:r>
-              <a:rPr lang="en-US" smtClean="0"/>
+              <a:rPr lang="en-US"/>
               <a:t>Click to edit Master text styles</a:t>
             </a:r>
           </a:p>
           <a:p>
             <a:pPr lvl="1"/>
             <a:r>
-              <a:rPr lang="en-US" smtClean="0"/>
+              <a:rPr lang="en-US"/>
               <a:t>Second level</a:t>
             </a:r>
           </a:p>
           <a:p>
             <a:pPr lvl="2"/>
             <a:r>
-              <a:rPr lang="en-US" smtClean="0"/>
+              <a:rPr lang="en-US"/>
               <a:t>Third level</a:t>
             </a:r>
           </a:p>
           <a:p>
             <a:pPr lvl="3"/>
             <a:r>
-              <a:rPr lang="en-US" smtClean="0"/>
+              <a:rPr lang="en-US"/>
               <a:t>Fourth level</a:t>
             </a:r>
           </a:p>
           <a:p>
             <a:pPr lvl="4"/>
             <a:r>
-              <a:rPr lang="en-US" smtClean="0"/>
+              <a:rPr lang="en-US"/>
               <a:t>Fifth level</a:t>
             </a:r>
-            <a:endParaRPr lang="en-US"/>
           </a:p>
         </p:txBody>
       </p:sp>
@@ -9468,10 +9253,9 @@
           <a:lstStyle/>
           <a:p>
             <a:r>
-              <a:rPr lang="en-US" smtClean="0"/>
+              <a:rPr lang="en-US"/>
               <a:t>Click to edit Master title style</a:t>
             </a:r>
-            <a:endParaRPr lang="en-US"/>
           </a:p>
         </p:txBody>
       </p:sp>
@@ -9497,38 +9281,37 @@
           <a:p>
             <a:pPr lvl="0"/>
             <a:r>
-              <a:rPr lang="en-US" smtClean="0"/>
+              <a:rPr lang="en-US"/>
               <a:t>Click to edit Master text styles</a:t>
             </a:r>
           </a:p>
           <a:p>
             <a:pPr lvl="1"/>
             <a:r>
-              <a:rPr lang="en-US" smtClean="0"/>
+              <a:rPr lang="en-US"/>
               <a:t>Second level</a:t>
             </a:r>
           </a:p>
           <a:p>
             <a:pPr lvl="2"/>
             <a:r>
-              <a:rPr lang="en-US" smtClean="0"/>
+              <a:rPr lang="en-US"/>
               <a:t>Third level</a:t>
             </a:r>
           </a:p>
           <a:p>
             <a:pPr lvl="3"/>
             <a:r>
-              <a:rPr lang="en-US" smtClean="0"/>
+              <a:rPr lang="en-US"/>
               <a:t>Fourth level</a:t>
             </a:r>
           </a:p>
           <a:p>
             <a:pPr lvl="4"/>
             <a:r>
-              <a:rPr lang="en-US" smtClean="0"/>
+              <a:rPr lang="en-US"/>
               <a:t>Fifth level</a:t>
             </a:r>
-            <a:endParaRPr lang="en-US"/>
           </a:p>
         </p:txBody>
       </p:sp>
@@ -9713,10 +9496,9 @@
           <a:lstStyle/>
           <a:p>
             <a:r>
-              <a:rPr lang="en-US" smtClean="0"/>
+              <a:rPr lang="en-US"/>
               <a:t>Click to edit Master title style</a:t>
             </a:r>
-            <a:endParaRPr lang="en-US"/>
           </a:p>
         </p:txBody>
       </p:sp>
@@ -9769,38 +9551,37 @@
           <a:p>
             <a:pPr lvl="0"/>
             <a:r>
-              <a:rPr lang="en-US" smtClean="0"/>
+              <a:rPr lang="en-US"/>
               <a:t>Click to edit Master text styles</a:t>
             </a:r>
           </a:p>
           <a:p>
             <a:pPr lvl="1"/>
             <a:r>
-              <a:rPr lang="en-US" smtClean="0"/>
+              <a:rPr lang="en-US"/>
               <a:t>Second level</a:t>
             </a:r>
           </a:p>
           <a:p>
             <a:pPr lvl="2"/>
             <a:r>
-              <a:rPr lang="en-US" smtClean="0"/>
+              <a:rPr lang="en-US"/>
               <a:t>Third level</a:t>
             </a:r>
           </a:p>
           <a:p>
             <a:pPr lvl="3"/>
             <a:r>
-              <a:rPr lang="en-US" smtClean="0"/>
+              <a:rPr lang="en-US"/>
               <a:t>Fourth level</a:t>
             </a:r>
           </a:p>
           <a:p>
             <a:pPr lvl="4"/>
             <a:r>
-              <a:rPr lang="en-US" smtClean="0"/>
+              <a:rPr lang="en-US"/>
               <a:t>Fifth level</a:t>
             </a:r>
-            <a:endParaRPr lang="en-US"/>
           </a:p>
         </p:txBody>
       </p:sp>
@@ -9955,15 +9736,12 @@
         </p:spPr>
         <p:txBody>
           <a:bodyPr/>
-          <a:lstStyle>
-            <a:extLst/>
-          </a:lstStyle>
-          <a:p>
-            <a:r>
-              <a:rPr kumimoji="0" lang="en-US" smtClean="0"/>
+          <a:lstStyle/>
+          <a:p>
+            <a:r>
+              <a:rPr kumimoji="0" lang="en-US"/>
               <a:t>Click to edit Master title style</a:t>
             </a:r>
-            <a:endParaRPr kumimoji="0" lang="en-US"/>
           </a:p>
         </p:txBody>
       </p:sp>
@@ -10006,35 +9784,35 @@
           <a:p>
             <a:pPr lvl="0" eaLnBrk="1" latinLnBrk="0" hangingPunct="1"/>
             <a:r>
-              <a:rPr lang="en-US" smtClean="0"/>
+              <a:rPr lang="en-US"/>
               <a:t>Click to edit Master text styles</a:t>
             </a:r>
           </a:p>
           <a:p>
             <a:pPr lvl="1" eaLnBrk="1" latinLnBrk="0" hangingPunct="1"/>
             <a:r>
-              <a:rPr lang="en-US" smtClean="0"/>
+              <a:rPr lang="en-US"/>
               <a:t>Second level</a:t>
             </a:r>
           </a:p>
           <a:p>
             <a:pPr lvl="2" eaLnBrk="1" latinLnBrk="0" hangingPunct="1"/>
             <a:r>
-              <a:rPr lang="en-US" smtClean="0"/>
+              <a:rPr lang="en-US"/>
               <a:t>Third level</a:t>
             </a:r>
           </a:p>
           <a:p>
             <a:pPr lvl="3" eaLnBrk="1" latinLnBrk="0" hangingPunct="1"/>
             <a:r>
-              <a:rPr lang="en-US" smtClean="0"/>
+              <a:rPr lang="en-US"/>
               <a:t>Fourth level</a:t>
             </a:r>
           </a:p>
           <a:p>
             <a:pPr lvl="4" eaLnBrk="1" latinLnBrk="0" hangingPunct="1"/>
             <a:r>
-              <a:rPr lang="en-US" smtClean="0"/>
+              <a:rPr lang="en-US"/>
               <a:t>Fifth level</a:t>
             </a:r>
             <a:endParaRPr kumimoji="0" lang="en-US"/>
@@ -10080,35 +9858,35 @@
           <a:p>
             <a:pPr lvl="0" eaLnBrk="1" latinLnBrk="0" hangingPunct="1"/>
             <a:r>
-              <a:rPr lang="en-US" smtClean="0"/>
+              <a:rPr lang="en-US"/>
               <a:t>Click to edit Master text styles</a:t>
             </a:r>
           </a:p>
           <a:p>
             <a:pPr lvl="1" eaLnBrk="1" latinLnBrk="0" hangingPunct="1"/>
             <a:r>
-              <a:rPr lang="en-US" smtClean="0"/>
+              <a:rPr lang="en-US"/>
               <a:t>Second level</a:t>
             </a:r>
           </a:p>
           <a:p>
             <a:pPr lvl="2" eaLnBrk="1" latinLnBrk="0" hangingPunct="1"/>
             <a:r>
-              <a:rPr lang="en-US" smtClean="0"/>
+              <a:rPr lang="en-US"/>
               <a:t>Third level</a:t>
             </a:r>
           </a:p>
           <a:p>
             <a:pPr lvl="3" eaLnBrk="1" latinLnBrk="0" hangingPunct="1"/>
             <a:r>
-              <a:rPr lang="en-US" smtClean="0"/>
+              <a:rPr lang="en-US"/>
               <a:t>Fourth level</a:t>
             </a:r>
           </a:p>
           <a:p>
             <a:pPr lvl="4" eaLnBrk="1" latinLnBrk="0" hangingPunct="1"/>
             <a:r>
-              <a:rPr lang="en-US" smtClean="0"/>
+              <a:rPr lang="en-US"/>
               <a:t>Fifth level</a:t>
             </a:r>
             <a:endParaRPr kumimoji="0" lang="en-US"/>
@@ -10128,9 +9906,7 @@
         <p:spPr/>
         <p:txBody>
           <a:bodyPr/>
-          <a:lstStyle>
-            <a:extLst/>
-          </a:lstStyle>
+          <a:lstStyle/>
           <a:p>
             <a:pPr>
               <a:defRPr/>
@@ -10152,9 +9928,7 @@
         <p:spPr/>
         <p:txBody>
           <a:bodyPr/>
-          <a:lstStyle>
-            <a:extLst/>
-          </a:lstStyle>
+          <a:lstStyle/>
           <a:p>
             <a:pPr>
               <a:defRPr/>
@@ -10176,9 +9950,7 @@
         <p:spPr/>
         <p:txBody>
           <a:bodyPr/>
-          <a:lstStyle>
-            <a:extLst/>
-          </a:lstStyle>
+          <a:lstStyle/>
           <a:p>
             <a:pPr>
               <a:defRPr/>
@@ -10202,13 +9974,6 @@
   <p:transition>
     <p:random/>
   </p:transition>
-  <p:timing>
-    <p:tnLst>
-      <p:par>
-        <p:cTn id="1" dur="indefinite" restart="never" nodeType="tmRoot"/>
-      </p:par>
-    </p:tnLst>
-  </p:timing>
 </p:sldLayout>
 </file>
 
@@ -10255,10 +10020,9 @@
           </a:lstStyle>
           <a:p>
             <a:r>
-              <a:rPr kumimoji="0" lang="en-US" smtClean="0"/>
+              <a:rPr kumimoji="0" lang="en-US"/>
               <a:t>Click to edit Master title style</a:t>
             </a:r>
-            <a:endParaRPr kumimoji="0" lang="en-US"/>
           </a:p>
         </p:txBody>
       </p:sp>
@@ -10325,7 +10089,7 @@
           <a:p>
             <a:pPr lvl="0" eaLnBrk="1" latinLnBrk="0" hangingPunct="1"/>
             <a:r>
-              <a:rPr kumimoji="0" lang="en-US" smtClean="0"/>
+              <a:rPr kumimoji="0" lang="en-US"/>
               <a:t>Click to edit Master text styles</a:t>
             </a:r>
           </a:p>
@@ -10394,7 +10158,7 @@
           <a:p>
             <a:pPr lvl="0" eaLnBrk="1" latinLnBrk="0" hangingPunct="1"/>
             <a:r>
-              <a:rPr kumimoji="0" lang="en-US" smtClean="0"/>
+              <a:rPr kumimoji="0" lang="en-US"/>
               <a:t>Click to edit Master text styles</a:t>
             </a:r>
           </a:p>
@@ -10476,35 +10240,35 @@
           <a:p>
             <a:pPr lvl="0" eaLnBrk="1" latinLnBrk="0" hangingPunct="1"/>
             <a:r>
-              <a:rPr lang="en-US" smtClean="0"/>
+              <a:rPr lang="en-US"/>
               <a:t>Click to edit Master text styles</a:t>
             </a:r>
           </a:p>
           <a:p>
             <a:pPr lvl="1" eaLnBrk="1" latinLnBrk="0" hangingPunct="1"/>
             <a:r>
-              <a:rPr lang="en-US" smtClean="0"/>
+              <a:rPr lang="en-US"/>
               <a:t>Second level</a:t>
             </a:r>
           </a:p>
           <a:p>
             <a:pPr lvl="2" eaLnBrk="1" latinLnBrk="0" hangingPunct="1"/>
             <a:r>
-              <a:rPr lang="en-US" smtClean="0"/>
+              <a:rPr lang="en-US"/>
               <a:t>Third level</a:t>
             </a:r>
           </a:p>
           <a:p>
             <a:pPr lvl="3" eaLnBrk="1" latinLnBrk="0" hangingPunct="1"/>
             <a:r>
-              <a:rPr lang="en-US" smtClean="0"/>
+              <a:rPr lang="en-US"/>
               <a:t>Fourth level</a:t>
             </a:r>
           </a:p>
           <a:p>
             <a:pPr lvl="4" eaLnBrk="1" latinLnBrk="0" hangingPunct="1"/>
             <a:r>
-              <a:rPr lang="en-US" smtClean="0"/>
+              <a:rPr lang="en-US"/>
               <a:t>Fifth level</a:t>
             </a:r>
             <a:endParaRPr kumimoji="0" lang="en-US"/>
@@ -10587,35 +10351,35 @@
           <a:p>
             <a:pPr lvl="0" eaLnBrk="1" latinLnBrk="0" hangingPunct="1"/>
             <a:r>
-              <a:rPr lang="en-US" smtClean="0"/>
+              <a:rPr lang="en-US"/>
               <a:t>Click to edit Master text styles</a:t>
             </a:r>
           </a:p>
           <a:p>
             <a:pPr lvl="1" eaLnBrk="1" latinLnBrk="0" hangingPunct="1"/>
             <a:r>
-              <a:rPr lang="en-US" smtClean="0"/>
+              <a:rPr lang="en-US"/>
               <a:t>Second level</a:t>
             </a:r>
           </a:p>
           <a:p>
             <a:pPr lvl="2" eaLnBrk="1" latinLnBrk="0" hangingPunct="1"/>
             <a:r>
-              <a:rPr lang="en-US" smtClean="0"/>
+              <a:rPr lang="en-US"/>
               <a:t>Third level</a:t>
             </a:r>
           </a:p>
           <a:p>
             <a:pPr lvl="3" eaLnBrk="1" latinLnBrk="0" hangingPunct="1"/>
             <a:r>
-              <a:rPr lang="en-US" smtClean="0"/>
+              <a:rPr lang="en-US"/>
               <a:t>Fourth level</a:t>
             </a:r>
           </a:p>
           <a:p>
             <a:pPr lvl="4" eaLnBrk="1" latinLnBrk="0" hangingPunct="1"/>
             <a:r>
-              <a:rPr lang="en-US" smtClean="0"/>
+              <a:rPr lang="en-US"/>
               <a:t>Fifth level</a:t>
             </a:r>
             <a:endParaRPr kumimoji="0" lang="en-US"/>
@@ -10635,9 +10399,7 @@
         <p:spPr/>
         <p:txBody>
           <a:bodyPr/>
-          <a:lstStyle>
-            <a:extLst/>
-          </a:lstStyle>
+          <a:lstStyle/>
           <a:p>
             <a:pPr>
               <a:defRPr/>
@@ -10659,9 +10421,7 @@
         <p:spPr/>
         <p:txBody>
           <a:bodyPr/>
-          <a:lstStyle>
-            <a:extLst/>
-          </a:lstStyle>
+          <a:lstStyle/>
           <a:p>
             <a:pPr>
               <a:defRPr/>
@@ -10683,9 +10443,7 @@
         <p:spPr/>
         <p:txBody>
           <a:bodyPr/>
-          <a:lstStyle>
-            <a:extLst/>
-          </a:lstStyle>
+          <a:lstStyle/>
           <a:p>
             <a:pPr>
               <a:defRPr/>
@@ -10709,13 +10467,6 @@
   <p:transition>
     <p:random/>
   </p:transition>
-  <p:timing>
-    <p:tnLst>
-      <p:par>
-        <p:cTn id="1" dur="indefinite" restart="never" nodeType="tmRoot"/>
-      </p:par>
-    </p:tnLst>
-  </p:timing>
 </p:sldLayout>
 </file>
 
@@ -10754,15 +10505,12 @@
         </p:spPr>
         <p:txBody>
           <a:bodyPr anchor="ctr"/>
-          <a:lstStyle>
-            <a:extLst/>
-          </a:lstStyle>
-          <a:p>
-            <a:r>
-              <a:rPr kumimoji="0" lang="en-US" smtClean="0"/>
+          <a:lstStyle/>
+          <a:p>
+            <a:r>
+              <a:rPr kumimoji="0" lang="en-US"/>
               <a:t>Click to edit Master title style</a:t>
             </a:r>
-            <a:endParaRPr kumimoji="0" lang="en-US"/>
           </a:p>
         </p:txBody>
       </p:sp>
@@ -10779,9 +10527,7 @@
         <p:spPr/>
         <p:txBody>
           <a:bodyPr/>
-          <a:lstStyle>
-            <a:extLst/>
-          </a:lstStyle>
+          <a:lstStyle/>
           <a:p>
             <a:pPr>
               <a:defRPr/>
@@ -10803,9 +10549,7 @@
         <p:spPr/>
         <p:txBody>
           <a:bodyPr/>
-          <a:lstStyle>
-            <a:extLst/>
-          </a:lstStyle>
+          <a:lstStyle/>
           <a:p>
             <a:pPr>
               <a:defRPr/>
@@ -10827,9 +10571,7 @@
         <p:spPr/>
         <p:txBody>
           <a:bodyPr/>
-          <a:lstStyle>
-            <a:extLst/>
-          </a:lstStyle>
+          <a:lstStyle/>
           <a:p>
             <a:pPr>
               <a:defRPr/>
@@ -10853,13 +10595,6 @@
   <p:transition>
     <p:random/>
   </p:transition>
-  <p:timing>
-    <p:tnLst>
-      <p:par>
-        <p:cTn id="1" dur="indefinite" restart="never" nodeType="tmRoot"/>
-      </p:par>
-    </p:tnLst>
-  </p:timing>
 </p:sldLayout>
 </file>
 
@@ -10919,9 +10654,7 @@
         </p:style>
         <p:txBody>
           <a:bodyPr anchor="ctr"/>
-          <a:lstStyle>
-            <a:extLst/>
-          </a:lstStyle>
+          <a:lstStyle/>
           <a:p>
             <a:pPr algn="ctr" eaLnBrk="1" latinLnBrk="0" hangingPunct="1"/>
             <a:endParaRPr kumimoji="0" lang="en-US"/>
@@ -10941,9 +10674,7 @@
         <p:spPr/>
         <p:txBody>
           <a:bodyPr/>
-          <a:lstStyle>
-            <a:extLst/>
-          </a:lstStyle>
+          <a:lstStyle/>
           <a:p>
             <a:pPr>
               <a:defRPr/>
@@ -10965,9 +10696,7 @@
         <p:spPr/>
         <p:txBody>
           <a:bodyPr/>
-          <a:lstStyle>
-            <a:extLst/>
-          </a:lstStyle>
+          <a:lstStyle/>
           <a:p>
             <a:pPr>
               <a:defRPr/>
@@ -10989,9 +10718,7 @@
         <p:spPr/>
         <p:txBody>
           <a:bodyPr/>
-          <a:lstStyle>
-            <a:extLst/>
-          </a:lstStyle>
+          <a:lstStyle/>
           <a:p>
             <a:pPr>
               <a:defRPr/>
@@ -11054,9 +10781,7 @@
         </p:style>
         <p:txBody>
           <a:bodyPr anchor="ctr"/>
-          <a:lstStyle>
-            <a:extLst/>
-          </a:lstStyle>
+          <a:lstStyle/>
           <a:p>
             <a:pPr algn="ctr" eaLnBrk="1" latinLnBrk="0" hangingPunct="1"/>
             <a:endParaRPr kumimoji="0" lang="en-US"/>
@@ -11071,13 +10796,6 @@
   <p:transition>
     <p:random/>
   </p:transition>
-  <p:timing>
-    <p:tnLst>
-      <p:par>
-        <p:cTn id="1" dur="indefinite" restart="never" nodeType="tmRoot"/>
-      </p:par>
-    </p:tnLst>
-  </p:timing>
 </p:sldLayout>
 </file>
 
@@ -11131,10 +10849,9 @@
           </a:lstStyle>
           <a:p>
             <a:r>
-              <a:rPr kumimoji="0" lang="en-US" smtClean="0"/>
+              <a:rPr kumimoji="0" lang="en-US"/>
               <a:t>Click to edit Master title style</a:t>
             </a:r>
-            <a:endParaRPr kumimoji="0" lang="en-US"/>
           </a:p>
         </p:txBody>
       </p:sp>
@@ -11188,7 +10905,7 @@
           <a:p>
             <a:pPr lvl="0" eaLnBrk="1" latinLnBrk="0" hangingPunct="1"/>
             <a:r>
-              <a:rPr kumimoji="0" lang="en-US" smtClean="0"/>
+              <a:rPr kumimoji="0" lang="en-US"/>
               <a:t>Click to edit Master text styles</a:t>
             </a:r>
           </a:p>
@@ -11233,35 +10950,35 @@
           <a:p>
             <a:pPr lvl="0" eaLnBrk="1" latinLnBrk="0" hangingPunct="1"/>
             <a:r>
-              <a:rPr lang="en-US" smtClean="0"/>
+              <a:rPr lang="en-US"/>
               <a:t>Click to edit Master text styles</a:t>
             </a:r>
           </a:p>
           <a:p>
             <a:pPr lvl="1" eaLnBrk="1" latinLnBrk="0" hangingPunct="1"/>
             <a:r>
-              <a:rPr lang="en-US" smtClean="0"/>
+              <a:rPr lang="en-US"/>
               <a:t>Second level</a:t>
             </a:r>
           </a:p>
           <a:p>
             <a:pPr lvl="2" eaLnBrk="1" latinLnBrk="0" hangingPunct="1"/>
             <a:r>
-              <a:rPr lang="en-US" smtClean="0"/>
+              <a:rPr lang="en-US"/>
               <a:t>Third level</a:t>
             </a:r>
           </a:p>
           <a:p>
             <a:pPr lvl="3" eaLnBrk="1" latinLnBrk="0" hangingPunct="1"/>
             <a:r>
-              <a:rPr lang="en-US" smtClean="0"/>
+              <a:rPr lang="en-US"/>
               <a:t>Fourth level</a:t>
             </a:r>
           </a:p>
           <a:p>
             <a:pPr lvl="4" eaLnBrk="1" latinLnBrk="0" hangingPunct="1"/>
             <a:r>
-              <a:rPr lang="en-US" smtClean="0"/>
+              <a:rPr lang="en-US"/>
               <a:t>Fifth level</a:t>
             </a:r>
             <a:endParaRPr kumimoji="0" lang="en-US"/>
@@ -11281,9 +10998,7 @@
         <p:spPr/>
         <p:txBody>
           <a:bodyPr/>
-          <a:lstStyle>
-            <a:extLst/>
-          </a:lstStyle>
+          <a:lstStyle/>
           <a:p>
             <a:pPr>
               <a:defRPr/>
@@ -11305,9 +11020,7 @@
         <p:spPr/>
         <p:txBody>
           <a:bodyPr/>
-          <a:lstStyle>
-            <a:extLst/>
-          </a:lstStyle>
+          <a:lstStyle/>
           <a:p>
             <a:pPr>
               <a:defRPr/>
@@ -11329,9 +11042,7 @@
         <p:spPr/>
         <p:txBody>
           <a:bodyPr/>
-          <a:lstStyle>
-            <a:extLst/>
-          </a:lstStyle>
+          <a:lstStyle/>
           <a:p>
             <a:pPr>
               <a:defRPr/>
@@ -11355,13 +11066,6 @@
   <p:transition>
     <p:random/>
   </p:transition>
-  <p:timing>
-    <p:tnLst>
-      <p:par>
-        <p:cTn id="1" dur="indefinite" restart="never" nodeType="tmRoot"/>
-      </p:par>
-    </p:tnLst>
-  </p:timing>
 </p:sldLayout>
 </file>
 
@@ -11413,10 +11117,9 @@
           </a:lstStyle>
           <a:p>
             <a:r>
-              <a:rPr kumimoji="0" lang="en-US" smtClean="0"/>
+              <a:rPr kumimoji="0" lang="en-US"/>
               <a:t>Click to edit Master title style</a:t>
             </a:r>
-            <a:endParaRPr kumimoji="0" lang="en-US"/>
           </a:p>
         </p:txBody>
       </p:sp>
@@ -11433,9 +11136,7 @@
         <p:spPr/>
         <p:txBody>
           <a:bodyPr/>
-          <a:lstStyle>
-            <a:extLst/>
-          </a:lstStyle>
+          <a:lstStyle/>
           <a:p>
             <a:pPr>
               <a:defRPr/>
@@ -11457,9 +11158,7 @@
         <p:spPr/>
         <p:txBody>
           <a:bodyPr/>
-          <a:lstStyle>
-            <a:extLst/>
-          </a:lstStyle>
+          <a:lstStyle/>
           <a:p>
             <a:pPr>
               <a:defRPr/>
@@ -11481,9 +11180,7 @@
         <p:spPr/>
         <p:txBody>
           <a:bodyPr/>
-          <a:lstStyle>
-            <a:extLst/>
-          </a:lstStyle>
+          <a:lstStyle/>
           <a:p>
             <a:pPr>
               <a:defRPr/>
@@ -11546,9 +11243,7 @@
           <a:bodyPr lIns="91440" tIns="274320" rtlCol="0" anchor="t">
             <a:normAutofit/>
           </a:bodyPr>
-          <a:lstStyle>
-            <a:extLst/>
-          </a:lstStyle>
+          <a:lstStyle/>
           <a:p>
             <a:pPr marL="0" indent="-283464" algn="l" rtl="0" eaLnBrk="1" latinLnBrk="0" hangingPunct="1">
               <a:lnSpc>
@@ -11616,7 +11311,7 @@
           <a:p>
             <a:pPr marL="0" algn="l" eaLnBrk="1" latinLnBrk="0" hangingPunct="1"/>
             <a:r>
-              <a:rPr kumimoji="0" lang="en-US" smtClean="0"/>
+              <a:rPr kumimoji="0" lang="en-US"/>
               <a:t>Click icon to add picture</a:t>
             </a:r>
             <a:endParaRPr kumimoji="0" lang="en-US" dirty="0"/>
@@ -11676,9 +11371,7 @@
         </p:style>
         <p:txBody>
           <a:bodyPr anchor="ctr"/>
-          <a:lstStyle>
-            <a:extLst/>
-          </a:lstStyle>
+          <a:lstStyle/>
           <a:p>
             <a:pPr algn="ctr" eaLnBrk="1" latinLnBrk="0" hangingPunct="1"/>
             <a:endParaRPr kumimoji="0" lang="en-US"/>
@@ -11736,9 +11429,7 @@
         </p:style>
         <p:txBody>
           <a:bodyPr anchor="ctr"/>
-          <a:lstStyle>
-            <a:extLst/>
-          </a:lstStyle>
+          <a:lstStyle/>
           <a:p>
             <a:pPr algn="ctr" eaLnBrk="1" latinLnBrk="0" hangingPunct="1"/>
             <a:endParaRPr kumimoji="0" lang="en-US" dirty="0"/>
@@ -11795,7 +11486,7 @@
           <a:p>
             <a:pPr lvl="0" eaLnBrk="1" latinLnBrk="0" hangingPunct="1"/>
             <a:r>
-              <a:rPr kumimoji="0" lang="en-US" smtClean="0"/>
+              <a:rPr kumimoji="0" lang="en-US"/>
               <a:t>Click to edit Master text styles</a:t>
             </a:r>
           </a:p>
@@ -11809,13 +11500,6 @@
   <p:transition>
     <p:random/>
   </p:transition>
-  <p:timing>
-    <p:tnLst>
-      <p:par>
-        <p:cTn id="1" dur="indefinite" restart="never" nodeType="tmRoot"/>
-      </p:par>
-    </p:tnLst>
-  </p:timing>
 </p:sldLayout>
 </file>
 
@@ -11893,9 +11577,7 @@
         </p:style>
         <p:txBody>
           <a:bodyPr anchor="ctr"/>
-          <a:lstStyle>
-            <a:extLst/>
-          </a:lstStyle>
+          <a:lstStyle/>
           <a:p>
             <a:pPr algn="ctr" eaLnBrk="1" latinLnBrk="0" hangingPunct="1"/>
             <a:endParaRPr kumimoji="0" lang="en-US"/>
@@ -11953,9 +11635,7 @@
         </p:style>
         <p:txBody>
           <a:bodyPr anchor="ctr"/>
-          <a:lstStyle>
-            <a:extLst/>
-          </a:lstStyle>
+          <a:lstStyle/>
           <a:p>
             <a:pPr algn="ctr" eaLnBrk="1" latinLnBrk="0" hangingPunct="1"/>
             <a:endParaRPr kumimoji="0" lang="en-US"/>
@@ -12045,9 +11725,7 @@
         </p:style>
         <p:txBody>
           <a:bodyPr anchor="ctr"/>
-          <a:lstStyle>
-            <a:extLst/>
-          </a:lstStyle>
+          <a:lstStyle/>
           <a:p>
             <a:pPr algn="ctr" eaLnBrk="1" latinLnBrk="0" hangingPunct="1"/>
             <a:endParaRPr kumimoji="0" lang="en-US"/>
@@ -12093,9 +11771,7 @@
         </p:style>
         <p:txBody>
           <a:bodyPr anchor="ctr"/>
-          <a:lstStyle>
-            <a:extLst/>
-          </a:lstStyle>
+          <a:lstStyle/>
           <a:p>
             <a:pPr algn="ctr" eaLnBrk="1" latinLnBrk="0" hangingPunct="1"/>
             <a:endParaRPr kumimoji="0" lang="en-US"/>
@@ -12125,15 +11801,12 @@
           <a:bodyPr anchor="ctr">
             <a:normAutofit/>
           </a:bodyPr>
-          <a:lstStyle>
-            <a:extLst/>
-          </a:lstStyle>
-          <a:p>
-            <a:r>
-              <a:rPr kumimoji="0" lang="en-US" smtClean="0"/>
+          <a:lstStyle/>
+          <a:p>
+            <a:r>
+              <a:rPr kumimoji="0" lang="en-US"/>
               <a:t>Click to edit Master title style</a:t>
             </a:r>
-            <a:endParaRPr kumimoji="0" lang="en-US"/>
           </a:p>
         </p:txBody>
       </p:sp>
@@ -12160,9 +11833,7 @@
           <a:bodyPr>
             <a:normAutofit/>
           </a:bodyPr>
-          <a:lstStyle>
-            <a:extLst/>
-          </a:lstStyle>
+          <a:lstStyle/>
           <a:p>
             <a:pPr marL="365125" lvl="0" indent="-282575" algn="l" rtl="0" eaLnBrk="0" fontAlgn="base" latinLnBrk="0" hangingPunct="0">
               <a:spcBef>
@@ -12179,7 +11850,7 @@
               <a:buChar char=""/>
             </a:pPr>
             <a:r>
-              <a:rPr kumimoji="0" lang="en-US" smtClean="0"/>
+              <a:rPr kumimoji="0" lang="en-US"/>
               <a:t>Click to edit Master text styles</a:t>
             </a:r>
           </a:p>
@@ -12198,7 +11869,7 @@
               <a:buChar char="◦"/>
             </a:pPr>
             <a:r>
-              <a:rPr kumimoji="0" lang="en-US" smtClean="0"/>
+              <a:rPr kumimoji="0" lang="en-US"/>
               <a:t>Second level</a:t>
             </a:r>
           </a:p>
@@ -12217,7 +11888,7 @@
               <a:buChar char=""/>
             </a:pPr>
             <a:r>
-              <a:rPr kumimoji="0" lang="en-US" smtClean="0"/>
+              <a:rPr kumimoji="0" lang="en-US"/>
               <a:t>Third level</a:t>
             </a:r>
           </a:p>
@@ -12236,17 +11907,16 @@
               <a:buChar char=""/>
             </a:pPr>
             <a:r>
-              <a:rPr kumimoji="0" lang="en-US" smtClean="0"/>
+              <a:rPr kumimoji="0" lang="en-US"/>
               <a:t>Fourth level</a:t>
             </a:r>
           </a:p>
           <a:p>
             <a:pPr lvl="4" eaLnBrk="1" latinLnBrk="0" hangingPunct="1"/>
             <a:r>
-              <a:rPr kumimoji="0" lang="en-US" smtClean="0"/>
+              <a:rPr kumimoji="0" lang="en-US"/>
               <a:t>Fifth level</a:t>
             </a:r>
-            <a:endParaRPr kumimoji="0" lang="en-US"/>
           </a:p>
         </p:txBody>
       </p:sp>
@@ -12432,9 +12102,7 @@
         </p:style>
         <p:txBody>
           <a:bodyPr anchor="ctr"/>
-          <a:lstStyle>
-            <a:extLst/>
-          </a:lstStyle>
+          <a:lstStyle/>
           <a:p>
             <a:pPr algn="ctr" eaLnBrk="1" latinLnBrk="0" hangingPunct="1"/>
             <a:endParaRPr kumimoji="0" lang="en-US"/>
@@ -12460,13 +12128,6 @@
   <p:transition>
     <p:random/>
   </p:transition>
-  <p:timing>
-    <p:tnLst>
-      <p:par>
-        <p:cTn id="1" dur="indefinite" restart="never" nodeType="tmRoot"/>
-      </p:par>
-    </p:tnLst>
-  </p:timing>
   <p:txStyles>
     <p:titleStyle>
       <a:lvl1pPr algn="l" rtl="0" eaLnBrk="1" latinLnBrk="0" hangingPunct="1">
@@ -12858,9 +12519,7 @@
         </p:style>
         <p:txBody>
           <a:bodyPr anchor="ctr"/>
-          <a:lstStyle>
-            <a:extLst/>
-          </a:lstStyle>
+          <a:lstStyle/>
           <a:p>
             <a:pPr algn="ctr">
               <a:defRPr/>
@@ -12920,9 +12579,7 @@
         </p:style>
         <p:txBody>
           <a:bodyPr anchor="ctr"/>
-          <a:lstStyle>
-            <a:extLst/>
-          </a:lstStyle>
+          <a:lstStyle/>
           <a:p>
             <a:pPr algn="ctr">
               <a:defRPr/>
@@ -13014,9 +12671,7 @@
         </p:style>
         <p:txBody>
           <a:bodyPr anchor="ctr"/>
-          <a:lstStyle>
-            <a:extLst/>
-          </a:lstStyle>
+          <a:lstStyle/>
           <a:p>
             <a:pPr algn="ctr">
               <a:defRPr/>
@@ -13064,9 +12719,7 @@
         </p:style>
         <p:txBody>
           <a:bodyPr anchor="ctr"/>
-          <a:lstStyle>
-            <a:extLst/>
-          </a:lstStyle>
+          <a:lstStyle/>
           <a:p>
             <a:pPr algn="ctr">
               <a:defRPr/>
@@ -13098,15 +12751,12 @@
           <a:bodyPr anchor="ctr">
             <a:normAutofit/>
           </a:bodyPr>
-          <a:lstStyle>
-            <a:extLst/>
-          </a:lstStyle>
-          <a:p>
-            <a:r>
-              <a:rPr lang="en-US" smtClean="0"/>
+          <a:lstStyle/>
+          <a:p>
+            <a:r>
+              <a:rPr lang="en-US"/>
               <a:t>Click to edit Master title style</a:t>
             </a:r>
-            <a:endParaRPr lang="en-US"/>
           </a:p>
         </p:txBody>
       </p:sp>
@@ -13146,35 +12796,35 @@
           <a:p>
             <a:pPr lvl="0"/>
             <a:r>
-              <a:rPr lang="en-US" smtClean="0"/>
+              <a:rPr lang="en-US"/>
               <a:t>Click to edit Master text styles</a:t>
             </a:r>
           </a:p>
           <a:p>
             <a:pPr lvl="1"/>
             <a:r>
-              <a:rPr lang="en-US" smtClean="0"/>
+              <a:rPr lang="en-US"/>
               <a:t>Second level</a:t>
             </a:r>
           </a:p>
           <a:p>
             <a:pPr lvl="2"/>
             <a:r>
-              <a:rPr lang="en-US" smtClean="0"/>
+              <a:rPr lang="en-US"/>
               <a:t>Third level</a:t>
             </a:r>
           </a:p>
           <a:p>
             <a:pPr lvl="3"/>
             <a:r>
-              <a:rPr lang="en-US" smtClean="0"/>
+              <a:rPr lang="en-US"/>
               <a:t>Fourth level</a:t>
             </a:r>
           </a:p>
           <a:p>
             <a:pPr lvl="4"/>
             <a:r>
-              <a:rPr lang="en-US" smtClean="0"/>
+              <a:rPr lang="en-US"/>
               <a:t>Fifth level</a:t>
             </a:r>
           </a:p>
@@ -13362,9 +13012,7 @@
         </p:style>
         <p:txBody>
           <a:bodyPr anchor="ctr"/>
-          <a:lstStyle>
-            <a:extLst/>
-          </a:lstStyle>
+          <a:lstStyle/>
           <a:p>
             <a:pPr algn="ctr">
               <a:defRPr/>
@@ -13399,13 +13047,6 @@
   <p:transition>
     <p:random/>
   </p:transition>
-  <p:timing>
-    <p:tnLst>
-      <p:par>
-        <p:cTn id="1" dur="indefinite" restart="never" nodeType="tmRoot"/>
-      </p:par>
-    </p:tnLst>
-  </p:timing>
   <p:txStyles>
     <p:titleStyle>
       <a:lvl1pPr algn="l" rtl="0" eaLnBrk="0" fontAlgn="base" hangingPunct="0">
@@ -13909,9 +13550,7 @@
         </p:style>
         <p:txBody>
           <a:bodyPr anchor="ctr"/>
-          <a:lstStyle>
-            <a:extLst/>
-          </a:lstStyle>
+          <a:lstStyle/>
           <a:p>
             <a:pPr algn="ctr">
               <a:defRPr/>
@@ -13971,9 +13610,7 @@
         </p:style>
         <p:txBody>
           <a:bodyPr anchor="ctr"/>
-          <a:lstStyle>
-            <a:extLst/>
-          </a:lstStyle>
+          <a:lstStyle/>
           <a:p>
             <a:pPr algn="ctr">
               <a:defRPr/>
@@ -14065,9 +13702,7 @@
         </p:style>
         <p:txBody>
           <a:bodyPr anchor="ctr"/>
-          <a:lstStyle>
-            <a:extLst/>
-          </a:lstStyle>
+          <a:lstStyle/>
           <a:p>
             <a:pPr algn="ctr">
               <a:defRPr/>
@@ -14115,9 +13750,7 @@
         </p:style>
         <p:txBody>
           <a:bodyPr anchor="ctr"/>
-          <a:lstStyle>
-            <a:extLst/>
-          </a:lstStyle>
+          <a:lstStyle/>
           <a:p>
             <a:pPr algn="ctr">
               <a:defRPr/>
@@ -14149,15 +13782,12 @@
           <a:bodyPr anchor="ctr">
             <a:normAutofit/>
           </a:bodyPr>
-          <a:lstStyle>
-            <a:extLst/>
-          </a:lstStyle>
-          <a:p>
-            <a:r>
-              <a:rPr lang="en-US" smtClean="0"/>
+          <a:lstStyle/>
+          <a:p>
+            <a:r>
+              <a:rPr lang="en-US"/>
               <a:t>Click to edit Master title style</a:t>
             </a:r>
-            <a:endParaRPr lang="en-US"/>
           </a:p>
         </p:txBody>
       </p:sp>
@@ -14197,35 +13827,35 @@
           <a:p>
             <a:pPr lvl="0"/>
             <a:r>
-              <a:rPr lang="en-US" smtClean="0"/>
+              <a:rPr lang="en-US"/>
               <a:t>Click to edit Master text styles</a:t>
             </a:r>
           </a:p>
           <a:p>
             <a:pPr lvl="1"/>
             <a:r>
-              <a:rPr lang="en-US" smtClean="0"/>
+              <a:rPr lang="en-US"/>
               <a:t>Second level</a:t>
             </a:r>
           </a:p>
           <a:p>
             <a:pPr lvl="2"/>
             <a:r>
-              <a:rPr lang="en-US" smtClean="0"/>
+              <a:rPr lang="en-US"/>
               <a:t>Third level</a:t>
             </a:r>
           </a:p>
           <a:p>
             <a:pPr lvl="3"/>
             <a:r>
-              <a:rPr lang="en-US" smtClean="0"/>
+              <a:rPr lang="en-US"/>
               <a:t>Fourth level</a:t>
             </a:r>
           </a:p>
           <a:p>
             <a:pPr lvl="4"/>
             <a:r>
-              <a:rPr lang="en-US" smtClean="0"/>
+              <a:rPr lang="en-US"/>
               <a:t>Fifth level</a:t>
             </a:r>
           </a:p>
@@ -14413,9 +14043,7 @@
         </p:style>
         <p:txBody>
           <a:bodyPr anchor="ctr"/>
-          <a:lstStyle>
-            <a:extLst/>
-          </a:lstStyle>
+          <a:lstStyle/>
           <a:p>
             <a:pPr algn="ctr">
               <a:defRPr/>
@@ -14450,13 +14078,6 @@
   <p:transition>
     <p:random/>
   </p:transition>
-  <p:timing>
-    <p:tnLst>
-      <p:par>
-        <p:cTn id="1" dur="indefinite" restart="never" nodeType="tmRoot"/>
-      </p:par>
-    </p:tnLst>
-  </p:timing>
   <p:txStyles>
     <p:titleStyle>
       <a:lvl1pPr algn="l" rtl="0" eaLnBrk="0" fontAlgn="base" hangingPunct="0">
@@ -14929,7 +14550,7 @@
               <a:defRPr/>
             </a:pPr>
             <a:r>
-              <a:rPr lang="en-US" sz="7200" b="0" dirty="0" err="1" smtClean="0">
+              <a:rPr lang="en-US" sz="7200" b="0" dirty="0" err="1">
                 <a:latin typeface="American Typewriter" charset="0"/>
                 <a:ea typeface="American Typewriter" charset="0"/>
                 <a:cs typeface="American Typewriter" charset="0"/>
@@ -14937,7 +14558,7 @@
               <a:t>PROIECTAREA</a:t>
             </a:r>
             <a:r>
-              <a:rPr lang="en-US" sz="7200" b="0" dirty="0" smtClean="0">
+              <a:rPr lang="en-US" sz="7200" b="0" dirty="0">
                 <a:latin typeface="American Typewriter" charset="0"/>
                 <a:ea typeface="American Typewriter" charset="0"/>
                 <a:cs typeface="American Typewriter" charset="0"/>
@@ -14945,7 +14566,7 @@
               <a:t> </a:t>
             </a:r>
             <a:r>
-              <a:rPr lang="en-US" sz="7200" b="0" dirty="0" err="1" smtClean="0">
+              <a:rPr lang="en-US" sz="7200" b="0" dirty="0" err="1">
                 <a:latin typeface="American Typewriter" charset="0"/>
                 <a:ea typeface="American Typewriter" charset="0"/>
                 <a:cs typeface="American Typewriter" charset="0"/>
@@ -14953,7 +14574,7 @@
               <a:t>BAZELOR</a:t>
             </a:r>
             <a:r>
-              <a:rPr lang="en-US" sz="7200" b="0" dirty="0" smtClean="0">
+              <a:rPr lang="en-US" sz="7200" b="0" dirty="0">
                 <a:latin typeface="American Typewriter" charset="0"/>
                 <a:ea typeface="American Typewriter" charset="0"/>
                 <a:cs typeface="American Typewriter" charset="0"/>
@@ -14961,13 +14582,13 @@
               <a:t> DE DATE</a:t>
             </a:r>
             <a:br>
-              <a:rPr lang="en-US" sz="7200" b="0" dirty="0" smtClean="0">
+              <a:rPr lang="en-US" sz="7200" b="0" dirty="0">
                 <a:latin typeface="American Typewriter" charset="0"/>
                 <a:ea typeface="American Typewriter" charset="0"/>
                 <a:cs typeface="American Typewriter" charset="0"/>
               </a:rPr>
             </a:br>
-            <a:endParaRPr lang="en-US" sz="7200" b="0" dirty="0" smtClean="0">
+            <a:endParaRPr lang="en-US" sz="7200" b="0" dirty="0">
               <a:latin typeface="American Typewriter" charset="0"/>
               <a:ea typeface="American Typewriter" charset="0"/>
               <a:cs typeface="American Typewriter" charset="0"/>
@@ -15058,42 +14679,42 @@
               <a:defRPr/>
             </a:pPr>
             <a:r>
-              <a:rPr lang="en-US" sz="4400" b="1" dirty="0" err="1" smtClean="0">
+              <a:rPr lang="en-US" sz="4400" b="1" dirty="0" err="1">
                 <a:latin typeface="Gabriola" pitchFamily="82" charset="0"/>
                 <a:cs typeface="Vani" pitchFamily="34" charset="0"/>
               </a:rPr>
               <a:t>Modelare</a:t>
             </a:r>
             <a:r>
-              <a:rPr lang="en-US" sz="4400" b="1" dirty="0" smtClean="0">
+              <a:rPr lang="en-US" sz="4400" b="1" dirty="0">
                 <a:latin typeface="Gabriola" pitchFamily="82" charset="0"/>
                 <a:cs typeface="Vani" pitchFamily="34" charset="0"/>
               </a:rPr>
               <a:t>, </a:t>
             </a:r>
             <a:r>
-              <a:rPr lang="en-US" sz="4400" b="1" dirty="0" err="1" smtClean="0">
+              <a:rPr lang="en-US" sz="4400" b="1" dirty="0" err="1">
                 <a:latin typeface="Gabriola" pitchFamily="82" charset="0"/>
                 <a:cs typeface="Vani" pitchFamily="34" charset="0"/>
               </a:rPr>
               <a:t>diagrame</a:t>
             </a:r>
             <a:r>
-              <a:rPr lang="en-US" sz="4400" b="1" dirty="0" smtClean="0">
+              <a:rPr lang="en-US" sz="4400" b="1" dirty="0">
                 <a:latin typeface="Gabriola" pitchFamily="82" charset="0"/>
                 <a:cs typeface="Vani" pitchFamily="34" charset="0"/>
               </a:rPr>
               <a:t>, </a:t>
             </a:r>
             <a:r>
-              <a:rPr lang="ro-RO" sz="4400" b="1" dirty="0" smtClean="0">
+              <a:rPr lang="ro-RO" sz="4400" b="1" dirty="0">
                 <a:latin typeface="Gabriola" pitchFamily="82" charset="0"/>
                 <a:cs typeface="Vani" pitchFamily="34" charset="0"/>
               </a:rPr>
               <a:t>(un pic de) </a:t>
             </a:r>
             <a:r>
-              <a:rPr lang="en-US" sz="4400" b="1" dirty="0" err="1" smtClean="0">
+              <a:rPr lang="en-US" sz="4400" b="1" dirty="0" err="1">
                 <a:latin typeface="Gabriola" pitchFamily="82" charset="0"/>
                 <a:cs typeface="Vani" pitchFamily="34" charset="0"/>
               </a:rPr>
@@ -15132,7 +14753,7 @@
               <a:buNone/>
             </a:pPr>
             <a:r>
-              <a:rPr lang="ro-RO" sz="1400" dirty="0" smtClean="0">
+              <a:rPr lang="ro-RO" sz="1400" dirty="0">
                 <a:latin typeface="Segoe UI Semibold" pitchFamily="34" charset="0"/>
               </a:rPr>
               <a:t>Universitatea Al.I. Cuza Iași </a:t>
@@ -15143,13 +14764,13 @@
               <a:buNone/>
             </a:pPr>
             <a:r>
-              <a:rPr lang="ro-RO" sz="1400" dirty="0" smtClean="0">
+              <a:rPr lang="ro-RO" sz="1400" dirty="0">
                 <a:latin typeface="Segoe UI Semibold" pitchFamily="34" charset="0"/>
               </a:rPr>
               <a:t>Facultatea de </a:t>
             </a:r>
             <a:r>
-              <a:rPr lang="en-US" sz="1400" dirty="0" smtClean="0">
+              <a:rPr lang="en-US" sz="1400" dirty="0">
                 <a:latin typeface="Segoe UI Semibold" pitchFamily="34" charset="0"/>
               </a:rPr>
               <a:t>Economie și Administrarea Afacerilor</a:t>
@@ -15160,14 +14781,11 @@
               <a:buNone/>
             </a:pPr>
             <a:r>
-              <a:rPr lang="en-US" sz="1400" dirty="0" smtClean="0">
+              <a:rPr lang="en-US" sz="1400" dirty="0">
                 <a:latin typeface="Segoe UI Semibold" pitchFamily="34" charset="0"/>
               </a:rPr>
               <a:t>Departamentul de Contabilitate, Informatică economică și Statistică </a:t>
             </a:r>
-            <a:endParaRPr lang="en-US" sz="1400" dirty="0">
-              <a:latin typeface="Segoe UI Semibold" pitchFamily="34" charset="0"/>
-            </a:endParaRPr>
           </a:p>
         </p:txBody>
       </p:sp>
@@ -15406,16 +15024,12 @@
               <a:defRPr/>
             </a:pPr>
             <a:r>
-              <a:rPr lang="en-US" sz="2800" b="1" dirty="0" smtClean="0">
+              <a:rPr lang="en-US" sz="2800" b="1" dirty="0">
                 <a:latin typeface="Gabriola" pitchFamily="82" charset="0"/>
                 <a:cs typeface="Vani" pitchFamily="34" charset="0"/>
               </a:rPr>
               <a:t>Marin Fotache 	</a:t>
             </a:r>
-            <a:endParaRPr lang="en-US" sz="2800" b="1" dirty="0">
-              <a:latin typeface="Gabriola" pitchFamily="82" charset="0"/>
-              <a:cs typeface="Vani" pitchFamily="34" charset="0"/>
-            </a:endParaRPr>
           </a:p>
         </p:txBody>
       </p:sp>
@@ -15427,13 +15041,6 @@
   <p:transition>
     <p:random/>
   </p:transition>
-  <p:timing>
-    <p:tnLst>
-      <p:par>
-        <p:cTn id="1" dur="indefinite" restart="never" nodeType="tmRoot"/>
-      </p:par>
-    </p:tnLst>
-  </p:timing>
 </p:sld>
 </file>
 
@@ -15478,15 +15085,15 @@
           <a:p>
             <a:pPr algn="ctr"/>
             <a:r>
-              <a:rPr lang="ro-RO" sz="3600" b="1" dirty="0" smtClean="0"/>
+              <a:rPr lang="ro-RO" sz="3600" b="1" dirty="0"/>
               <a:t>Diagrama </a:t>
             </a:r>
             <a:r>
-              <a:rPr lang="ro-RO" sz="3600" b="1" i="1" dirty="0" smtClean="0"/>
+              <a:rPr lang="ro-RO" sz="3600" b="1" i="1" dirty="0"/>
               <a:t>Information Engineering </a:t>
             </a:r>
             <a:r>
-              <a:rPr lang="ro-RO" sz="3600" b="1" dirty="0" smtClean="0"/>
+              <a:rPr lang="ro-RO" sz="3600" b="1" dirty="0"/>
               <a:t>a BD VÎNZĂRI (Oracle Data Modeler)</a:t>
             </a:r>
             <a:endParaRPr lang="en-US" sz="3600" dirty="0"/>
@@ -15577,15 +15184,15 @@
           <a:p>
             <a:pPr algn="ctr"/>
             <a:r>
-              <a:rPr lang="ro-RO" sz="4400" b="1" dirty="0" smtClean="0"/>
+              <a:rPr lang="ro-RO" sz="4400" b="1" dirty="0"/>
               <a:t>Diagrama </a:t>
             </a:r>
             <a:r>
-              <a:rPr lang="ro-RO" sz="4400" b="1" i="1" dirty="0" smtClean="0"/>
+              <a:rPr lang="ro-RO" sz="4400" b="1" i="1" dirty="0"/>
               <a:t>Bachman</a:t>
             </a:r>
             <a:r>
-              <a:rPr lang="ro-RO" sz="4400" b="1" dirty="0" smtClean="0"/>
+              <a:rPr lang="ro-RO" sz="4400" b="1" dirty="0"/>
               <a:t> a BD VÎNZĂRI (Oracle Data Modeler)</a:t>
             </a:r>
             <a:endParaRPr lang="en-US" dirty="0"/>
@@ -15676,18 +15283,17 @@
           <a:p>
             <a:pPr algn="ctr"/>
             <a:r>
-              <a:rPr lang="ro-RO" b="1" dirty="0" smtClean="0"/>
+              <a:rPr lang="ro-RO" b="1" dirty="0"/>
               <a:t>Diagramă </a:t>
             </a:r>
             <a:r>
-              <a:rPr lang="ro-RO" b="1" i="1" dirty="0" smtClean="0"/>
+              <a:rPr lang="ro-RO" b="1" i="1" dirty="0"/>
               <a:t>Object</a:t>
             </a:r>
             <a:r>
-              <a:rPr lang="en-US" b="1" i="1" dirty="0" smtClean="0"/>
+              <a:rPr lang="en-US" b="1" i="1" dirty="0"/>
               <a:t>-Role Modeling</a:t>
             </a:r>
-            <a:endParaRPr lang="en-US" b="1" i="1" dirty="0"/>
           </a:p>
         </p:txBody>
       </p:sp>
@@ -15749,7 +15355,7 @@
               <a:buNone/>
             </a:pPr>
             <a:r>
-              <a:rPr lang="ro-RO" sz="1800" i="1" smtClean="0">
+              <a:rPr lang="ro-RO" sz="1800" i="1">
                 <a:latin typeface="Segoe UI" pitchFamily="34" charset="0"/>
                 <a:ea typeface="Segoe UI" pitchFamily="34" charset="0"/>
                 <a:cs typeface="Segoe UI" pitchFamily="34" charset="0"/>
@@ -15757,18 +15363,13 @@
               <a:t>Sursa</a:t>
             </a:r>
             <a:r>
-              <a:rPr lang="en-US" sz="1800" i="1" smtClean="0">
+              <a:rPr lang="en-US" sz="1800" i="1">
                 <a:latin typeface="Segoe UI" pitchFamily="34" charset="0"/>
                 <a:ea typeface="Segoe UI" pitchFamily="34" charset="0"/>
                 <a:cs typeface="Segoe UI" pitchFamily="34" charset="0"/>
               </a:rPr>
               <a:t>: Ponniah 2007</a:t>
             </a:r>
-            <a:endParaRPr lang="en-US" sz="1800" i="1">
-              <a:latin typeface="Segoe UI" pitchFamily="34" charset="0"/>
-              <a:ea typeface="Segoe UI" pitchFamily="34" charset="0"/>
-              <a:cs typeface="Segoe UI" pitchFamily="34" charset="0"/>
-            </a:endParaRPr>
           </a:p>
         </p:txBody>
       </p:sp>
@@ -15822,11 +15423,11 @@
           <a:p>
             <a:pPr algn="ctr"/>
             <a:r>
-              <a:rPr lang="en-US" b="1" dirty="0" smtClean="0"/>
+              <a:rPr lang="en-US" b="1" dirty="0"/>
               <a:t>Diagram</a:t>
             </a:r>
             <a:r>
-              <a:rPr lang="ro-RO" b="1" dirty="0" smtClean="0"/>
+              <a:rPr lang="ro-RO" b="1" dirty="0"/>
               <a:t>ă UML</a:t>
             </a:r>
             <a:endParaRPr lang="en-US" b="1" dirty="0"/>
@@ -15891,7 +15492,7 @@
               <a:buNone/>
             </a:pPr>
             <a:r>
-              <a:rPr lang="ro-RO" sz="1800" i="1" smtClean="0">
+              <a:rPr lang="ro-RO" sz="1800" i="1">
                 <a:latin typeface="Segoe UI" pitchFamily="34" charset="0"/>
                 <a:ea typeface="Segoe UI" pitchFamily="34" charset="0"/>
                 <a:cs typeface="Segoe UI" pitchFamily="34" charset="0"/>
@@ -15899,18 +15500,13 @@
               <a:t>Sursa</a:t>
             </a:r>
             <a:r>
-              <a:rPr lang="en-US" sz="1800" i="1" smtClean="0">
+              <a:rPr lang="en-US" sz="1800" i="1">
                 <a:latin typeface="Segoe UI" pitchFamily="34" charset="0"/>
                 <a:ea typeface="Segoe UI" pitchFamily="34" charset="0"/>
                 <a:cs typeface="Segoe UI" pitchFamily="34" charset="0"/>
               </a:rPr>
               <a:t>: Ponniah 2007</a:t>
             </a:r>
-            <a:endParaRPr lang="en-US" sz="1800" i="1">
-              <a:latin typeface="Segoe UI" pitchFamily="34" charset="0"/>
-              <a:ea typeface="Segoe UI" pitchFamily="34" charset="0"/>
-              <a:cs typeface="Segoe UI" pitchFamily="34" charset="0"/>
-            </a:endParaRPr>
           </a:p>
         </p:txBody>
       </p:sp>
@@ -15966,10 +15562,10 @@
           <a:p>
             <a:pPr algn="ctr"/>
             <a:r>
-              <a:rPr lang="ro-RO" b="1" dirty="0" smtClean="0"/>
+              <a:rPr lang="ro-RO" b="1" dirty="0"/>
               <a:t>Cum se proiectează o BD</a:t>
             </a:r>
-            <a:endParaRPr lang="en-US" b="1" dirty="0" smtClean="0"/>
+            <a:endParaRPr lang="en-US" b="1" dirty="0"/>
           </a:p>
         </p:txBody>
       </p:sp>
@@ -15997,89 +15593,89 @@
           <a:p>
             <a:pPr eaLnBrk="1" hangingPunct="1"/>
             <a:r>
-              <a:rPr lang="ro-RO" smtClean="0"/>
+              <a:rPr lang="ro-RO"/>
               <a:t>După ureche (lăutăreşte) </a:t>
             </a:r>
             <a:r>
-              <a:rPr lang="en-US" smtClean="0"/>
+              <a:rPr lang="en-US"/>
               <a:t>– este cea mai </a:t>
             </a:r>
             <a:r>
-              <a:rPr lang="ro-RO" smtClean="0"/>
+              <a:rPr lang="ro-RO"/>
               <a:t>îndrăgită metodologie şi uneori chiar funcţionează!</a:t>
             </a:r>
           </a:p>
           <a:p>
             <a:pPr eaLnBrk="1" hangingPunct="1"/>
             <a:r>
-              <a:rPr lang="ro-RO" smtClean="0"/>
+              <a:rPr lang="ro-RO"/>
               <a:t>Folosind metodologii</a:t>
             </a:r>
             <a:r>
-              <a:rPr lang="en-US" smtClean="0"/>
+              <a:rPr lang="en-US"/>
               <a:t>/</a:t>
             </a:r>
             <a:r>
-              <a:rPr lang="ro-RO" smtClean="0"/>
+              <a:rPr lang="ro-RO"/>
               <a:t>instrumente ale analizei şi proiectării de sisteme informaţionale</a:t>
             </a:r>
             <a:r>
-              <a:rPr lang="en-US" smtClean="0"/>
+              <a:rPr lang="en-US"/>
               <a:t> (APSI)</a:t>
             </a:r>
             <a:r>
-              <a:rPr lang="ro-RO" smtClean="0"/>
+              <a:rPr lang="ro-RO"/>
               <a:t> </a:t>
             </a:r>
             <a:r>
-              <a:rPr lang="en-US" smtClean="0"/>
+              <a:rPr lang="en-US"/>
               <a:t>– mai ales pentru aplica</a:t>
             </a:r>
             <a:r>
-              <a:rPr lang="ro-RO" smtClean="0"/>
+              <a:rPr lang="ro-RO"/>
               <a:t>ţii complexe</a:t>
             </a:r>
             <a:r>
-              <a:rPr lang="en-US" smtClean="0"/>
+              <a:rPr lang="en-US"/>
               <a:t> (vezi APSI, SIFC)</a:t>
             </a:r>
-            <a:endParaRPr lang="ro-RO" smtClean="0"/>
+            <a:endParaRPr lang="ro-RO"/>
           </a:p>
           <a:p>
             <a:pPr eaLnBrk="1" hangingPunct="1"/>
             <a:r>
-              <a:rPr lang="ro-RO" smtClean="0"/>
+              <a:rPr lang="ro-RO"/>
               <a:t>Prin</a:t>
             </a:r>
             <a:r>
-              <a:rPr lang="ro-RO" b="1" smtClean="0"/>
+              <a:rPr lang="ro-RO" b="1"/>
               <a:t> normalizare</a:t>
             </a:r>
             <a:r>
-              <a:rPr lang="ro-RO" smtClean="0"/>
+              <a:rPr lang="ro-RO"/>
               <a:t> </a:t>
             </a:r>
             <a:r>
-              <a:rPr lang="en-US" smtClean="0"/>
+              <a:rPr lang="en-US"/>
               <a:t>– subiectul nostru de discu</a:t>
             </a:r>
             <a:r>
-              <a:rPr lang="ro-RO" smtClean="0"/>
+              <a:rPr lang="ro-RO"/>
               <a:t>ţie</a:t>
             </a:r>
           </a:p>
           <a:p>
             <a:pPr eaLnBrk="1" hangingPunct="1"/>
             <a:r>
-              <a:rPr lang="ro-RO" smtClean="0"/>
+              <a:rPr lang="ro-RO"/>
               <a:t>Combinând o metodologie </a:t>
             </a:r>
             <a:r>
-              <a:rPr lang="en-US" smtClean="0"/>
+              <a:rPr lang="en-US"/>
               <a:t>APSI </a:t>
             </a:r>
             <a:r>
-              <a:rPr lang="ro-RO" smtClean="0"/>
+              <a:rPr lang="ro-RO"/>
               <a:t>cu normalizarea (demers mixt)</a:t>
             </a:r>
           </a:p>
@@ -16127,13 +15723,6 @@
   <p:transition>
     <p:random/>
   </p:transition>
-  <p:timing>
-    <p:tnLst>
-      <p:par>
-        <p:cTn id="1" dur="indefinite" restart="never" nodeType="tmRoot"/>
-      </p:par>
-    </p:tnLst>
-  </p:timing>
 </p:sld>
 </file>
 
@@ -16178,10 +15767,10 @@
           <a:p>
             <a:pPr algn="ctr"/>
             <a:r>
-              <a:rPr lang="ro-RO" b="1" dirty="0" smtClean="0"/>
+              <a:rPr lang="ro-RO" b="1" dirty="0"/>
               <a:t>Proiectarea bazelor de date</a:t>
             </a:r>
-            <a:endParaRPr lang="en-US" b="1" dirty="0" smtClean="0"/>
+            <a:endParaRPr lang="en-US" b="1" dirty="0"/>
           </a:p>
         </p:txBody>
       </p:sp>
@@ -16215,47 +15804,47 @@
               <a:defRPr/>
             </a:pPr>
             <a:r>
-              <a:rPr lang="ro-RO" dirty="0" smtClean="0"/>
+              <a:rPr lang="ro-RO" dirty="0"/>
               <a:t>A proiecta o bază de date este</a:t>
             </a:r>
             <a:r>
-              <a:rPr lang="en-US" dirty="0" smtClean="0"/>
+              <a:rPr lang="en-US" dirty="0"/>
               <a:t> </a:t>
             </a:r>
             <a:r>
-              <a:rPr lang="ro-RO" dirty="0" smtClean="0"/>
+              <a:rPr lang="ro-RO" dirty="0"/>
               <a:t>echivalent</a:t>
             </a:r>
             <a:r>
-              <a:rPr lang="en-US" dirty="0" smtClean="0"/>
+              <a:rPr lang="en-US" dirty="0"/>
               <a:t> </a:t>
             </a:r>
             <a:r>
-              <a:rPr lang="ro-RO" dirty="0" smtClean="0"/>
+              <a:rPr lang="ro-RO" dirty="0"/>
               <a:t>cu a stabili ce </a:t>
             </a:r>
             <a:r>
-              <a:rPr lang="ro-RO" b="1" dirty="0" smtClean="0"/>
+              <a:rPr lang="ro-RO" b="1" dirty="0"/>
               <a:t>tabele</a:t>
             </a:r>
             <a:r>
-              <a:rPr lang="ro-RO" dirty="0" smtClean="0"/>
+              <a:rPr lang="ro-RO" dirty="0"/>
               <a:t> vor alcătui baza de date, ce </a:t>
             </a:r>
             <a:r>
-              <a:rPr lang="ro-RO" b="1" dirty="0" smtClean="0"/>
+              <a:rPr lang="ro-RO" b="1" dirty="0"/>
               <a:t>atribute</a:t>
             </a:r>
             <a:r>
-              <a:rPr lang="ro-RO" dirty="0" smtClean="0"/>
+              <a:rPr lang="ro-RO" dirty="0"/>
               <a:t> vor intra în componenţa fiecărei tabele şi care sunt </a:t>
             </a:r>
             <a:r>
-              <a:rPr lang="ro-RO" b="1" dirty="0" smtClean="0"/>
+              <a:rPr lang="ro-RO" b="1" dirty="0"/>
               <a:t>restricţiile</a:t>
             </a:r>
             <a:r>
-              <a:rPr lang="ro-RO" dirty="0" smtClean="0"/>
+              <a:rPr lang="ro-RO" dirty="0"/>
               <a:t> (atomicitate, nenulitate, unicitate, referenţiale, de comportament) la care vor fi supuse valorile atributelor.</a:t>
             </a:r>
           </a:p>
@@ -16271,7 +15860,7 @@
               <a:buNone/>
               <a:defRPr/>
             </a:pPr>
-            <a:endParaRPr lang="ro-RO" sz="1700" dirty="0" smtClean="0"/>
+            <a:endParaRPr lang="ro-RO" sz="1700" dirty="0"/>
           </a:p>
           <a:p>
             <a:pPr algn="just" eaLnBrk="1" fontAlgn="auto" hangingPunct="1">
@@ -16286,11 +15875,11 @@
               <a:defRPr/>
             </a:pPr>
             <a:r>
-              <a:rPr lang="ro-RO" dirty="0" smtClean="0"/>
+              <a:rPr lang="ro-RO" dirty="0"/>
               <a:t>Cine proiectează BD</a:t>
             </a:r>
             <a:r>
-              <a:rPr lang="en-US" dirty="0" smtClean="0"/>
+              <a:rPr lang="en-US" dirty="0"/>
               <a:t>?</a:t>
             </a:r>
           </a:p>
@@ -16307,15 +15896,15 @@
               <a:defRPr/>
             </a:pPr>
             <a:r>
-              <a:rPr lang="ro-RO" dirty="0" smtClean="0"/>
+              <a:rPr lang="ro-RO" dirty="0"/>
               <a:t>A</a:t>
             </a:r>
             <a:r>
-              <a:rPr lang="en-US" dirty="0" err="1" smtClean="0"/>
+              <a:rPr lang="en-US" dirty="0" err="1"/>
               <a:t>nali</a:t>
             </a:r>
             <a:r>
-              <a:rPr lang="ro-RO" dirty="0" smtClean="0"/>
+              <a:rPr lang="ro-RO" dirty="0"/>
               <a:t>şti-proiectanţi de sisteme informaţionale</a:t>
             </a:r>
           </a:p>
@@ -16332,7 +15921,7 @@
               <a:defRPr/>
             </a:pPr>
             <a:r>
-              <a:rPr lang="ro-RO" dirty="0" smtClean="0"/>
+              <a:rPr lang="ro-RO" dirty="0"/>
               <a:t>Proiectanţi de baze de date</a:t>
             </a:r>
           </a:p>
@@ -16349,7 +15938,7 @@
               <a:defRPr/>
             </a:pPr>
             <a:r>
-              <a:rPr lang="ro-RO" dirty="0" smtClean="0"/>
+              <a:rPr lang="ro-RO" dirty="0"/>
               <a:t>Dezvoltatori de aplicaţii</a:t>
             </a:r>
           </a:p>
@@ -16366,22 +15955,22 @@
               <a:defRPr/>
             </a:pPr>
             <a:r>
-              <a:rPr lang="en-US" dirty="0" smtClean="0"/>
+              <a:rPr lang="en-US" dirty="0"/>
               <a:t>“</a:t>
             </a:r>
             <a:r>
-              <a:rPr lang="en-US" dirty="0" err="1" smtClean="0"/>
+              <a:rPr lang="en-US" dirty="0" err="1"/>
               <a:t>Simpli</a:t>
             </a:r>
             <a:r>
-              <a:rPr lang="en-US" dirty="0" smtClean="0"/>
+              <a:rPr lang="en-US" dirty="0"/>
               <a:t>” u</a:t>
             </a:r>
             <a:r>
-              <a:rPr lang="ro-RO" dirty="0" smtClean="0"/>
+              <a:rPr lang="ro-RO" dirty="0"/>
               <a:t>tilizatori (mai rar)</a:t>
             </a:r>
-            <a:endParaRPr lang="en-US" dirty="0" smtClean="0"/>
+            <a:endParaRPr lang="en-US" dirty="0"/>
           </a:p>
         </p:txBody>
       </p:sp>
@@ -16393,13 +15982,6 @@
   <p:transition>
     <p:random/>
   </p:transition>
-  <p:timing>
-    <p:tnLst>
-      <p:par>
-        <p:cTn id="1" dur="indefinite" restart="never" nodeType="tmRoot"/>
-      </p:par>
-    </p:tnLst>
-  </p:timing>
 </p:sld>
 </file>
 
@@ -16444,47 +16026,47 @@
           <a:p>
             <a:pPr algn="ctr"/>
             <a:r>
-              <a:rPr lang="en-US" b="1" dirty="0" smtClean="0"/>
+              <a:rPr lang="en-US" b="1" dirty="0"/>
               <a:t>De </a:t>
             </a:r>
             <a:r>
-              <a:rPr lang="en-US" b="1" dirty="0" err="1" smtClean="0"/>
+              <a:rPr lang="en-US" b="1" dirty="0" err="1"/>
               <a:t>ce</a:t>
             </a:r>
             <a:r>
-              <a:rPr lang="en-US" b="1" dirty="0" smtClean="0"/>
+              <a:rPr lang="en-US" b="1" dirty="0"/>
               <a:t> </a:t>
             </a:r>
             <a:r>
-              <a:rPr lang="en-US" b="1" dirty="0" err="1" smtClean="0"/>
+              <a:rPr lang="en-US" b="1" dirty="0" err="1"/>
               <a:t>folosim</a:t>
             </a:r>
             <a:r>
-              <a:rPr lang="en-US" b="1" dirty="0" smtClean="0"/>
+              <a:rPr lang="en-US" b="1" dirty="0"/>
               <a:t> (la </a:t>
             </a:r>
             <a:r>
-              <a:rPr lang="en-US" b="1" dirty="0" err="1" smtClean="0"/>
+              <a:rPr lang="en-US" b="1" dirty="0" err="1"/>
               <a:t>acest</a:t>
             </a:r>
             <a:r>
-              <a:rPr lang="en-US" b="1" dirty="0" smtClean="0"/>
+              <a:rPr lang="en-US" b="1" dirty="0"/>
               <a:t> curs) </a:t>
             </a:r>
             <a:r>
-              <a:rPr lang="en-US" b="1" dirty="0" err="1" smtClean="0"/>
+              <a:rPr lang="en-US" b="1" dirty="0" err="1"/>
               <a:t>exclusiv</a:t>
             </a:r>
             <a:r>
-              <a:rPr lang="en-US" b="1" dirty="0" smtClean="0"/>
+              <a:rPr lang="en-US" b="1" dirty="0"/>
               <a:t> </a:t>
             </a:r>
             <a:r>
-              <a:rPr lang="en-US" b="1" dirty="0" err="1" smtClean="0"/>
+              <a:rPr lang="en-US" b="1" dirty="0" err="1"/>
               <a:t>normalizarea</a:t>
             </a:r>
             <a:r>
-              <a:rPr lang="en-US" b="1" dirty="0" smtClean="0"/>
+              <a:rPr lang="en-US" b="1" dirty="0"/>
               <a:t> ?</a:t>
             </a:r>
           </a:p>
@@ -16519,203 +16101,203 @@
               <a:defRPr/>
             </a:pPr>
             <a:r>
-              <a:rPr lang="en-US" sz="3400" dirty="0" smtClean="0"/>
+              <a:rPr lang="en-US" sz="3400" dirty="0"/>
               <a:t>Se </a:t>
             </a:r>
             <a:r>
-              <a:rPr lang="en-US" sz="3400" dirty="0" err="1" smtClean="0"/>
+              <a:rPr lang="en-US" sz="3400" dirty="0" err="1"/>
               <a:t>bazeaz</a:t>
             </a:r>
             <a:r>
-              <a:rPr lang="ro-RO" sz="3400" dirty="0" smtClean="0"/>
+              <a:rPr lang="ro-RO" sz="3400" dirty="0"/>
               <a:t>ă exclusiv pe noţiuni ale (sau vecine cu</a:t>
             </a:r>
             <a:r>
-              <a:rPr lang="en-US" sz="3400" dirty="0" smtClean="0"/>
+              <a:rPr lang="en-US" sz="3400" dirty="0"/>
               <a:t>) </a:t>
             </a:r>
             <a:r>
-              <a:rPr lang="en-US" sz="3400" dirty="0" err="1" smtClean="0"/>
+              <a:rPr lang="en-US" sz="3400" dirty="0" err="1"/>
               <a:t>modelul</a:t>
             </a:r>
             <a:r>
-              <a:rPr lang="ro-RO" sz="3400" dirty="0" smtClean="0"/>
+              <a:rPr lang="ro-RO" sz="3400" dirty="0"/>
               <a:t>ui</a:t>
             </a:r>
             <a:r>
-              <a:rPr lang="en-US" sz="3400" dirty="0" smtClean="0"/>
+              <a:rPr lang="en-US" sz="3400" dirty="0"/>
               <a:t> </a:t>
             </a:r>
             <a:r>
-              <a:rPr lang="en-US" sz="3400" dirty="0" err="1" smtClean="0"/>
+              <a:rPr lang="en-US" sz="3400" dirty="0" err="1"/>
               <a:t>rela</a:t>
             </a:r>
             <a:r>
-              <a:rPr lang="ro-RO" sz="3400" dirty="0" smtClean="0"/>
+              <a:rPr lang="ro-RO" sz="3400" dirty="0"/>
               <a:t>ţional</a:t>
             </a:r>
             <a:r>
-              <a:rPr lang="en-US" sz="3400" dirty="0" smtClean="0"/>
+              <a:rPr lang="en-US" sz="3400" dirty="0"/>
               <a:t> </a:t>
             </a:r>
             <a:r>
-              <a:rPr lang="en-US" sz="2800" dirty="0" smtClean="0"/>
+              <a:rPr lang="en-US" sz="2800" dirty="0"/>
               <a:t>(</a:t>
             </a:r>
             <a:r>
-              <a:rPr lang="en-US" sz="2800" dirty="0" err="1" smtClean="0"/>
+              <a:rPr lang="en-US" sz="2800" dirty="0" err="1"/>
               <a:t>prin</a:t>
             </a:r>
             <a:r>
-              <a:rPr lang="en-US" sz="2800" dirty="0" smtClean="0"/>
+              <a:rPr lang="en-US" sz="2800" dirty="0"/>
               <a:t> </a:t>
             </a:r>
             <a:r>
-              <a:rPr lang="en-US" sz="2800" dirty="0" err="1" smtClean="0"/>
+              <a:rPr lang="en-US" sz="2800" dirty="0" err="1"/>
               <a:t>compara</a:t>
             </a:r>
             <a:r>
-              <a:rPr lang="ro-RO" sz="2800" dirty="0" smtClean="0"/>
+              <a:rPr lang="ro-RO" sz="2800" dirty="0"/>
               <a:t>ţie, celelalte metodologii folosesc concepte precum</a:t>
             </a:r>
             <a:r>
-              <a:rPr lang="en-US" sz="2800" dirty="0" smtClean="0"/>
+              <a:rPr lang="en-US" sz="2800" dirty="0"/>
               <a:t>: </a:t>
             </a:r>
             <a:r>
-              <a:rPr lang="en-US" sz="2800" i="1" dirty="0" err="1" smtClean="0"/>
+              <a:rPr lang="en-US" sz="2800" i="1" dirty="0" err="1"/>
               <a:t>clase</a:t>
             </a:r>
             <a:r>
-              <a:rPr lang="en-US" sz="2800" i="1" dirty="0" smtClean="0"/>
+              <a:rPr lang="en-US" sz="2800" i="1" dirty="0"/>
               <a:t> de </a:t>
             </a:r>
             <a:r>
-              <a:rPr lang="en-US" sz="2800" i="1" dirty="0" err="1" smtClean="0"/>
+              <a:rPr lang="en-US" sz="2800" i="1" dirty="0" err="1"/>
               <a:t>entit</a:t>
             </a:r>
             <a:r>
-              <a:rPr lang="ro-RO" sz="2800" i="1" dirty="0" smtClean="0"/>
+              <a:rPr lang="ro-RO" sz="2800" i="1" dirty="0"/>
               <a:t>ăţi </a:t>
             </a:r>
             <a:r>
-              <a:rPr lang="ro-RO" sz="2800" dirty="0" smtClean="0"/>
+              <a:rPr lang="ro-RO" sz="2800" dirty="0"/>
               <a:t>(</a:t>
             </a:r>
             <a:r>
-              <a:rPr lang="en-US" sz="2800" dirty="0" err="1" smtClean="0"/>
+              <a:rPr lang="en-US" sz="2800" dirty="0" err="1"/>
               <a:t>puternice</a:t>
             </a:r>
             <a:r>
-              <a:rPr lang="en-US" sz="2800" dirty="0" smtClean="0"/>
+              <a:rPr lang="en-US" sz="2800" dirty="0"/>
               <a:t>/</a:t>
             </a:r>
             <a:r>
-              <a:rPr lang="en-US" sz="2800" dirty="0" err="1" smtClean="0"/>
+              <a:rPr lang="en-US" sz="2800" dirty="0" err="1"/>
               <a:t>independente</a:t>
             </a:r>
             <a:r>
-              <a:rPr lang="ro-RO" sz="2800" dirty="0" smtClean="0"/>
+              <a:rPr lang="ro-RO" sz="2800" dirty="0"/>
               <a:t> sau slabe</a:t>
             </a:r>
             <a:r>
-              <a:rPr lang="en-US" sz="2800" dirty="0" smtClean="0"/>
+              <a:rPr lang="en-US" sz="2800" dirty="0"/>
               <a:t>/</a:t>
             </a:r>
             <a:r>
-              <a:rPr lang="en-US" sz="2800" dirty="0" err="1" smtClean="0"/>
+              <a:rPr lang="en-US" sz="2800" dirty="0" err="1"/>
               <a:t>dependente</a:t>
             </a:r>
             <a:r>
-              <a:rPr lang="ro-RO" sz="2800" dirty="0" smtClean="0"/>
+              <a:rPr lang="ro-RO" sz="2800" dirty="0"/>
               <a:t>), </a:t>
             </a:r>
             <a:r>
-              <a:rPr lang="ro-RO" sz="2800" i="1" dirty="0" smtClean="0"/>
+              <a:rPr lang="ro-RO" sz="2800" i="1" dirty="0"/>
               <a:t>clase de asociaţii </a:t>
             </a:r>
             <a:r>
-              <a:rPr lang="ro-RO" sz="2800" dirty="0" smtClean="0"/>
+              <a:rPr lang="ro-RO" sz="2800" dirty="0"/>
               <a:t>(relaţii), </a:t>
             </a:r>
             <a:r>
-              <a:rPr lang="ro-RO" sz="2800" i="1" dirty="0" smtClean="0"/>
+              <a:rPr lang="ro-RO" sz="2800" i="1" dirty="0"/>
               <a:t>cardinalitate</a:t>
             </a:r>
             <a:r>
-              <a:rPr lang="ro-RO" sz="2800" dirty="0" smtClean="0"/>
+              <a:rPr lang="ro-RO" sz="2800" dirty="0"/>
               <a:t>, </a:t>
             </a:r>
             <a:r>
-              <a:rPr lang="ro-RO" sz="2800" i="1" dirty="0" smtClean="0"/>
+              <a:rPr lang="ro-RO" sz="2800" i="1" dirty="0"/>
               <a:t>obligativitate</a:t>
             </a:r>
             <a:r>
-              <a:rPr lang="ro-RO" sz="2800" dirty="0" smtClean="0"/>
+              <a:rPr lang="ro-RO" sz="2800" dirty="0"/>
               <a:t>, </a:t>
             </a:r>
             <a:r>
-              <a:rPr lang="ro-RO" sz="2800" i="1" dirty="0" smtClean="0"/>
+              <a:rPr lang="ro-RO" sz="2800" i="1" dirty="0"/>
               <a:t>agregare</a:t>
             </a:r>
             <a:r>
-              <a:rPr lang="ro-RO" sz="2800" dirty="0" smtClean="0"/>
+              <a:rPr lang="ro-RO" sz="2800" dirty="0"/>
               <a:t>, </a:t>
             </a:r>
             <a:r>
-              <a:rPr lang="ro-RO" sz="2800" i="1" dirty="0" smtClean="0"/>
+              <a:rPr lang="ro-RO" sz="2800" i="1" dirty="0"/>
               <a:t>specializare</a:t>
             </a:r>
             <a:r>
-              <a:rPr lang="ro-RO" sz="2800" dirty="0" smtClean="0"/>
+              <a:rPr lang="ro-RO" sz="2800" dirty="0"/>
               <a:t> (completă, sau disjunctă), </a:t>
             </a:r>
             <a:r>
-              <a:rPr lang="ro-RO" sz="2800" i="1" dirty="0" smtClean="0"/>
+              <a:rPr lang="ro-RO" sz="2800" i="1" dirty="0"/>
               <a:t>moştenire</a:t>
             </a:r>
             <a:r>
-              <a:rPr lang="ro-RO" sz="2800" dirty="0" smtClean="0"/>
+              <a:rPr lang="ro-RO" sz="2800" dirty="0"/>
               <a:t>, </a:t>
             </a:r>
             <a:r>
-              <a:rPr lang="ro-RO" sz="2800" i="1" dirty="0" smtClean="0"/>
+              <a:rPr lang="ro-RO" sz="2800" i="1" dirty="0"/>
               <a:t>auto</a:t>
             </a:r>
             <a:r>
-              <a:rPr lang="en-US" sz="2800" i="1" dirty="0" smtClean="0"/>
+              <a:rPr lang="en-US" sz="2800" i="1" dirty="0"/>
               <a:t>-</a:t>
             </a:r>
             <a:r>
-              <a:rPr lang="en-US" sz="2800" i="1" dirty="0" err="1" smtClean="0"/>
+              <a:rPr lang="en-US" sz="2800" i="1" dirty="0" err="1"/>
               <a:t>referin</a:t>
             </a:r>
             <a:r>
-              <a:rPr lang="ro-RO" sz="2800" i="1" dirty="0" smtClean="0"/>
+              <a:rPr lang="ro-RO" sz="2800" i="1" dirty="0"/>
               <a:t>ţă</a:t>
             </a:r>
             <a:r>
-              <a:rPr lang="ro-RO" sz="2800" dirty="0" smtClean="0"/>
+              <a:rPr lang="ro-RO" sz="2800" dirty="0"/>
               <a:t>, </a:t>
             </a:r>
             <a:r>
-              <a:rPr lang="ro-RO" sz="2800" i="1" dirty="0" smtClean="0"/>
+              <a:rPr lang="ro-RO" sz="2800" i="1" dirty="0"/>
               <a:t>rol</a:t>
             </a:r>
             <a:r>
-              <a:rPr lang="ro-RO" sz="2800" dirty="0" smtClean="0"/>
+              <a:rPr lang="ro-RO" sz="2800" dirty="0"/>
               <a:t> etc</a:t>
             </a:r>
             <a:r>
-              <a:rPr lang="en-US" sz="2800" dirty="0" smtClean="0"/>
+              <a:rPr lang="en-US" sz="2800" dirty="0"/>
               <a:t>.</a:t>
             </a:r>
             <a:r>
-              <a:rPr lang="ro-RO" sz="2800" dirty="0" smtClean="0"/>
+              <a:rPr lang="ro-RO" sz="2800" dirty="0"/>
               <a:t>)</a:t>
             </a:r>
             <a:r>
-              <a:rPr lang="ro-RO" sz="2400" dirty="0" smtClean="0"/>
+              <a:rPr lang="ro-RO" sz="2400" dirty="0"/>
               <a:t> </a:t>
             </a:r>
           </a:p>
@@ -16730,27 +16312,27 @@
               <a:defRPr/>
             </a:pPr>
             <a:r>
-              <a:rPr lang="ro-RO" sz="3400" dirty="0" smtClean="0"/>
+              <a:rPr lang="ro-RO" sz="3400" dirty="0"/>
               <a:t>Este relativ simplă (afirmaţie </a:t>
             </a:r>
             <a:r>
-              <a:rPr lang="en-US" sz="3400" dirty="0" err="1" smtClean="0"/>
+              <a:rPr lang="en-US" sz="3400" dirty="0" err="1"/>
               <a:t>dificil</a:t>
             </a:r>
             <a:r>
-              <a:rPr lang="en-US" sz="3400" dirty="0" smtClean="0"/>
+              <a:rPr lang="en-US" sz="3400" dirty="0"/>
               <a:t> de</a:t>
             </a:r>
             <a:r>
-              <a:rPr lang="ro-RO" sz="3400" dirty="0" smtClean="0"/>
+              <a:rPr lang="ro-RO" sz="3400" dirty="0"/>
               <a:t> demonstra</a:t>
             </a:r>
             <a:r>
-              <a:rPr lang="en-US" sz="3400" dirty="0" smtClean="0"/>
+              <a:rPr lang="en-US" sz="3400" dirty="0"/>
               <a:t>t</a:t>
             </a:r>
             <a:r>
-              <a:rPr lang="ro-RO" sz="3400" dirty="0" smtClean="0"/>
+              <a:rPr lang="ro-RO" sz="3400" dirty="0"/>
               <a:t>)</a:t>
             </a:r>
           </a:p>
@@ -16765,14 +16347,14 @@
               <a:defRPr/>
             </a:pPr>
             <a:r>
-              <a:rPr lang="ro-RO" sz="3400" dirty="0" smtClean="0"/>
+              <a:rPr lang="ro-RO" sz="3400" dirty="0"/>
               <a:t>Este riguroasă</a:t>
             </a:r>
             <a:r>
-              <a:rPr lang="en-US" sz="3400" dirty="0" smtClean="0"/>
+              <a:rPr lang="en-US" sz="3400" dirty="0"/>
               <a:t> </a:t>
             </a:r>
-            <a:endParaRPr lang="ro-RO" sz="3400" dirty="0" smtClean="0"/>
+            <a:endParaRPr lang="ro-RO" sz="3400" dirty="0"/>
           </a:p>
           <a:p>
             <a:pPr eaLnBrk="1" fontAlgn="auto" hangingPunct="1">
@@ -16785,7 +16367,7 @@
               <a:defRPr/>
             </a:pPr>
             <a:r>
-              <a:rPr lang="ro-RO" sz="3400" dirty="0" smtClean="0"/>
+              <a:rPr lang="ro-RO" sz="3400" dirty="0"/>
               <a:t>Minimizează spaţiul ocupat pe disc</a:t>
             </a:r>
           </a:p>
@@ -16800,58 +16382,58 @@
               <a:defRPr/>
             </a:pPr>
             <a:r>
-              <a:rPr lang="ro-RO" sz="3400" dirty="0" smtClean="0"/>
+              <a:rPr lang="ro-RO" sz="3400" dirty="0"/>
               <a:t>Elimină o serie de anomalii manifestate la </a:t>
             </a:r>
             <a:r>
-              <a:rPr lang="ro-RO" sz="3400" i="1" dirty="0" smtClean="0"/>
+              <a:rPr lang="ro-RO" sz="3400" i="1" dirty="0"/>
               <a:t>i</a:t>
             </a:r>
             <a:r>
-              <a:rPr lang="en-US" sz="3400" i="1" dirty="0" err="1" smtClean="0"/>
+              <a:rPr lang="en-US" sz="3400" i="1" dirty="0" err="1"/>
               <a:t>nserare</a:t>
             </a:r>
             <a:r>
-              <a:rPr lang="ro-RO" sz="3400" i="1" dirty="0" smtClean="0"/>
+              <a:rPr lang="ro-RO" sz="3400" i="1" dirty="0"/>
               <a:t>a</a:t>
             </a:r>
             <a:r>
-              <a:rPr lang="ro-RO" sz="3400" dirty="0" smtClean="0"/>
+              <a:rPr lang="ro-RO" sz="3400" dirty="0"/>
               <a:t>, </a:t>
             </a:r>
             <a:r>
-              <a:rPr lang="ro-RO" sz="3400" i="1" dirty="0" smtClean="0"/>
+              <a:rPr lang="ro-RO" sz="3400" i="1" dirty="0"/>
               <a:t>m</a:t>
             </a:r>
             <a:r>
-              <a:rPr lang="en-US" sz="3400" i="1" dirty="0" err="1" smtClean="0"/>
+              <a:rPr lang="en-US" sz="3400" i="1" dirty="0" err="1"/>
               <a:t>odificare</a:t>
             </a:r>
             <a:r>
-              <a:rPr lang="ro-RO" sz="3400" i="1" dirty="0" smtClean="0"/>
+              <a:rPr lang="ro-RO" sz="3400" i="1" dirty="0"/>
               <a:t>a</a:t>
             </a:r>
             <a:r>
-              <a:rPr lang="ro-RO" sz="3400" dirty="0" smtClean="0"/>
+              <a:rPr lang="ro-RO" sz="3400" dirty="0"/>
               <a:t>, </a:t>
             </a:r>
             <a:r>
-              <a:rPr lang="ro-RO" sz="3400" i="1" dirty="0" smtClean="0"/>
+              <a:rPr lang="ro-RO" sz="3400" i="1" dirty="0"/>
               <a:t>ştergerea </a:t>
             </a:r>
             <a:r>
-              <a:rPr lang="ro-RO" sz="3400" dirty="0" smtClean="0"/>
+              <a:rPr lang="ro-RO" sz="3400" dirty="0"/>
               <a:t>în</a:t>
             </a:r>
             <a:r>
-              <a:rPr lang="en-US" sz="3400" dirty="0" smtClean="0"/>
+              <a:rPr lang="en-US" sz="3400" dirty="0"/>
               <a:t>/</a:t>
             </a:r>
             <a:r>
-              <a:rPr lang="ro-RO" sz="3400" dirty="0" smtClean="0"/>
+              <a:rPr lang="ro-RO" sz="3400" dirty="0"/>
               <a:t>de înregistrări în tabelele BD</a:t>
             </a:r>
-            <a:endParaRPr lang="en-US" sz="3400" dirty="0" smtClean="0"/>
+            <a:endParaRPr lang="en-US" sz="3400" dirty="0"/>
           </a:p>
           <a:p>
             <a:pPr eaLnBrk="1" fontAlgn="auto" hangingPunct="1">
@@ -16864,50 +16446,50 @@
               <a:defRPr/>
             </a:pPr>
             <a:r>
-              <a:rPr lang="ro-RO" sz="3400" dirty="0" smtClean="0"/>
+              <a:rPr lang="ro-RO" sz="3400" dirty="0"/>
               <a:t>Simplifică</a:t>
             </a:r>
             <a:r>
-              <a:rPr lang="en-US" sz="3400" dirty="0" smtClean="0"/>
+              <a:rPr lang="en-US" sz="3400" dirty="0"/>
               <a:t> </a:t>
             </a:r>
             <a:r>
-              <a:rPr lang="en-US" sz="3400" dirty="0" err="1" smtClean="0"/>
+              <a:rPr lang="en-US" sz="3400" dirty="0" err="1"/>
               <a:t>modelarea</a:t>
             </a:r>
             <a:r>
-              <a:rPr lang="en-US" sz="3400" dirty="0" smtClean="0"/>
+              <a:rPr lang="en-US" sz="3400" dirty="0"/>
               <a:t> </a:t>
             </a:r>
             <a:r>
-              <a:rPr lang="ro-RO" sz="3400" dirty="0" smtClean="0"/>
+              <a:rPr lang="ro-RO" sz="3400" dirty="0"/>
               <a:t>temporalităţii tran</a:t>
             </a:r>
             <a:r>
-              <a:rPr lang="en-US" sz="3400" dirty="0" err="1" smtClean="0"/>
+              <a:rPr lang="en-US" sz="3400" dirty="0" err="1"/>
               <a:t>zac</a:t>
             </a:r>
             <a:r>
-              <a:rPr lang="ro-RO" sz="3400" dirty="0" smtClean="0"/>
+              <a:rPr lang="ro-RO" sz="3400" dirty="0"/>
               <a:t>ţ</a:t>
             </a:r>
             <a:r>
-              <a:rPr lang="en-US" sz="3400" dirty="0" err="1" smtClean="0"/>
+              <a:rPr lang="en-US" sz="3400" dirty="0" err="1"/>
               <a:t>iilor</a:t>
             </a:r>
             <a:r>
-              <a:rPr lang="ro-RO" sz="3400" dirty="0" smtClean="0"/>
+              <a:rPr lang="ro-RO" sz="3400" dirty="0"/>
               <a:t>, proce</a:t>
             </a:r>
             <a:r>
-              <a:rPr lang="en-US" sz="3400" dirty="0" err="1" smtClean="0"/>
+              <a:rPr lang="en-US" sz="3400" dirty="0" err="1"/>
               <a:t>selor</a:t>
             </a:r>
             <a:r>
-              <a:rPr lang="en-US" sz="3400" dirty="0" smtClean="0"/>
+              <a:rPr lang="en-US" sz="3400" dirty="0"/>
               <a:t> etc.</a:t>
             </a:r>
-            <a:endParaRPr lang="ro-RO" sz="3400" dirty="0" smtClean="0"/>
+            <a:endParaRPr lang="ro-RO" sz="3400" dirty="0"/>
           </a:p>
         </p:txBody>
       </p:sp>
@@ -16919,13 +16501,6 @@
   <p:transition>
     <p:random/>
   </p:transition>
-  <p:timing>
-    <p:tnLst>
-      <p:par>
-        <p:cTn id="1" dur="indefinite" restart="never" nodeType="tmRoot"/>
-      </p:par>
-    </p:tnLst>
-  </p:timing>
 </p:sld>
 </file>
 
@@ -16970,26 +16545,25 @@
           <a:p>
             <a:pPr algn="ctr"/>
             <a:r>
-              <a:rPr lang="en-US" b="1" dirty="0" err="1" smtClean="0"/>
+              <a:rPr lang="en-US" b="1" dirty="0" err="1"/>
               <a:t>Dezavantajele</a:t>
             </a:r>
             <a:r>
-              <a:rPr lang="en-US" b="1" dirty="0" smtClean="0"/>
+              <a:rPr lang="en-US" b="1" dirty="0"/>
               <a:t> </a:t>
             </a:r>
             <a:r>
-              <a:rPr lang="en-US" b="1" dirty="0" err="1" smtClean="0"/>
+              <a:rPr lang="en-US" b="1" dirty="0" err="1"/>
               <a:t>normali</a:t>
             </a:r>
             <a:r>
-              <a:rPr lang="ro-RO" b="1" dirty="0" smtClean="0"/>
+              <a:rPr lang="ro-RO" b="1" dirty="0"/>
               <a:t>zării</a:t>
             </a:r>
             <a:r>
-              <a:rPr lang="en-US" b="1" dirty="0" smtClean="0"/>
+              <a:rPr lang="en-US" b="1" dirty="0"/>
               <a:t> - 1</a:t>
             </a:r>
-            <a:endParaRPr lang="en-US" b="1" dirty="0"/>
           </a:p>
         </p:txBody>
       </p:sp>
@@ -17021,54 +16595,54 @@
               </a:lnSpc>
             </a:pPr>
             <a:r>
-              <a:rPr lang="en-US" dirty="0" smtClean="0"/>
+              <a:rPr lang="en-US" dirty="0"/>
               <a:t>Nu </a:t>
             </a:r>
             <a:r>
-              <a:rPr lang="en-US" dirty="0" err="1" smtClean="0"/>
+              <a:rPr lang="en-US" dirty="0" err="1"/>
               <a:t>dispune</a:t>
             </a:r>
             <a:r>
-              <a:rPr lang="en-US" dirty="0" smtClean="0"/>
+              <a:rPr lang="en-US" dirty="0"/>
               <a:t> de un formalism </a:t>
             </a:r>
             <a:r>
-              <a:rPr lang="en-US" dirty="0" err="1" smtClean="0"/>
+              <a:rPr lang="en-US" dirty="0" err="1"/>
               <a:t>grafic</a:t>
             </a:r>
             <a:r>
-              <a:rPr lang="en-US" dirty="0" smtClean="0"/>
+              <a:rPr lang="en-US" dirty="0"/>
               <a:t> </a:t>
             </a:r>
             <a:r>
-              <a:rPr lang="en-US" dirty="0" err="1" smtClean="0"/>
+              <a:rPr lang="en-US" dirty="0" err="1"/>
               <a:t>echivalent</a:t>
             </a:r>
             <a:r>
-              <a:rPr lang="en-US" dirty="0" smtClean="0"/>
+              <a:rPr lang="en-US" dirty="0"/>
               <a:t> </a:t>
             </a:r>
             <a:r>
-              <a:rPr lang="en-US" dirty="0" err="1" smtClean="0"/>
+              <a:rPr lang="en-US" dirty="0" err="1"/>
               <a:t>diagramelor</a:t>
             </a:r>
             <a:r>
-              <a:rPr lang="en-US" dirty="0" smtClean="0"/>
+              <a:rPr lang="en-US" dirty="0"/>
               <a:t> E-R, </a:t>
             </a:r>
             <a:r>
-              <a:rPr lang="en-US" dirty="0" err="1" smtClean="0"/>
+              <a:rPr lang="en-US" dirty="0" err="1"/>
               <a:t>ORM</a:t>
             </a:r>
             <a:r>
-              <a:rPr lang="en-US" dirty="0" smtClean="0"/>
+              <a:rPr lang="en-US" dirty="0"/>
               <a:t>, </a:t>
             </a:r>
             <a:r>
-              <a:rPr lang="en-US" dirty="0" err="1" smtClean="0"/>
+              <a:rPr lang="en-US" dirty="0" err="1"/>
               <a:t>UML</a:t>
             </a:r>
-            <a:endParaRPr lang="ro-RO" dirty="0" smtClean="0"/>
+            <a:endParaRPr lang="ro-RO" dirty="0"/>
           </a:p>
           <a:p>
             <a:pPr>
@@ -17077,27 +16651,27 @@
               </a:lnSpc>
             </a:pPr>
             <a:r>
-              <a:rPr lang="ro-RO" dirty="0" smtClean="0"/>
+              <a:rPr lang="ro-RO" dirty="0"/>
               <a:t>Nu </a:t>
             </a:r>
             <a:r>
-              <a:rPr lang="en-US" dirty="0" smtClean="0"/>
+              <a:rPr lang="en-US" dirty="0"/>
               <a:t>exist</a:t>
             </a:r>
             <a:r>
-              <a:rPr lang="ro-RO" dirty="0" smtClean="0"/>
+              <a:rPr lang="ro-RO" dirty="0"/>
               <a:t>ă de instrumente software de modelare bazate pe normalizare</a:t>
             </a:r>
             <a:r>
-              <a:rPr lang="en-US" dirty="0" smtClean="0"/>
+              <a:rPr lang="en-US" dirty="0"/>
               <a:t> (care s</a:t>
             </a:r>
             <a:r>
-              <a:rPr lang="ro-RO" dirty="0" smtClean="0"/>
+              <a:rPr lang="ro-RO" dirty="0"/>
               <a:t>ă genereze comenzile DDL</a:t>
             </a:r>
             <a:r>
-              <a:rPr lang="en-US" dirty="0" smtClean="0"/>
+              <a:rPr lang="en-US" dirty="0"/>
               <a:t>)</a:t>
             </a:r>
           </a:p>
@@ -17108,15 +16682,15 @@
               </a:lnSpc>
             </a:pPr>
             <a:r>
-              <a:rPr lang="en-US" dirty="0" smtClean="0"/>
+              <a:rPr lang="en-US" dirty="0"/>
               <a:t>Este </a:t>
             </a:r>
             <a:r>
-              <a:rPr lang="en-US" dirty="0" err="1" smtClean="0"/>
+              <a:rPr lang="en-US" dirty="0" err="1"/>
               <a:t>intimidant</a:t>
             </a:r>
             <a:r>
-              <a:rPr lang="ro-RO" dirty="0" smtClean="0"/>
+              <a:rPr lang="ro-RO" dirty="0"/>
               <a:t>ă, datorită multor lucrări teoretice (matematizate)</a:t>
             </a:r>
           </a:p>
@@ -17127,15 +16701,15 @@
               </a:lnSpc>
             </a:pPr>
             <a:r>
-              <a:rPr lang="ro-RO" dirty="0" smtClean="0"/>
+              <a:rPr lang="ro-RO" dirty="0"/>
               <a:t>Nu permite declararea</a:t>
             </a:r>
             <a:r>
-              <a:rPr lang="en-US" dirty="0" smtClean="0"/>
+              <a:rPr lang="en-US" dirty="0"/>
               <a:t> de</a:t>
             </a:r>
             <a:r>
-              <a:rPr lang="ro-RO" dirty="0" smtClean="0"/>
+              <a:rPr lang="ro-RO" dirty="0"/>
               <a:t> restricţii şi  cardinalităţi</a:t>
             </a:r>
           </a:p>
@@ -17146,19 +16720,19 @@
               </a:lnSpc>
             </a:pPr>
             <a:r>
-              <a:rPr lang="ro-RO" dirty="0" smtClean="0"/>
+              <a:rPr lang="ro-RO" dirty="0"/>
               <a:t>Nu permite reprezentarea utilizatorilor</a:t>
             </a:r>
             <a:r>
-              <a:rPr lang="en-US" dirty="0" smtClean="0"/>
+              <a:rPr lang="en-US" dirty="0"/>
               <a:t>/</a:t>
             </a:r>
             <a:r>
-              <a:rPr lang="en-US" dirty="0" err="1" smtClean="0"/>
+              <a:rPr lang="en-US" dirty="0" err="1"/>
               <a:t>grupurilor</a:t>
             </a:r>
             <a:r>
-              <a:rPr lang="ro-RO" dirty="0" smtClean="0"/>
+              <a:rPr lang="ro-RO" dirty="0"/>
               <a:t> şi (implicit) nici a rolurilor acestora</a:t>
             </a:r>
           </a:p>
@@ -17169,43 +16743,43 @@
               </a:lnSpc>
             </a:pPr>
             <a:r>
-              <a:rPr lang="ro-RO" dirty="0" smtClean="0"/>
+              <a:rPr lang="ro-RO" dirty="0"/>
               <a:t>Nu se </a:t>
             </a:r>
             <a:r>
-              <a:rPr lang="en-US" dirty="0" smtClean="0"/>
+              <a:rPr lang="en-US" dirty="0"/>
               <a:t>“</a:t>
             </a:r>
             <a:r>
-              <a:rPr lang="ro-RO" dirty="0" smtClean="0"/>
+              <a:rPr lang="ro-RO" dirty="0"/>
               <a:t>cuplează</a:t>
             </a:r>
             <a:r>
-              <a:rPr lang="en-US" dirty="0" smtClean="0"/>
+              <a:rPr lang="en-US" dirty="0"/>
               <a:t>”</a:t>
             </a:r>
             <a:r>
-              <a:rPr lang="ro-RO" dirty="0" smtClean="0"/>
+              <a:rPr lang="ro-RO" dirty="0"/>
               <a:t> natural cu analiza/proiectarea ce sunt </a:t>
             </a:r>
             <a:r>
-              <a:rPr lang="en-US" dirty="0" smtClean="0"/>
+              <a:rPr lang="en-US" dirty="0"/>
               <a:t>impregnate </a:t>
             </a:r>
             <a:r>
-              <a:rPr lang="ro-RO" dirty="0" smtClean="0"/>
+              <a:rPr lang="ro-RO" dirty="0"/>
               <a:t>astăzi </a:t>
             </a:r>
             <a:r>
-              <a:rPr lang="en-US" dirty="0" smtClean="0"/>
+              <a:rPr lang="en-US" dirty="0"/>
               <a:t>d</a:t>
             </a:r>
             <a:r>
-              <a:rPr lang="ro-RO" dirty="0" smtClean="0"/>
+              <a:rPr lang="ro-RO" dirty="0"/>
               <a:t>e </a:t>
             </a:r>
             <a:r>
-              <a:rPr lang="ro-RO" i="1" dirty="0" smtClean="0"/>
+              <a:rPr lang="ro-RO" i="1" dirty="0"/>
               <a:t>orientarea pe obiecte</a:t>
             </a:r>
           </a:p>
@@ -17263,27 +16837,27 @@
           <a:p>
             <a:pPr algn="ctr"/>
             <a:r>
-              <a:rPr lang="en-US" b="1" dirty="0" err="1" smtClean="0"/>
+              <a:rPr lang="en-US" b="1" dirty="0" err="1"/>
               <a:t>Dezavantajele</a:t>
             </a:r>
             <a:r>
-              <a:rPr lang="en-US" b="1" dirty="0" smtClean="0"/>
+              <a:rPr lang="en-US" b="1" dirty="0"/>
               <a:t> </a:t>
             </a:r>
             <a:r>
-              <a:rPr lang="en-US" b="1" dirty="0" err="1" smtClean="0"/>
+              <a:rPr lang="en-US" b="1" dirty="0" err="1"/>
               <a:t>normali</a:t>
             </a:r>
             <a:r>
-              <a:rPr lang="ro-RO" b="1" dirty="0" smtClean="0"/>
+              <a:rPr lang="ro-RO" b="1" dirty="0"/>
               <a:t>zării</a:t>
             </a:r>
             <a:r>
-              <a:rPr lang="en-US" b="1" dirty="0" smtClean="0"/>
+              <a:rPr lang="en-US" b="1" dirty="0"/>
               <a:t> - </a:t>
             </a:r>
             <a:r>
-              <a:rPr lang="ro-RO" b="1" dirty="0" smtClean="0"/>
+              <a:rPr lang="ro-RO" b="1" dirty="0"/>
               <a:t>2</a:t>
             </a:r>
             <a:endParaRPr lang="en-US" dirty="0"/>
@@ -17313,65 +16887,65 @@
           <a:lstStyle/>
           <a:p>
             <a:r>
-              <a:rPr lang="ro-RO" dirty="0" smtClean="0"/>
+              <a:rPr lang="ro-RO" dirty="0"/>
               <a:t>Nu permite declararea </a:t>
             </a:r>
             <a:r>
-              <a:rPr lang="en-US" dirty="0" smtClean="0"/>
+              <a:rPr lang="en-US" dirty="0"/>
               <a:t>“</a:t>
             </a:r>
             <a:r>
-              <a:rPr lang="ro-RO" dirty="0" smtClean="0"/>
+              <a:rPr lang="ro-RO" dirty="0"/>
               <a:t>comportamentului</a:t>
             </a:r>
             <a:r>
-              <a:rPr lang="en-US" dirty="0" smtClean="0"/>
+              <a:rPr lang="en-US" dirty="0"/>
               <a:t>”</a:t>
             </a:r>
             <a:r>
-              <a:rPr lang="ro-RO" dirty="0" smtClean="0"/>
+              <a:rPr lang="ro-RO" dirty="0"/>
               <a:t> (operaţiuni, procese) </a:t>
             </a:r>
             <a:r>
-              <a:rPr lang="en-US" dirty="0" err="1" smtClean="0"/>
+              <a:rPr lang="en-US" dirty="0" err="1"/>
               <a:t>entit</a:t>
             </a:r>
             <a:r>
-              <a:rPr lang="ro-RO" dirty="0" smtClean="0"/>
+              <a:rPr lang="ro-RO" dirty="0"/>
               <a:t>ăţilor în baza de date</a:t>
             </a:r>
           </a:p>
           <a:p>
             <a:r>
-              <a:rPr lang="ro-RO" dirty="0" smtClean="0"/>
+              <a:rPr lang="ro-RO" dirty="0"/>
               <a:t>Intuitiv,  asociem </a:t>
             </a:r>
             <a:r>
-              <a:rPr lang="ro-RO" i="1" dirty="0" smtClean="0"/>
+              <a:rPr lang="ro-RO" i="1" dirty="0"/>
               <a:t>entităţi</a:t>
             </a:r>
             <a:r>
-              <a:rPr lang="ro-RO" dirty="0" smtClean="0"/>
+              <a:rPr lang="ro-RO" dirty="0"/>
               <a:t> şi nu </a:t>
             </a:r>
             <a:r>
-              <a:rPr lang="ro-RO" i="1" dirty="0" smtClean="0"/>
+              <a:rPr lang="ro-RO" i="1" dirty="0"/>
               <a:t>atribute</a:t>
             </a:r>
             <a:r>
-              <a:rPr lang="en-US" dirty="0" smtClean="0"/>
+              <a:rPr lang="en-US" dirty="0"/>
               <a:t>: de ex., </a:t>
             </a:r>
             <a:r>
-              <a:rPr lang="ro-RO" dirty="0" smtClean="0"/>
+              <a:rPr lang="ro-RO" dirty="0"/>
               <a:t>este mai natural să </a:t>
             </a:r>
             <a:r>
-              <a:rPr lang="en-US" dirty="0" err="1" smtClean="0"/>
+              <a:rPr lang="en-US" dirty="0" err="1"/>
               <a:t>spunem</a:t>
             </a:r>
             <a:r>
-              <a:rPr lang="en-US" dirty="0" smtClean="0"/>
+              <a:rPr lang="en-US" dirty="0"/>
               <a:t>:</a:t>
             </a:r>
           </a:p>
@@ -17380,70 +16954,70 @@
               <a:buNone/>
             </a:pPr>
             <a:r>
-              <a:rPr lang="en-US" i="1" dirty="0" smtClean="0"/>
+              <a:rPr lang="en-US" i="1" dirty="0"/>
               <a:t>u</a:t>
             </a:r>
             <a:r>
-              <a:rPr lang="ro-RO" i="1" dirty="0" smtClean="0"/>
+              <a:rPr lang="ro-RO" i="1" dirty="0"/>
               <a:t>n student X </a:t>
             </a:r>
             <a:r>
-              <a:rPr lang="en-US" i="1" dirty="0" err="1" smtClean="0"/>
+              <a:rPr lang="en-US" i="1" dirty="0" err="1"/>
               <a:t>este</a:t>
             </a:r>
             <a:r>
-              <a:rPr lang="en-US" i="1" dirty="0" smtClean="0"/>
+              <a:rPr lang="en-US" i="1" dirty="0"/>
               <a:t> </a:t>
             </a:r>
             <a:r>
-              <a:rPr lang="ro-RO" i="1" dirty="0" smtClean="0"/>
+              <a:rPr lang="ro-RO" i="1" dirty="0"/>
               <a:t>înscris pentru un an universitar</a:t>
             </a:r>
             <a:r>
-              <a:rPr lang="en-US" i="1" dirty="0" smtClean="0"/>
+              <a:rPr lang="en-US" i="1" dirty="0"/>
               <a:t> </a:t>
             </a:r>
             <a:r>
-              <a:rPr lang="ro-RO" b="1" i="1" dirty="0" smtClean="0"/>
+              <a:rPr lang="ro-RO" b="1" i="1" dirty="0"/>
               <a:t>AnUnivY</a:t>
             </a:r>
             <a:r>
-              <a:rPr lang="en-US" i="1" dirty="0" smtClean="0"/>
+              <a:rPr lang="en-US" i="1" dirty="0"/>
               <a:t> </a:t>
             </a:r>
             <a:r>
-              <a:rPr lang="ro-RO" i="1" dirty="0" smtClean="0"/>
+              <a:rPr lang="ro-RO" i="1" dirty="0"/>
               <a:t>în anul de studii </a:t>
             </a:r>
             <a:r>
-              <a:rPr lang="ro-RO" b="1" i="1" dirty="0" smtClean="0"/>
+              <a:rPr lang="ro-RO" b="1" i="1" dirty="0"/>
               <a:t>AnStudii</a:t>
             </a:r>
             <a:r>
-              <a:rPr lang="ro-RO" i="1" dirty="0" smtClean="0"/>
+              <a:rPr lang="ro-RO" i="1" dirty="0"/>
               <a:t> al specializării </a:t>
             </a:r>
             <a:r>
-              <a:rPr lang="ro-RO" b="1" i="1" dirty="0" smtClean="0"/>
+              <a:rPr lang="ro-RO" b="1" i="1" dirty="0"/>
               <a:t>Spec</a:t>
             </a:r>
             <a:r>
-              <a:rPr lang="ro-RO" i="1" dirty="0" smtClean="0"/>
+              <a:rPr lang="ro-RO" i="1" dirty="0"/>
               <a:t>, forma de învăţământ  </a:t>
             </a:r>
             <a:r>
-              <a:rPr lang="ro-RO" b="1" i="1" dirty="0" smtClean="0"/>
+              <a:rPr lang="ro-RO" b="1" i="1" dirty="0"/>
               <a:t>FStudii</a:t>
             </a:r>
             <a:r>
-              <a:rPr lang="ro-RO" i="1" dirty="0" smtClean="0"/>
+              <a:rPr lang="ro-RO" i="1" dirty="0"/>
               <a:t> </a:t>
             </a:r>
             <a:r>
-              <a:rPr lang="ro-RO" dirty="0" smtClean="0"/>
+              <a:rPr lang="ro-RO" dirty="0"/>
               <a:t> </a:t>
             </a:r>
-            <a:endParaRPr lang="en-US" dirty="0" smtClean="0"/>
+            <a:endParaRPr lang="en-US" dirty="0"/>
           </a:p>
           <a:p>
             <a:pPr lvl="1">
@@ -17464,86 +17038,86 @@
               <a:buNone/>
             </a:pPr>
             <a:r>
-              <a:rPr lang="en-US" i="1" dirty="0" smtClean="0"/>
+              <a:rPr lang="en-US" i="1" dirty="0"/>
               <a:t>m</a:t>
             </a:r>
             <a:r>
-              <a:rPr lang="ro-RO" i="1" dirty="0" smtClean="0"/>
+              <a:rPr lang="ro-RO" i="1" dirty="0"/>
               <a:t>atricolul </a:t>
             </a:r>
             <a:r>
-              <a:rPr lang="ro-RO" b="1" i="1" dirty="0" smtClean="0"/>
+              <a:rPr lang="ro-RO" b="1" i="1" dirty="0"/>
               <a:t>Mx</a:t>
             </a:r>
             <a:r>
-              <a:rPr lang="ro-RO" i="1" dirty="0" smtClean="0"/>
+              <a:rPr lang="ro-RO" i="1" dirty="0"/>
               <a:t> care identifică un student X se află, împreună cu anul universitar </a:t>
             </a:r>
             <a:r>
-              <a:rPr lang="ro-RO" b="1" i="1" dirty="0" smtClean="0"/>
+              <a:rPr lang="ro-RO" b="1" i="1" dirty="0"/>
               <a:t>AnUnivY</a:t>
             </a:r>
             <a:r>
-              <a:rPr lang="ro-RO" i="1" dirty="0" smtClean="0"/>
+              <a:rPr lang="ro-RO" i="1" dirty="0"/>
               <a:t>  în dependenţă funcţională cu speciali</a:t>
             </a:r>
             <a:r>
-              <a:rPr lang="en-US" i="1" dirty="0" smtClean="0"/>
+              <a:rPr lang="en-US" i="1" dirty="0"/>
               <a:t>z</a:t>
             </a:r>
             <a:r>
-              <a:rPr lang="ro-RO" i="1" dirty="0" smtClean="0"/>
+              <a:rPr lang="ro-RO" i="1" dirty="0"/>
               <a:t>area </a:t>
             </a:r>
             <a:r>
-              <a:rPr lang="en-US" b="1" i="1" dirty="0" smtClean="0"/>
+              <a:rPr lang="en-US" b="1" i="1" dirty="0"/>
               <a:t>Spec</a:t>
             </a:r>
             <a:r>
-              <a:rPr lang="en-US" i="1" dirty="0" smtClean="0"/>
+              <a:rPr lang="en-US" i="1" dirty="0"/>
               <a:t>, </a:t>
             </a:r>
             <a:r>
-              <a:rPr lang="en-US" i="1" dirty="0" err="1" smtClean="0"/>
+              <a:rPr lang="en-US" i="1" dirty="0" err="1"/>
               <a:t>anul</a:t>
             </a:r>
             <a:r>
-              <a:rPr lang="en-US" i="1" dirty="0" smtClean="0"/>
+              <a:rPr lang="en-US" i="1" dirty="0"/>
               <a:t> de </a:t>
             </a:r>
             <a:r>
-              <a:rPr lang="en-US" i="1" dirty="0" err="1" smtClean="0"/>
+              <a:rPr lang="en-US" i="1" dirty="0" err="1"/>
               <a:t>studii</a:t>
             </a:r>
             <a:r>
-              <a:rPr lang="en-US" i="1" dirty="0" smtClean="0"/>
+              <a:rPr lang="en-US" i="1" dirty="0"/>
               <a:t> </a:t>
             </a:r>
             <a:r>
-              <a:rPr lang="en-US" b="1" i="1" dirty="0" err="1" smtClean="0"/>
+              <a:rPr lang="en-US" b="1" i="1" dirty="0" err="1"/>
               <a:t>AnStudii</a:t>
             </a:r>
             <a:r>
-              <a:rPr lang="en-US" i="1" dirty="0" smtClean="0"/>
+              <a:rPr lang="en-US" i="1" dirty="0"/>
               <a:t>, forma </a:t>
             </a:r>
             <a:r>
-              <a:rPr lang="en-US" b="1" i="1" dirty="0" err="1" smtClean="0"/>
+              <a:rPr lang="en-US" b="1" i="1" dirty="0" err="1"/>
               <a:t>FStudii</a:t>
             </a:r>
-            <a:endParaRPr lang="ro-RO" i="1" dirty="0" smtClean="0"/>
-          </a:p>
-          <a:p>
-            <a:r>
-              <a:rPr lang="en-US" dirty="0" err="1" smtClean="0"/>
+            <a:endParaRPr lang="ro-RO" i="1" dirty="0"/>
+          </a:p>
+          <a:p>
+            <a:r>
+              <a:rPr lang="en-US" dirty="0" err="1"/>
               <a:t>Normalizarea</a:t>
             </a:r>
             <a:r>
-              <a:rPr lang="en-US" dirty="0" smtClean="0"/>
+              <a:rPr lang="en-US" dirty="0"/>
               <a:t> e</a:t>
             </a:r>
             <a:r>
-              <a:rPr lang="ro-RO" dirty="0" smtClean="0"/>
+              <a:rPr lang="ro-RO" dirty="0"/>
               <a:t>ste “bătrână” (din 1970...)</a:t>
             </a:r>
           </a:p>
@@ -17602,11 +17176,11 @@
           <a:p>
             <a:pPr algn="ctr"/>
             <a:r>
-              <a:rPr lang="en-US" b="1" dirty="0" err="1" smtClean="0"/>
+              <a:rPr lang="en-US" b="1" dirty="0" err="1"/>
               <a:t>Cli</a:t>
             </a:r>
             <a:r>
-              <a:rPr lang="ro-RO" b="1" dirty="0" smtClean="0"/>
+              <a:rPr lang="ro-RO" b="1" dirty="0"/>
               <a:t>şee privind normalizarea</a:t>
             </a:r>
             <a:endParaRPr lang="en-US" b="1" dirty="0"/>
@@ -17636,25 +17210,25 @@
           <a:lstStyle/>
           <a:p>
             <a:r>
-              <a:rPr lang="ro-RO" smtClean="0"/>
+              <a:rPr lang="ro-RO"/>
               <a:t>Normalizarea este teoretică</a:t>
             </a:r>
           </a:p>
           <a:p>
             <a:r>
-              <a:rPr lang="ro-RO" smtClean="0"/>
+              <a:rPr lang="ro-RO"/>
               <a:t>Normalizarea nu poate fi utilizată la proiectarea BD, ci numai la validarea schemei relaţionale obţinută folosind o altă metodologie de proiectare </a:t>
             </a:r>
           </a:p>
           <a:p>
             <a:r>
-              <a:rPr lang="ro-RO" smtClean="0"/>
+              <a:rPr lang="ro-RO"/>
               <a:t>Normalizarea nu poate fi aplicată la proiectarea unei BD complexe</a:t>
             </a:r>
           </a:p>
           <a:p>
             <a:r>
-              <a:rPr lang="ro-RO" smtClean="0"/>
+              <a:rPr lang="ro-RO"/>
               <a:t>Normalizarea nu permite reprezentarea unor situaţii reale ceva mai dificile (ex. workflow)</a:t>
             </a:r>
           </a:p>
@@ -17715,30 +17289,29 @@
           <a:p>
             <a:pPr algn="ctr"/>
             <a:r>
-              <a:rPr lang="en-US" sz="4000" b="1" dirty="0" err="1" smtClean="0"/>
+              <a:rPr lang="en-US" sz="4000" b="1" dirty="0" err="1"/>
               <a:t>Tipuri</a:t>
             </a:r>
             <a:r>
-              <a:rPr lang="en-US" sz="4000" b="1" dirty="0" smtClean="0"/>
+              <a:rPr lang="en-US" sz="4000" b="1" dirty="0"/>
               <a:t> de model</a:t>
             </a:r>
             <a:r>
-              <a:rPr lang="ro-RO" sz="4000" b="1" dirty="0" smtClean="0"/>
+              <a:rPr lang="ro-RO" sz="4000" b="1" dirty="0"/>
               <a:t>ări în analiza</a:t>
             </a:r>
             <a:r>
-              <a:rPr lang="en-US" sz="4000" b="1" dirty="0" smtClean="0"/>
+              <a:rPr lang="en-US" sz="4000" b="1" dirty="0"/>
               <a:t>/</a:t>
             </a:r>
             <a:r>
-              <a:rPr lang="en-US" sz="4000" b="1" dirty="0" err="1" smtClean="0"/>
+              <a:rPr lang="en-US" sz="4000" b="1" dirty="0" err="1"/>
               <a:t>proiectarea</a:t>
             </a:r>
             <a:r>
-              <a:rPr lang="en-US" sz="4000" b="1" dirty="0" smtClean="0"/>
+              <a:rPr lang="en-US" sz="4000" b="1" dirty="0"/>
               <a:t> SI</a:t>
             </a:r>
-            <a:endParaRPr lang="en-US" sz="4000" b="1" dirty="0"/>
           </a:p>
         </p:txBody>
       </p:sp>
@@ -17765,152 +17338,152 @@
           <a:lstStyle/>
           <a:p>
             <a:r>
-              <a:rPr lang="ro-RO" dirty="0" smtClean="0"/>
+              <a:rPr lang="ro-RO" dirty="0"/>
               <a:t>Modelarea </a:t>
             </a:r>
             <a:r>
-              <a:rPr lang="ro-RO" b="1" dirty="0" smtClean="0"/>
+              <a:rPr lang="ro-RO" b="1" dirty="0"/>
               <a:t>datelor</a:t>
             </a:r>
             <a:r>
-              <a:rPr lang="en-US" dirty="0" smtClean="0"/>
+              <a:rPr lang="en-US" dirty="0"/>
               <a:t>: </a:t>
             </a:r>
             <a:r>
-              <a:rPr lang="en-US" dirty="0" err="1" smtClean="0"/>
+              <a:rPr lang="en-US" dirty="0" err="1"/>
               <a:t>abstractiz</a:t>
             </a:r>
             <a:r>
-              <a:rPr lang="ro-RO" dirty="0" smtClean="0"/>
+              <a:rPr lang="ro-RO" dirty="0"/>
               <a:t>ări</a:t>
             </a:r>
             <a:r>
-              <a:rPr lang="en-US" dirty="0" smtClean="0"/>
+              <a:rPr lang="en-US" dirty="0"/>
               <a:t> (</a:t>
             </a:r>
             <a:r>
-              <a:rPr lang="en-US" dirty="0" err="1" smtClean="0"/>
+              <a:rPr lang="en-US" dirty="0" err="1"/>
               <a:t>descrieri</a:t>
             </a:r>
             <a:r>
-              <a:rPr lang="en-US" dirty="0" smtClean="0"/>
+              <a:rPr lang="en-US" dirty="0"/>
               <a:t>)</a:t>
             </a:r>
             <a:r>
-              <a:rPr lang="ro-RO" dirty="0" smtClean="0"/>
+              <a:rPr lang="ro-RO" dirty="0"/>
               <a:t> ale conţinutului BD (Diagrame E</a:t>
             </a:r>
             <a:r>
-              <a:rPr lang="en-US" dirty="0" smtClean="0"/>
+              <a:rPr lang="en-US" dirty="0"/>
               <a:t>-R, </a:t>
             </a:r>
             <a:r>
-              <a:rPr lang="en-US" dirty="0" err="1" smtClean="0"/>
+              <a:rPr lang="en-US" dirty="0" err="1"/>
               <a:t>ORM</a:t>
             </a:r>
             <a:r>
-              <a:rPr lang="en-US" dirty="0" smtClean="0"/>
+              <a:rPr lang="en-US" dirty="0"/>
               <a:t>, </a:t>
             </a:r>
             <a:r>
-              <a:rPr lang="en-US" dirty="0" err="1" smtClean="0"/>
+              <a:rPr lang="en-US" dirty="0" err="1"/>
               <a:t>EER</a:t>
             </a:r>
             <a:r>
-              <a:rPr lang="en-US" dirty="0" smtClean="0"/>
+              <a:rPr lang="en-US" dirty="0"/>
               <a:t>, </a:t>
             </a:r>
             <a:r>
-              <a:rPr lang="en-US" dirty="0" err="1" smtClean="0"/>
+              <a:rPr lang="en-US" dirty="0" err="1"/>
               <a:t>IDEF1X</a:t>
             </a:r>
             <a:r>
-              <a:rPr lang="en-US" dirty="0" smtClean="0"/>
+              <a:rPr lang="en-US" dirty="0"/>
               <a:t>, </a:t>
             </a:r>
             <a:r>
-              <a:rPr lang="ro-RO" dirty="0" smtClean="0"/>
+              <a:rPr lang="ro-RO" dirty="0"/>
               <a:t>UML</a:t>
             </a:r>
             <a:r>
-              <a:rPr lang="en-US" dirty="0" smtClean="0"/>
+              <a:rPr lang="en-US" dirty="0"/>
               <a:t> (</a:t>
             </a:r>
             <a:r>
-              <a:rPr lang="en-US" dirty="0" err="1" smtClean="0"/>
+              <a:rPr lang="en-US" dirty="0" err="1"/>
               <a:t>diagrama</a:t>
             </a:r>
             <a:r>
-              <a:rPr lang="en-US" dirty="0" smtClean="0"/>
+              <a:rPr lang="en-US" dirty="0"/>
               <a:t> de </a:t>
             </a:r>
             <a:r>
-              <a:rPr lang="en-US" dirty="0" err="1" smtClean="0"/>
+              <a:rPr lang="en-US" dirty="0" err="1"/>
               <a:t>clase</a:t>
             </a:r>
             <a:r>
-              <a:rPr lang="en-US" dirty="0" smtClean="0"/>
+              <a:rPr lang="en-US" dirty="0"/>
               <a:t>))</a:t>
             </a:r>
             <a:r>
-              <a:rPr lang="ro-RO" dirty="0" smtClean="0"/>
+              <a:rPr lang="ro-RO" dirty="0"/>
               <a:t> </a:t>
             </a:r>
           </a:p>
           <a:p>
             <a:r>
-              <a:rPr lang="ro-RO" dirty="0" smtClean="0"/>
+              <a:rPr lang="ro-RO" dirty="0"/>
               <a:t>Modelarea </a:t>
             </a:r>
             <a:r>
-              <a:rPr lang="ro-RO" b="1" dirty="0" smtClean="0"/>
+              <a:rPr lang="ro-RO" b="1" dirty="0"/>
               <a:t>proceselor</a:t>
             </a:r>
             <a:r>
-              <a:rPr lang="en-US" dirty="0" smtClean="0"/>
+              <a:rPr lang="en-US" dirty="0"/>
               <a:t>: </a:t>
             </a:r>
             <a:r>
-              <a:rPr lang="en-US" dirty="0" err="1" smtClean="0"/>
+              <a:rPr lang="en-US" dirty="0" err="1"/>
               <a:t>abstractiz</a:t>
             </a:r>
             <a:r>
-              <a:rPr lang="ro-RO" dirty="0" smtClean="0"/>
+              <a:rPr lang="ro-RO" dirty="0"/>
               <a:t>ări (descrieri) ale activiţăţilor şi funcţiunilor dintr</a:t>
             </a:r>
             <a:r>
-              <a:rPr lang="en-US" dirty="0" smtClean="0"/>
+              <a:rPr lang="en-US" dirty="0"/>
               <a:t>-un SI</a:t>
             </a:r>
             <a:r>
-              <a:rPr lang="ro-RO" dirty="0" smtClean="0"/>
+              <a:rPr lang="ro-RO" dirty="0"/>
               <a:t> (Diagrame Use Case, Diagrame de Activităţi, Diagrame de Fluxuri de Date</a:t>
             </a:r>
-            <a:endParaRPr lang="en-US" dirty="0" smtClean="0"/>
-          </a:p>
-          <a:p>
-            <a:r>
-              <a:rPr lang="en-US" b="1" dirty="0" err="1" smtClean="0"/>
+            <a:endParaRPr lang="en-US" dirty="0"/>
+          </a:p>
+          <a:p>
+            <a:r>
+              <a:rPr lang="en-US" b="1" dirty="0" err="1"/>
               <a:t>Metamodelare</a:t>
             </a:r>
             <a:r>
-              <a:rPr lang="en-US" dirty="0" smtClean="0"/>
+              <a:rPr lang="en-US" dirty="0"/>
               <a:t>: </a:t>
             </a:r>
             <a:r>
-              <a:rPr lang="en-US" dirty="0" err="1" smtClean="0"/>
+              <a:rPr lang="en-US" dirty="0" err="1"/>
               <a:t>abstra</a:t>
             </a:r>
             <a:r>
-              <a:rPr lang="ro-RO" dirty="0" smtClean="0"/>
+              <a:rPr lang="ro-RO" dirty="0"/>
               <a:t>c</a:t>
             </a:r>
             <a:r>
-              <a:rPr lang="en-US" dirty="0" err="1" smtClean="0"/>
+              <a:rPr lang="en-US" dirty="0" err="1"/>
               <a:t>tiz</a:t>
             </a:r>
             <a:r>
-              <a:rPr lang="ro-RO" dirty="0" smtClean="0"/>
+              <a:rPr lang="ro-RO" dirty="0"/>
               <a:t>ări (descrieri) ale modelelor înseşi</a:t>
             </a:r>
           </a:p>
@@ -17971,15 +17544,15 @@
           <a:p>
             <a:pPr algn="ctr"/>
             <a:r>
-              <a:rPr lang="en-US" sz="3600" b="1" dirty="0" smtClean="0"/>
+              <a:rPr lang="en-US" sz="3600" b="1" dirty="0"/>
               <a:t>O </a:t>
             </a:r>
             <a:r>
-              <a:rPr lang="en-US" sz="3600" b="1" dirty="0" err="1" smtClean="0"/>
+              <a:rPr lang="en-US" sz="3600" b="1" dirty="0" err="1"/>
               <a:t>anali</a:t>
             </a:r>
             <a:r>
-              <a:rPr lang="ro-RO" sz="3600" b="1" dirty="0" smtClean="0"/>
+              <a:rPr lang="ro-RO" sz="3600" b="1" dirty="0"/>
               <a:t>ză (incompletă) a dezavantajelor şi clişeelor normalizării</a:t>
             </a:r>
             <a:endParaRPr lang="en-US" sz="3600" b="1" dirty="0"/>
@@ -18007,23 +17580,23 @@
           <a:lstStyle/>
           <a:p>
             <a:r>
-              <a:rPr lang="en-US" dirty="0" smtClean="0"/>
+              <a:rPr lang="en-US" dirty="0"/>
               <a:t>Why Normalization Failed to Become the Ultimate Guide for Database Designers?, Social Science Research Network (</a:t>
             </a:r>
             <a:r>
-              <a:rPr lang="en-US" dirty="0" err="1" smtClean="0"/>
+              <a:rPr lang="en-US" dirty="0" err="1"/>
               <a:t>SSRN</a:t>
             </a:r>
             <a:r>
-              <a:rPr lang="en-US" dirty="0" smtClean="0"/>
+              <a:rPr lang="en-US" dirty="0"/>
               <a:t>), INFORMATION TECHNOLOGY &amp; SYSTEMS, Working Paper </a:t>
             </a:r>
             <a:r>
-              <a:rPr lang="en-US" dirty="0" err="1" smtClean="0"/>
+              <a:rPr lang="en-US" dirty="0" err="1"/>
               <a:t>Series,Vol.2,No.9:June</a:t>
             </a:r>
             <a:r>
-              <a:rPr lang="en-US" dirty="0" smtClean="0"/>
+              <a:rPr lang="en-US" dirty="0"/>
               <a:t> 08, 2006</a:t>
             </a:r>
           </a:p>
@@ -18032,12 +17605,12 @@
               <a:buNone/>
             </a:pPr>
             <a:r>
-              <a:rPr lang="en-US" sz="2400" dirty="0" err="1" smtClean="0">
+              <a:rPr lang="en-US" sz="2400" dirty="0" err="1">
                 <a:hlinkClick r:id="rId2"/>
               </a:rPr>
               <a:t>http://papers.ssrn.com/sol3/papers.cfm?abstract_id=905060</a:t>
             </a:r>
-            <a:endParaRPr lang="en-US" sz="2400" dirty="0" smtClean="0"/>
+            <a:endParaRPr lang="en-US" sz="2400" dirty="0"/>
           </a:p>
           <a:p>
             <a:endParaRPr lang="en-US" dirty="0"/>
@@ -18070,7 +17643,7 @@
               <a:buNone/>
             </a:pPr>
             <a:r>
-              <a:rPr lang="ro-RO" sz="3200" b="1" smtClean="0"/>
+              <a:rPr lang="ro-RO" sz="3200" b="1"/>
               <a:t>P</a:t>
             </a:r>
             <a:endParaRPr lang="en-US" sz="3200" b="1"/>
@@ -18175,14 +17748,14 @@
           <a:p>
             <a:pPr algn="ctr"/>
             <a:r>
-              <a:rPr lang="en-US" b="1" dirty="0" smtClean="0"/>
+              <a:rPr lang="en-US" b="1" dirty="0"/>
               <a:t>Dou</a:t>
             </a:r>
             <a:r>
-              <a:rPr lang="ro-RO" b="1" dirty="0" smtClean="0"/>
+              <a:rPr lang="ro-RO" b="1" dirty="0"/>
               <a:t>ă tipuri de normalizare</a:t>
             </a:r>
-            <a:endParaRPr lang="en-US" b="1" dirty="0" smtClean="0"/>
+            <a:endParaRPr lang="en-US" b="1" dirty="0"/>
           </a:p>
         </p:txBody>
       </p:sp>
@@ -18355,22 +17928,16 @@
               <a:t>: </a:t>
             </a:r>
             <a:r>
-              <a:rPr lang="ro-RO" sz="3200" dirty="0" smtClean="0">
+              <a:rPr lang="ro-RO" sz="3200" dirty="0">
                 <a:latin typeface="+mn-lt"/>
               </a:rPr>
               <a:t>Codd, </a:t>
             </a:r>
             <a:r>
-              <a:rPr lang="en-US" sz="3200" dirty="0" smtClean="0">
-                <a:latin typeface="+mn-lt"/>
-              </a:rPr>
-              <a:t>Boyce</a:t>
-            </a:r>
-            <a:r>
               <a:rPr lang="en-US" sz="3200" dirty="0">
                 <a:latin typeface="+mn-lt"/>
               </a:rPr>
-              <a:t>, Heath, Fagin, </a:t>
+              <a:t>Boyce, Heath, Fagin, </a:t>
             </a:r>
             <a:r>
               <a:rPr lang="en-US" sz="3200" dirty="0" err="1">
@@ -18848,13 +18415,6 @@
   <p:transition>
     <p:random/>
   </p:transition>
-  <p:timing>
-    <p:tnLst>
-      <p:par>
-        <p:cTn id="1" dur="indefinite" restart="never" nodeType="tmRoot"/>
-      </p:par>
-    </p:tnLst>
-  </p:timing>
 </p:sld>
 </file>
 
@@ -18899,10 +18459,10 @@
           <a:p>
             <a:pPr algn="ctr"/>
             <a:r>
-              <a:rPr lang="ro-RO" b="1" dirty="0" smtClean="0"/>
+              <a:rPr lang="ro-RO" b="1" dirty="0"/>
               <a:t>Fundamentul normalizării</a:t>
             </a:r>
-            <a:endParaRPr lang="en-US" b="1" dirty="0" smtClean="0"/>
+            <a:endParaRPr lang="en-US" b="1" dirty="0"/>
           </a:p>
         </p:txBody>
       </p:sp>
@@ -18927,100 +18487,100 @@
           <a:lstStyle/>
           <a:p>
             <a:r>
-              <a:rPr lang="ro-RO" smtClean="0"/>
+              <a:rPr lang="ro-RO"/>
               <a:t>Dependenţele dintre atributele BD</a:t>
             </a:r>
           </a:p>
           <a:p>
             <a:r>
-              <a:rPr lang="ro-RO" smtClean="0"/>
+              <a:rPr lang="ro-RO"/>
               <a:t>Categorii de dependenţe</a:t>
             </a:r>
             <a:r>
-              <a:rPr lang="en-US" smtClean="0"/>
+              <a:rPr lang="en-US"/>
               <a:t>:</a:t>
             </a:r>
           </a:p>
           <a:p>
             <a:pPr lvl="1"/>
             <a:r>
-              <a:rPr lang="en-US" smtClean="0"/>
+              <a:rPr lang="en-US"/>
               <a:t>Func</a:t>
             </a:r>
             <a:r>
-              <a:rPr lang="ro-RO" smtClean="0"/>
+              <a:rPr lang="ro-RO"/>
               <a:t>ţionale (DF), dintre care</a:t>
             </a:r>
             <a:r>
-              <a:rPr lang="en-US" smtClean="0"/>
+              <a:rPr lang="en-US"/>
               <a:t>:</a:t>
             </a:r>
           </a:p>
           <a:p>
             <a:pPr lvl="2"/>
             <a:r>
-              <a:rPr lang="en-US" smtClean="0"/>
+              <a:rPr lang="en-US"/>
               <a:t>DF totale/par</a:t>
             </a:r>
             <a:r>
-              <a:rPr lang="ro-RO" smtClean="0"/>
+              <a:rPr lang="ro-RO"/>
               <a:t>ţiale</a:t>
             </a:r>
           </a:p>
           <a:p>
             <a:pPr lvl="2"/>
             <a:r>
-              <a:rPr lang="ro-RO" smtClean="0"/>
+              <a:rPr lang="ro-RO"/>
               <a:t>DF directe</a:t>
             </a:r>
             <a:r>
-              <a:rPr lang="en-US" smtClean="0"/>
+              <a:rPr lang="en-US"/>
               <a:t>/</a:t>
             </a:r>
             <a:r>
-              <a:rPr lang="ro-RO" smtClean="0"/>
+              <a:rPr lang="ro-RO"/>
               <a:t>tranzitive</a:t>
             </a:r>
           </a:p>
           <a:p>
             <a:pPr lvl="1"/>
             <a:r>
-              <a:rPr lang="ro-RO" smtClean="0"/>
+              <a:rPr lang="ro-RO"/>
               <a:t>De incluziune</a:t>
             </a:r>
           </a:p>
           <a:p>
             <a:pPr lvl="1"/>
             <a:r>
-              <a:rPr lang="ro-RO" smtClean="0"/>
+              <a:rPr lang="ro-RO"/>
               <a:t>Multivaloare (DMV)</a:t>
             </a:r>
           </a:p>
           <a:p>
             <a:pPr lvl="1"/>
             <a:r>
-              <a:rPr lang="ro-RO" smtClean="0"/>
+              <a:rPr lang="ro-RO"/>
               <a:t>De joncţiune</a:t>
             </a:r>
             <a:r>
-              <a:rPr lang="en-US" smtClean="0"/>
+              <a:rPr lang="en-US"/>
               <a:t> </a:t>
             </a:r>
             <a:r>
-              <a:rPr lang="ro-RO" smtClean="0"/>
+              <a:rPr lang="ro-RO"/>
               <a:t>(DJ) </a:t>
             </a:r>
             <a:r>
-              <a:rPr lang="en-US" smtClean="0"/>
+              <a:rPr lang="en-US"/>
               <a:t>- nu le discut</a:t>
             </a:r>
             <a:r>
-              <a:rPr lang="ro-RO" smtClean="0"/>
+              <a:rPr lang="ro-RO"/>
               <a:t>ăm la acest obiect, şi nici la altele</a:t>
             </a:r>
           </a:p>
           <a:p>
-            <a:endParaRPr lang="en-US" smtClean="0"/>
+            <a:endParaRPr lang="en-US"/>
           </a:p>
         </p:txBody>
       </p:sp>
@@ -19032,13 +18592,6 @@
   <p:transition>
     <p:random/>
   </p:transition>
-  <p:timing>
-    <p:tnLst>
-      <p:par>
-        <p:cTn id="1" dur="indefinite" restart="never" nodeType="tmRoot"/>
-      </p:par>
-    </p:tnLst>
-  </p:timing>
 </p:sld>
 </file>
 
@@ -19083,11 +18636,11 @@
           <a:p>
             <a:pPr algn="ctr"/>
             <a:r>
-              <a:rPr lang="ro-RO" b="1" dirty="0" smtClean="0"/>
+              <a:rPr lang="ro-RO" b="1" dirty="0"/>
               <a:t>Formele normale ale unei </a:t>
             </a:r>
             <a:r>
-              <a:rPr lang="en-US" b="1" dirty="0" smtClean="0"/>
+              <a:rPr lang="en-US" b="1" dirty="0"/>
               <a:t>BD</a:t>
             </a:r>
           </a:p>
@@ -19115,77 +18668,77 @@
           <a:p>
             <a:pPr eaLnBrk="1" hangingPunct="1"/>
             <a:r>
-              <a:rPr lang="ro-RO" smtClean="0"/>
+              <a:rPr lang="ro-RO"/>
               <a:t>Sunt numite şi forme </a:t>
             </a:r>
             <a:r>
-              <a:rPr lang="ro-RO" b="1" smtClean="0"/>
+              <a:rPr lang="ro-RO" b="1"/>
               <a:t>normalizate</a:t>
             </a:r>
           </a:p>
           <a:p>
             <a:pPr eaLnBrk="1" hangingPunct="1"/>
             <a:r>
-              <a:rPr lang="ro-RO" smtClean="0"/>
+              <a:rPr lang="ro-RO"/>
               <a:t>Eu fost enumerate la prezentarea normalizării prin descompunere (slide</a:t>
             </a:r>
             <a:r>
-              <a:rPr lang="en-US" smtClean="0"/>
+              <a:rPr lang="en-US"/>
               <a:t>-ul 5</a:t>
             </a:r>
             <a:r>
-              <a:rPr lang="ro-RO" smtClean="0"/>
+              <a:rPr lang="ro-RO"/>
               <a:t>)</a:t>
             </a:r>
-            <a:endParaRPr lang="en-US" smtClean="0"/>
+            <a:endParaRPr lang="en-US"/>
           </a:p>
           <a:p>
             <a:pPr eaLnBrk="1" hangingPunct="1"/>
             <a:r>
-              <a:rPr lang="en-US" smtClean="0"/>
+              <a:rPr lang="en-US"/>
               <a:t>Cele mai importante sunt: 1NF, 2NF, 3NF, BCNF </a:t>
             </a:r>
             <a:r>
-              <a:rPr lang="ro-RO" smtClean="0"/>
+              <a:rPr lang="ro-RO"/>
               <a:t>şi 4NF</a:t>
             </a:r>
           </a:p>
           <a:p>
             <a:pPr eaLnBrk="1" hangingPunct="1"/>
             <a:r>
-              <a:rPr lang="ro-RO" smtClean="0"/>
+              <a:rPr lang="ro-RO"/>
               <a:t>Cele mai folosite</a:t>
             </a:r>
             <a:r>
-              <a:rPr lang="en-US" smtClean="0"/>
+              <a:rPr lang="en-US"/>
               <a:t> </a:t>
             </a:r>
             <a:r>
-              <a:rPr lang="ro-RO" smtClean="0"/>
+              <a:rPr lang="ro-RO"/>
               <a:t>(şi necesare în practică)</a:t>
             </a:r>
             <a:r>
-              <a:rPr lang="en-US" smtClean="0"/>
+              <a:rPr lang="en-US"/>
               <a:t>: 1NF, 2NF, 3NF</a:t>
             </a:r>
           </a:p>
           <a:p>
             <a:pPr eaLnBrk="1" hangingPunct="1"/>
             <a:r>
-              <a:rPr lang="ro-RO" smtClean="0"/>
+              <a:rPr lang="ro-RO"/>
               <a:t>BCNF şi 4NF sunt rar aplicate în practică</a:t>
             </a:r>
           </a:p>
           <a:p>
             <a:pPr eaLnBrk="1" hangingPunct="1"/>
             <a:r>
-              <a:rPr lang="ro-RO" smtClean="0"/>
+              <a:rPr lang="ro-RO"/>
               <a:t>5NF, DKNF şi 6NF sunt (mai mult) teoretice</a:t>
             </a:r>
           </a:p>
           <a:p>
             <a:pPr eaLnBrk="1" hangingPunct="1"/>
-            <a:endParaRPr lang="ro-RO" smtClean="0"/>
+            <a:endParaRPr lang="ro-RO"/>
           </a:p>
         </p:txBody>
       </p:sp>
@@ -19197,13 +18750,6 @@
   <p:transition>
     <p:random/>
   </p:transition>
-  <p:timing>
-    <p:tnLst>
-      <p:par>
-        <p:cTn id="1" dur="indefinite" restart="never" nodeType="tmRoot"/>
-      </p:par>
-    </p:tnLst>
-  </p:timing>
 </p:sld>
 </file>
 
@@ -19248,10 +18794,10 @@
           <a:p>
             <a:pPr algn="ctr"/>
             <a:r>
-              <a:rPr lang="ro-RO" b="1" dirty="0" smtClean="0"/>
+              <a:rPr lang="ro-RO" b="1" dirty="0"/>
               <a:t>Cerinţe ale formelor normalizate</a:t>
             </a:r>
-            <a:endParaRPr lang="en-US" b="1" dirty="0" smtClean="0"/>
+            <a:endParaRPr lang="en-US" b="1" dirty="0"/>
           </a:p>
         </p:txBody>
       </p:sp>
@@ -19277,469 +18823,250 @@
           <a:p>
             <a:pPr eaLnBrk="1" hangingPunct="1"/>
             <a:r>
-              <a:rPr lang="ro-RO" dirty="0" smtClean="0"/>
+              <a:rPr lang="ro-RO" dirty="0"/>
               <a:t>Pentru 1NF</a:t>
             </a:r>
             <a:r>
-              <a:rPr lang="en-US" dirty="0" smtClean="0"/>
+              <a:rPr lang="en-US" dirty="0"/>
               <a:t>: </a:t>
             </a:r>
             <a:r>
-              <a:rPr lang="en-US" dirty="0" err="1" smtClean="0"/>
+              <a:rPr lang="en-US" dirty="0" err="1"/>
               <a:t>atributele</a:t>
             </a:r>
             <a:r>
-              <a:rPr lang="en-US" dirty="0" smtClean="0"/>
+              <a:rPr lang="en-US" dirty="0"/>
               <a:t> s</a:t>
             </a:r>
             <a:r>
-              <a:rPr lang="ro-RO" dirty="0" smtClean="0"/>
+              <a:rPr lang="ro-RO" dirty="0"/>
               <a:t>ă fie </a:t>
             </a:r>
             <a:r>
-              <a:rPr lang="ro-RO" b="1" dirty="0" smtClean="0"/>
+              <a:rPr lang="ro-RO" b="1" dirty="0"/>
               <a:t>atomice</a:t>
             </a:r>
           </a:p>
           <a:p>
             <a:pPr eaLnBrk="1" hangingPunct="1"/>
             <a:r>
-              <a:rPr lang="ro-RO" dirty="0" smtClean="0"/>
+              <a:rPr lang="ro-RO" dirty="0"/>
               <a:t>Pentru 2NF</a:t>
             </a:r>
             <a:r>
-              <a:rPr lang="en-US" dirty="0" smtClean="0"/>
+              <a:rPr lang="en-US" dirty="0"/>
               <a:t>: </a:t>
             </a:r>
             <a:r>
-              <a:rPr lang="en-US" dirty="0" err="1" smtClean="0"/>
+              <a:rPr lang="en-US" dirty="0" err="1"/>
               <a:t>eliminarea</a:t>
             </a:r>
             <a:r>
-              <a:rPr lang="en-US" dirty="0" smtClean="0"/>
+              <a:rPr lang="en-US" dirty="0"/>
               <a:t> </a:t>
             </a:r>
             <a:r>
-              <a:rPr lang="en-US" b="1" dirty="0" smtClean="0"/>
+              <a:rPr lang="en-US" b="1" dirty="0"/>
               <a:t>DF par</a:t>
             </a:r>
             <a:r>
-              <a:rPr lang="ro-RO" b="1" dirty="0" smtClean="0"/>
+              <a:rPr lang="ro-RO" b="1" dirty="0"/>
               <a:t>ţiale</a:t>
             </a:r>
           </a:p>
           <a:p>
             <a:pPr eaLnBrk="1" hangingPunct="1"/>
             <a:r>
-              <a:rPr lang="ro-RO" dirty="0" smtClean="0"/>
+              <a:rPr lang="ro-RO" dirty="0"/>
               <a:t>Pentru 3NF</a:t>
             </a:r>
             <a:r>
-              <a:rPr lang="en-US" dirty="0" smtClean="0"/>
+              <a:rPr lang="en-US" dirty="0"/>
               <a:t>: </a:t>
             </a:r>
             <a:r>
-              <a:rPr lang="en-US" dirty="0" err="1" smtClean="0"/>
+              <a:rPr lang="en-US" dirty="0" err="1"/>
               <a:t>eliminarea</a:t>
             </a:r>
             <a:r>
-              <a:rPr lang="en-US" dirty="0" smtClean="0"/>
+              <a:rPr lang="en-US" dirty="0"/>
               <a:t> </a:t>
             </a:r>
             <a:r>
-              <a:rPr lang="en-US" b="1" dirty="0" smtClean="0"/>
+              <a:rPr lang="en-US" b="1" dirty="0"/>
               <a:t>DF </a:t>
             </a:r>
             <a:r>
-              <a:rPr lang="ro-RO" b="1" dirty="0" smtClean="0"/>
+              <a:rPr lang="ro-RO" b="1" dirty="0"/>
               <a:t>tranzitive</a:t>
             </a:r>
-            <a:endParaRPr lang="en-US" b="1" dirty="0" smtClean="0"/>
+            <a:endParaRPr lang="en-US" b="1" dirty="0"/>
           </a:p>
           <a:p>
             <a:pPr eaLnBrk="1" hangingPunct="1"/>
             <a:r>
-              <a:rPr lang="ro-RO" dirty="0" smtClean="0"/>
+              <a:rPr lang="ro-RO" dirty="0"/>
               <a:t>Pentru </a:t>
             </a:r>
             <a:r>
-              <a:rPr lang="en-US" dirty="0" err="1" smtClean="0"/>
+              <a:rPr lang="en-US" dirty="0" err="1"/>
               <a:t>BCNF</a:t>
             </a:r>
             <a:r>
-              <a:rPr lang="en-US" dirty="0" smtClean="0"/>
+              <a:rPr lang="en-US" dirty="0"/>
               <a:t>: </a:t>
             </a:r>
             <a:r>
-              <a:rPr lang="en-US" dirty="0" err="1" smtClean="0"/>
+              <a:rPr lang="en-US" dirty="0" err="1"/>
               <a:t>eliminarea</a:t>
             </a:r>
             <a:r>
-              <a:rPr lang="en-US" dirty="0" smtClean="0"/>
+              <a:rPr lang="en-US" dirty="0"/>
               <a:t> DF </a:t>
             </a:r>
             <a:r>
-              <a:rPr lang="ro-RO" dirty="0" smtClean="0"/>
+              <a:rPr lang="ro-RO" dirty="0"/>
               <a:t>în care </a:t>
             </a:r>
             <a:r>
-              <a:rPr lang="en-US" dirty="0" err="1" smtClean="0"/>
+              <a:rPr lang="en-US" dirty="0" err="1"/>
               <a:t>su</a:t>
             </a:r>
             <a:r>
-              <a:rPr lang="ro-RO" dirty="0" smtClean="0"/>
+              <a:rPr lang="ro-RO" dirty="0"/>
               <a:t>rs</a:t>
             </a:r>
             <a:r>
-              <a:rPr lang="en-US" dirty="0" err="1" smtClean="0"/>
+              <a:rPr lang="en-US" dirty="0" err="1"/>
               <a:t>ele</a:t>
             </a:r>
             <a:r>
-              <a:rPr lang="ro-RO" dirty="0" smtClean="0"/>
+              <a:rPr lang="ro-RO" dirty="0"/>
               <a:t> sunt atribute ne</a:t>
             </a:r>
             <a:r>
-              <a:rPr lang="en-US" dirty="0" smtClean="0"/>
+              <a:rPr lang="en-US" dirty="0"/>
               <a:t>-</a:t>
             </a:r>
             <a:r>
-              <a:rPr lang="en-US" dirty="0" err="1" smtClean="0"/>
+              <a:rPr lang="en-US" dirty="0" err="1"/>
               <a:t>cheie</a:t>
             </a:r>
             <a:r>
-              <a:rPr lang="en-US" dirty="0" smtClean="0"/>
+              <a:rPr lang="en-US" dirty="0"/>
               <a:t>, </a:t>
             </a:r>
             <a:r>
-              <a:rPr lang="en-US" dirty="0" err="1" smtClean="0"/>
+              <a:rPr lang="en-US" dirty="0" err="1"/>
               <a:t>iar</a:t>
             </a:r>
             <a:r>
-              <a:rPr lang="en-US" dirty="0" smtClean="0"/>
+              <a:rPr lang="en-US" dirty="0"/>
               <a:t> </a:t>
             </a:r>
             <a:r>
-              <a:rPr lang="en-US" dirty="0" err="1" smtClean="0"/>
+              <a:rPr lang="en-US" dirty="0" err="1"/>
               <a:t>destina</a:t>
             </a:r>
             <a:r>
-              <a:rPr lang="ro-RO" dirty="0" smtClean="0"/>
+              <a:rPr lang="ro-RO" dirty="0"/>
               <a:t>ţi</a:t>
             </a:r>
             <a:r>
-              <a:rPr lang="en-US" dirty="0" err="1" smtClean="0"/>
+              <a:rPr lang="en-US" dirty="0" err="1"/>
               <a:t>i</a:t>
             </a:r>
             <a:r>
-              <a:rPr lang="ro-RO" dirty="0" smtClean="0"/>
+              <a:rPr lang="ro-RO" dirty="0"/>
               <a:t> atribute chei</a:t>
             </a:r>
             <a:r>
-              <a:rPr lang="en-US" dirty="0" smtClean="0"/>
+              <a:rPr lang="en-US" dirty="0"/>
               <a:t>e</a:t>
             </a:r>
-            <a:endParaRPr lang="ro-RO" dirty="0" smtClean="0"/>
+            <a:endParaRPr lang="ro-RO" dirty="0"/>
           </a:p>
           <a:p>
             <a:pPr eaLnBrk="1" hangingPunct="1"/>
             <a:r>
-              <a:rPr lang="ro-RO" dirty="0" smtClean="0"/>
+              <a:rPr lang="ro-RO" dirty="0"/>
               <a:t>Pentru 4NF</a:t>
             </a:r>
             <a:r>
-              <a:rPr lang="en-US" dirty="0" smtClean="0"/>
+              <a:rPr lang="en-US" dirty="0"/>
               <a:t>: </a:t>
             </a:r>
             <a:r>
-              <a:rPr lang="en-US" dirty="0" err="1" smtClean="0"/>
+              <a:rPr lang="en-US" dirty="0" err="1"/>
               <a:t>eliminarea</a:t>
             </a:r>
             <a:r>
-              <a:rPr lang="en-US" dirty="0" smtClean="0"/>
+              <a:rPr lang="en-US" dirty="0"/>
               <a:t> </a:t>
             </a:r>
             <a:r>
-              <a:rPr lang="en-US" dirty="0" err="1" smtClean="0"/>
+              <a:rPr lang="en-US" dirty="0" err="1"/>
               <a:t>dependen</a:t>
             </a:r>
             <a:r>
-              <a:rPr lang="ro-RO" dirty="0" smtClean="0"/>
+              <a:rPr lang="ro-RO" dirty="0"/>
               <a:t>ţelor </a:t>
             </a:r>
             <a:r>
-              <a:rPr lang="ro-RO" b="1" dirty="0" smtClean="0"/>
+              <a:rPr lang="ro-RO" b="1" dirty="0"/>
               <a:t>multi</a:t>
             </a:r>
             <a:r>
-              <a:rPr lang="en-US" b="1" dirty="0" smtClean="0"/>
+              <a:rPr lang="en-US" b="1" dirty="0"/>
               <a:t>-</a:t>
             </a:r>
             <a:r>
-              <a:rPr lang="ro-RO" b="1" dirty="0" smtClean="0"/>
+              <a:rPr lang="ro-RO" b="1" dirty="0"/>
               <a:t>valoare</a:t>
             </a:r>
           </a:p>
           <a:p>
             <a:pPr eaLnBrk="1" hangingPunct="1"/>
             <a:r>
-              <a:rPr lang="en-US" dirty="0" err="1" smtClean="0"/>
+              <a:rPr lang="en-US" dirty="0" err="1"/>
               <a:t>Pentru</a:t>
             </a:r>
             <a:r>
-              <a:rPr lang="en-US" dirty="0" smtClean="0"/>
+              <a:rPr lang="en-US" dirty="0"/>
               <a:t> </a:t>
             </a:r>
             <a:r>
-              <a:rPr lang="ro-RO" dirty="0" smtClean="0"/>
+              <a:rPr lang="ro-RO" dirty="0"/>
               <a:t>5NF</a:t>
             </a:r>
             <a:r>
-              <a:rPr lang="en-US" dirty="0" smtClean="0"/>
+              <a:rPr lang="en-US" dirty="0"/>
               <a:t>: </a:t>
             </a:r>
             <a:r>
-              <a:rPr lang="en-US" dirty="0" err="1" smtClean="0"/>
+              <a:rPr lang="en-US" dirty="0" err="1"/>
               <a:t>eliminarea</a:t>
             </a:r>
             <a:r>
-              <a:rPr lang="en-US" dirty="0" smtClean="0"/>
+              <a:rPr lang="en-US" dirty="0"/>
               <a:t> </a:t>
             </a:r>
             <a:r>
-              <a:rPr lang="en-US" dirty="0" err="1" smtClean="0"/>
+              <a:rPr lang="en-US" dirty="0" err="1"/>
               <a:t>dependen</a:t>
             </a:r>
             <a:r>
-              <a:rPr lang="ro-RO" dirty="0" smtClean="0"/>
+              <a:rPr lang="ro-RO" dirty="0"/>
               <a:t>ţelor </a:t>
             </a:r>
             <a:r>
-              <a:rPr lang="ro-RO" b="1" dirty="0" smtClean="0"/>
+              <a:rPr lang="ro-RO" b="1" dirty="0"/>
               <a:t>de joncţiune</a:t>
             </a:r>
           </a:p>
           <a:p>
             <a:pPr eaLnBrk="1" hangingPunct="1"/>
-            <a:endParaRPr lang="ro-RO" dirty="0" smtClean="0"/>
-          </a:p>
-        </p:txBody>
-      </p:sp>
-    </p:spTree>
-  </p:cSld>
-  <p:clrMapOvr>
-    <a:masterClrMapping/>
-  </p:clrMapOvr>
-  <p:transition>
-    <p:random/>
-  </p:transition>
-  <p:timing>
-    <p:tnLst>
-      <p:par>
-        <p:cTn id="1" dur="indefinite" restart="never" nodeType="tmRoot"/>
-      </p:par>
-    </p:tnLst>
-  </p:timing>
-</p:sld>
-</file>
-
-<file path=ppt/slides/slide25.xml><?xml version="1.0" encoding="utf-8"?>
-<p:sld xmlns:a="http://schemas.openxmlformats.org/drawingml/2006/main" xmlns:r="http://schemas.openxmlformats.org/officeDocument/2006/relationships" xmlns:p="http://schemas.openxmlformats.org/presentationml/2006/main">
-  <p:cSld>
-    <p:spTree>
-      <p:nvGrpSpPr>
-        <p:cNvPr id="1" name=""/>
-        <p:cNvGrpSpPr/>
-        <p:nvPr/>
-      </p:nvGrpSpPr>
-      <p:grpSpPr>
-        <a:xfrm>
-          <a:off x="0" y="0"/>
-          <a:ext cx="0" cy="0"/>
-          <a:chOff x="0" y="0"/>
-          <a:chExt cx="0" cy="0"/>
-        </a:xfrm>
-      </p:grpSpPr>
-      <p:sp>
-        <p:nvSpPr>
-          <p:cNvPr id="2" name="Title 1"/>
-          <p:cNvSpPr>
-            <a:spLocks noGrp="1"/>
-          </p:cNvSpPr>
-          <p:nvPr>
-            <p:ph type="title"/>
-          </p:nvPr>
-        </p:nvSpPr>
-        <p:spPr/>
-        <p:txBody>
-          <a:bodyPr/>
-          <a:lstStyle/>
-          <a:p>
-            <a:r>
-              <a:rPr lang="ro-RO" b="1" smtClean="0"/>
-              <a:t>Câteva tutoriale video</a:t>
-            </a:r>
-            <a:endParaRPr lang="en-US"/>
-          </a:p>
-        </p:txBody>
-      </p:sp>
-      <p:sp>
-        <p:nvSpPr>
-          <p:cNvPr id="3" name="Content Placeholder 2"/>
-          <p:cNvSpPr>
-            <a:spLocks noGrp="1"/>
-          </p:cNvSpPr>
-          <p:nvPr>
-            <p:ph idx="1"/>
-          </p:nvPr>
-        </p:nvSpPr>
-        <p:spPr>
-          <a:xfrm>
-            <a:off x="349624" y="1488141"/>
-            <a:ext cx="8794376" cy="4800600"/>
-          </a:xfrm>
-        </p:spPr>
-        <p:txBody>
-          <a:bodyPr>
-            <a:normAutofit fontScale="92500" lnSpcReduction="10000"/>
-          </a:bodyPr>
-          <a:lstStyle/>
-          <a:p>
-            <a:r>
-              <a:rPr lang="en-US" sz="2400" b="1" smtClean="0"/>
-              <a:t>Introduction to Data Modeling</a:t>
-            </a:r>
-            <a:r>
-              <a:rPr lang="en-US" b="1" smtClean="0"/>
-              <a:t> </a:t>
-            </a:r>
-          </a:p>
-          <a:p>
-            <a:pPr>
-              <a:buNone/>
-            </a:pPr>
-            <a:r>
-              <a:rPr lang="en-US" sz="2000" smtClean="0">
-                <a:hlinkClick r:id="rId2"/>
-              </a:rPr>
-              <a:t>http://www.youtube.com/watch?v=-VlxBdc7tTc&amp;feature=related</a:t>
-            </a:r>
-            <a:endParaRPr lang="en-US" sz="2000" smtClean="0"/>
-          </a:p>
-          <a:p>
-            <a:pPr>
-              <a:buNone/>
-            </a:pPr>
-            <a:endParaRPr lang="en-US" sz="2000" b="1" smtClean="0"/>
-          </a:p>
-          <a:p>
-            <a:r>
-              <a:rPr lang="en-US" sz="2400" b="1" smtClean="0"/>
-              <a:t>Lecture -1a Conceptual Designs</a:t>
-            </a:r>
-            <a:r>
-              <a:rPr lang="en-US" sz="2000" b="1" smtClean="0"/>
-              <a:t> </a:t>
-            </a:r>
-          </a:p>
-          <a:p>
-            <a:pPr>
-              <a:buNone/>
-            </a:pPr>
-            <a:r>
-              <a:rPr lang="en-US" sz="2000" smtClean="0">
-                <a:hlinkClick r:id="rId3"/>
-              </a:rPr>
-              <a:t>http://www.youtube.com/watch?v=EuSBAOpXjU0&amp;feature=related</a:t>
-            </a:r>
-            <a:endParaRPr lang="en-US" sz="2000" smtClean="0"/>
-          </a:p>
-          <a:p>
-            <a:pPr>
-              <a:buNone/>
-            </a:pPr>
-            <a:endParaRPr lang="en-US" sz="2000" b="1" smtClean="0"/>
-          </a:p>
-          <a:p>
-            <a:pPr>
-              <a:buNone/>
-            </a:pPr>
-            <a:endParaRPr lang="en-US" sz="2000" b="1" smtClean="0"/>
-          </a:p>
-          <a:p>
-            <a:r>
-              <a:rPr lang="en-US" sz="2400" b="1" smtClean="0"/>
-              <a:t>Lecture - 12 Data Modelling - ER Diagrams, Mapping</a:t>
-            </a:r>
-            <a:endParaRPr lang="en-US" b="1" smtClean="0"/>
-          </a:p>
-          <a:p>
-            <a:pPr>
-              <a:buNone/>
-            </a:pPr>
-            <a:r>
-              <a:rPr lang="en-US" sz="2000" smtClean="0">
-                <a:hlinkClick r:id="rId4"/>
-              </a:rPr>
-              <a:t>http://www.youtube.com/watch?v=fJaPlsVIzio&amp;feature=related</a:t>
-            </a:r>
-            <a:endParaRPr lang="en-US" sz="2000" smtClean="0"/>
-          </a:p>
-          <a:p>
-            <a:pPr>
-              <a:buNone/>
-            </a:pPr>
-            <a:endParaRPr lang="en-US" sz="2000" b="1" smtClean="0"/>
-          </a:p>
-          <a:p>
-            <a:endParaRPr lang="en-US" b="1" smtClean="0"/>
-          </a:p>
-          <a:p>
-            <a:r>
-              <a:rPr lang="en-US" sz="2600" b="1" smtClean="0"/>
-              <a:t>what is database normalization?</a:t>
-            </a:r>
-          </a:p>
-          <a:p>
-            <a:pPr>
-              <a:buNone/>
-            </a:pPr>
-            <a:r>
-              <a:rPr lang="en-US" sz="2000" smtClean="0">
-                <a:hlinkClick r:id="rId5"/>
-              </a:rPr>
-              <a:t>http://www.youtube.com/watch?v=FZs-Qdf-Sxg&amp;feature=related</a:t>
-            </a:r>
-            <a:endParaRPr lang="en-US" sz="2000" smtClean="0"/>
-          </a:p>
-          <a:p>
-            <a:pPr>
-              <a:buNone/>
-            </a:pPr>
-            <a:endParaRPr lang="en-US" sz="2000" smtClean="0"/>
-          </a:p>
-          <a:p>
-            <a:pPr>
-              <a:buNone/>
-            </a:pPr>
-            <a:endParaRPr lang="en-US" sz="2000" smtClean="0"/>
-          </a:p>
-          <a:p>
-            <a:pPr>
-              <a:buNone/>
-            </a:pPr>
-            <a:endParaRPr lang="en-US" sz="2000" smtClean="0"/>
-          </a:p>
-          <a:p>
-            <a:pPr>
-              <a:buNone/>
-            </a:pPr>
-            <a:endParaRPr lang="en-US" sz="2000" smtClean="0"/>
-          </a:p>
-          <a:p>
-            <a:pPr>
-              <a:buNone/>
-            </a:pPr>
-            <a:endParaRPr lang="en-US" sz="2000"/>
+            <a:endParaRPr lang="ro-RO" dirty="0"/>
           </a:p>
         </p:txBody>
       </p:sp>
@@ -19795,7 +19122,7 @@
           <a:p>
             <a:pPr algn="ctr"/>
             <a:r>
-              <a:rPr lang="ro-RO" sz="4000" b="1" dirty="0" smtClean="0"/>
+              <a:rPr lang="ro-RO" sz="4000" b="1" dirty="0"/>
               <a:t>Modelarea datelor</a:t>
             </a:r>
             <a:endParaRPr lang="en-US" sz="4000" b="1" dirty="0"/>
@@ -19826,70 +19153,70 @@
           <a:p>
             <a:pPr algn="just"/>
             <a:r>
-              <a:rPr lang="ro-RO" smtClean="0"/>
+              <a:rPr lang="ro-RO"/>
               <a:t>Un set de metode şi instrumente pentru descrierea cerinţelor informaţionale dintr</a:t>
             </a:r>
             <a:r>
-              <a:rPr lang="en-US" smtClean="0"/>
+              <a:rPr lang="en-US"/>
               <a:t>-o organi</a:t>
             </a:r>
             <a:r>
-              <a:rPr lang="ro-RO" smtClean="0"/>
+              <a:rPr lang="ro-RO"/>
               <a:t>z</a:t>
             </a:r>
             <a:r>
-              <a:rPr lang="en-US" smtClean="0"/>
+              <a:rPr lang="en-US"/>
               <a:t>a</a:t>
             </a:r>
             <a:r>
-              <a:rPr lang="ro-RO" smtClean="0"/>
+              <a:rPr lang="ro-RO"/>
               <a:t>ţ</a:t>
             </a:r>
             <a:r>
-              <a:rPr lang="en-US" smtClean="0"/>
+              <a:rPr lang="en-US"/>
               <a:t>ie</a:t>
             </a:r>
           </a:p>
           <a:p>
             <a:r>
-              <a:rPr lang="ro-RO" smtClean="0"/>
+              <a:rPr lang="ro-RO"/>
               <a:t>Destinatari</a:t>
             </a:r>
             <a:r>
-              <a:rPr lang="en-US" smtClean="0"/>
+              <a:rPr lang="en-US"/>
               <a:t>:</a:t>
             </a:r>
-            <a:endParaRPr lang="ro-RO" smtClean="0"/>
+            <a:endParaRPr lang="ro-RO"/>
           </a:p>
           <a:p>
             <a:pPr lvl="1"/>
             <a:r>
-              <a:rPr lang="ro-RO" smtClean="0"/>
+              <a:rPr lang="ro-RO"/>
               <a:t>Utilizatorii aplicaţiei (sistemului)</a:t>
             </a:r>
             <a:r>
-              <a:rPr lang="en-US" smtClean="0"/>
+              <a:rPr lang="en-US"/>
               <a:t>: formulea</a:t>
             </a:r>
             <a:r>
-              <a:rPr lang="ro-RO" smtClean="0"/>
+              <a:rPr lang="ro-RO"/>
               <a:t>ză cerinţele şi verifică modul de implementare a cerinţelor</a:t>
             </a:r>
           </a:p>
           <a:p>
             <a:pPr lvl="1"/>
             <a:r>
-              <a:rPr lang="ro-RO" smtClean="0"/>
+              <a:rPr lang="ro-RO"/>
               <a:t>Dezvoltatorii aplicaţiei (informaticieni) care proiectează şi implementează BD şi celelalte module</a:t>
             </a:r>
           </a:p>
           <a:p>
             <a:r>
-              <a:rPr lang="en-US" smtClean="0"/>
+              <a:rPr lang="en-US"/>
               <a:t>Modelarea datelor este parte integrant</a:t>
             </a:r>
             <a:r>
-              <a:rPr lang="ro-RO" smtClean="0"/>
+              <a:rPr lang="ro-RO"/>
               <a:t>ă din modelarea sistemelor informaţionale</a:t>
             </a:r>
           </a:p>
@@ -19980,19 +19307,19 @@
           <a:p>
             <a:pPr algn="ctr"/>
             <a:r>
-              <a:rPr lang="en-US" b="1" smtClean="0"/>
+              <a:rPr lang="en-US" b="1"/>
               <a:t>Ciclul de via</a:t>
             </a:r>
             <a:r>
-              <a:rPr lang="ro-RO" b="1" smtClean="0"/>
+              <a:rPr lang="ro-RO" b="1"/>
               <a:t>ţă al datelor într</a:t>
             </a:r>
             <a:r>
-              <a:rPr lang="en-US" b="1" smtClean="0"/>
+              <a:rPr lang="en-US" b="1"/>
               <a:t>-o organiza</a:t>
             </a:r>
             <a:r>
-              <a:rPr lang="ro-RO" b="1" smtClean="0"/>
+              <a:rPr lang="ro-RO" b="1"/>
               <a:t>ţie</a:t>
             </a:r>
             <a:endParaRPr lang="en-US" b="1"/>
@@ -20024,7 +19351,7 @@
               <a:buNone/>
             </a:pPr>
             <a:r>
-              <a:rPr lang="ro-RO" sz="1800" i="1" smtClean="0">
+              <a:rPr lang="ro-RO" sz="1800" i="1">
                 <a:latin typeface="Segoe UI" pitchFamily="34" charset="0"/>
                 <a:ea typeface="Segoe UI" pitchFamily="34" charset="0"/>
                 <a:cs typeface="Segoe UI" pitchFamily="34" charset="0"/>
@@ -20032,18 +19359,13 @@
               <a:t>Sursa</a:t>
             </a:r>
             <a:r>
-              <a:rPr lang="en-US" sz="1800" i="1" smtClean="0">
+              <a:rPr lang="en-US" sz="1800" i="1">
                 <a:latin typeface="Segoe UI" pitchFamily="34" charset="0"/>
                 <a:ea typeface="Segoe UI" pitchFamily="34" charset="0"/>
                 <a:cs typeface="Segoe UI" pitchFamily="34" charset="0"/>
               </a:rPr>
               <a:t>: Ponniah 2007</a:t>
             </a:r>
-            <a:endParaRPr lang="en-US" sz="1800" i="1">
-              <a:latin typeface="Segoe UI" pitchFamily="34" charset="0"/>
-              <a:ea typeface="Segoe UI" pitchFamily="34" charset="0"/>
-              <a:cs typeface="Segoe UI" pitchFamily="34" charset="0"/>
-            </a:endParaRPr>
           </a:p>
         </p:txBody>
       </p:sp>
@@ -20099,7 +19421,7 @@
           <a:p>
             <a:pPr algn="ctr"/>
             <a:r>
-              <a:rPr lang="en-US" b="1" smtClean="0"/>
+              <a:rPr lang="en-US" b="1"/>
               <a:t>Metodologii, limbaje </a:t>
             </a:r>
             <a:r>
@@ -20107,11 +19429,11 @@
               <a:t>ş</a:t>
             </a:r>
             <a:r>
-              <a:rPr lang="en-US" b="1" smtClean="0"/>
+              <a:rPr lang="en-US" b="1"/>
               <a:t>i </a:t>
             </a:r>
             <a:r>
-              <a:rPr lang="ro-RO" b="1" smtClean="0"/>
+              <a:rPr lang="ro-RO" b="1"/>
               <a:t>instrumente de modelare a datelor</a:t>
             </a:r>
             <a:endParaRPr lang="en-US" b="1"/>
@@ -20141,128 +19463,128 @@
           <a:lstStyle/>
           <a:p>
             <a:r>
-              <a:rPr lang="ro-RO" dirty="0" smtClean="0"/>
+              <a:rPr lang="ro-RO" dirty="0"/>
               <a:t>Entity</a:t>
             </a:r>
             <a:r>
-              <a:rPr lang="en-US" dirty="0" smtClean="0"/>
+              <a:rPr lang="en-US" dirty="0"/>
               <a:t>-Relationship (E-R) - P. Chen - 1976</a:t>
             </a:r>
           </a:p>
           <a:p>
             <a:r>
-              <a:rPr lang="en-US" dirty="0" smtClean="0"/>
+              <a:rPr lang="en-US" dirty="0"/>
               <a:t>Enhanced Entity-Relationship (</a:t>
             </a:r>
             <a:r>
-              <a:rPr lang="en-US" dirty="0" err="1" smtClean="0"/>
+              <a:rPr lang="en-US" dirty="0" err="1"/>
               <a:t>EER</a:t>
             </a:r>
             <a:r>
-              <a:rPr lang="en-US" dirty="0" smtClean="0"/>
+              <a:rPr lang="en-US" dirty="0"/>
               <a:t>) –</a:t>
             </a:r>
             <a:r>
-              <a:rPr lang="en-US" dirty="0" err="1" smtClean="0"/>
+              <a:rPr lang="en-US" dirty="0" err="1"/>
               <a:t>T.Teorey</a:t>
             </a:r>
             <a:r>
-              <a:rPr lang="en-US" dirty="0" smtClean="0"/>
+              <a:rPr lang="en-US" dirty="0"/>
               <a:t> </a:t>
             </a:r>
             <a:r>
-              <a:rPr lang="en-US" dirty="0" err="1" smtClean="0"/>
+              <a:rPr lang="en-US" dirty="0" err="1"/>
               <a:t>s.a</a:t>
             </a:r>
             <a:r>
-              <a:rPr lang="en-US" dirty="0" smtClean="0"/>
+              <a:rPr lang="en-US" dirty="0"/>
               <a:t>. - 1986</a:t>
             </a:r>
           </a:p>
           <a:p>
             <a:r>
-              <a:rPr lang="en-US" dirty="0" err="1" smtClean="0"/>
+              <a:rPr lang="en-US" dirty="0" err="1"/>
               <a:t>IDEF1X</a:t>
             </a:r>
             <a:r>
-              <a:rPr lang="en-US" dirty="0" smtClean="0"/>
+              <a:rPr lang="en-US" dirty="0"/>
               <a:t> (1981) </a:t>
             </a:r>
           </a:p>
           <a:p>
             <a:r>
-              <a:rPr lang="en-US" dirty="0" smtClean="0"/>
+              <a:rPr lang="en-US" dirty="0"/>
               <a:t>Object-Role Modeling (</a:t>
             </a:r>
             <a:r>
-              <a:rPr lang="en-US" dirty="0" err="1" smtClean="0"/>
+              <a:rPr lang="en-US" dirty="0" err="1"/>
               <a:t>ORM</a:t>
             </a:r>
             <a:r>
-              <a:rPr lang="en-US" dirty="0" smtClean="0"/>
+              <a:rPr lang="en-US" dirty="0"/>
               <a:t>)</a:t>
             </a:r>
             <a:r>
-              <a:rPr lang="ro-RO" dirty="0" smtClean="0"/>
+              <a:rPr lang="ro-RO" dirty="0"/>
               <a:t> </a:t>
             </a:r>
             <a:r>
-              <a:rPr lang="en-US" dirty="0" smtClean="0"/>
+              <a:rPr lang="en-US" dirty="0"/>
               <a:t>– </a:t>
             </a:r>
             <a:r>
-              <a:rPr lang="en-US" dirty="0" err="1" smtClean="0"/>
+              <a:rPr lang="en-US" dirty="0" err="1"/>
               <a:t>Falkenberg</a:t>
             </a:r>
             <a:r>
-              <a:rPr lang="en-US" dirty="0" smtClean="0"/>
+              <a:rPr lang="en-US" dirty="0"/>
               <a:t> (1976), </a:t>
             </a:r>
             <a:r>
-              <a:rPr lang="en-US" dirty="0" err="1" smtClean="0"/>
+              <a:rPr lang="en-US" dirty="0" err="1"/>
               <a:t>Nijssen</a:t>
             </a:r>
             <a:r>
-              <a:rPr lang="en-US" dirty="0" smtClean="0"/>
+              <a:rPr lang="en-US" dirty="0"/>
               <a:t>, </a:t>
             </a:r>
             <a:r>
-              <a:rPr lang="en-US" dirty="0" err="1" smtClean="0"/>
+              <a:rPr lang="en-US" dirty="0" err="1"/>
               <a:t>Halpin</a:t>
             </a:r>
-            <a:endParaRPr lang="en-US" dirty="0" smtClean="0"/>
-          </a:p>
-          <a:p>
-            <a:r>
-              <a:rPr lang="ro-RO" dirty="0" smtClean="0"/>
+            <a:endParaRPr lang="en-US" dirty="0"/>
+          </a:p>
+          <a:p>
+            <a:r>
+              <a:rPr lang="ro-RO" dirty="0"/>
               <a:t>Object Oriente</a:t>
             </a:r>
             <a:r>
-              <a:rPr lang="en-US" dirty="0" smtClean="0"/>
+              <a:rPr lang="en-US" dirty="0"/>
               <a:t>d</a:t>
             </a:r>
             <a:r>
-              <a:rPr lang="ro-RO" dirty="0" smtClean="0"/>
+              <a:rPr lang="ro-RO" dirty="0"/>
               <a:t> Modeling</a:t>
             </a:r>
-            <a:endParaRPr lang="en-US" dirty="0" smtClean="0"/>
+            <a:endParaRPr lang="en-US" dirty="0"/>
           </a:p>
           <a:p>
             <a:pPr lvl="1"/>
             <a:r>
-              <a:rPr lang="en-US" dirty="0" smtClean="0"/>
+              <a:rPr lang="en-US" dirty="0"/>
               <a:t>Limbaj: Unified Modeling Language (</a:t>
             </a:r>
             <a:r>
-              <a:rPr lang="en-US" dirty="0" err="1" smtClean="0"/>
+              <a:rPr lang="en-US" dirty="0" err="1"/>
               <a:t>UML</a:t>
             </a:r>
             <a:r>
-              <a:rPr lang="en-US" dirty="0" smtClean="0"/>
+              <a:rPr lang="en-US" dirty="0"/>
               <a:t>): 199</a:t>
             </a:r>
             <a:r>
-              <a:rPr lang="ro-RO" dirty="0" smtClean="0"/>
+              <a:rPr lang="ro-RO" dirty="0"/>
               <a:t>7</a:t>
             </a:r>
           </a:p>
@@ -20271,7 +19593,7 @@
               <a:rPr lang="ro-RO" dirty="0"/>
               <a:t>Instrumente: E-R Studio, Enterprise Architect, Visual Paradigm, Visible Analyst. Oracle Data Modeler etc.</a:t>
             </a:r>
-            <a:endParaRPr lang="en-US" dirty="0" smtClean="0"/>
+            <a:endParaRPr lang="en-US" dirty="0"/>
           </a:p>
           <a:p>
             <a:pPr>
@@ -20333,34 +19655,33 @@
           <a:p>
             <a:pPr algn="ctr"/>
             <a:r>
-              <a:rPr lang="ro-RO" b="1" dirty="0" smtClean="0"/>
+              <a:rPr lang="ro-RO" b="1" dirty="0"/>
               <a:t>Diagramă</a:t>
             </a:r>
             <a:r>
-              <a:rPr lang="en-US" b="1" dirty="0" smtClean="0"/>
+              <a:rPr lang="en-US" b="1" dirty="0"/>
               <a:t> E-R </a:t>
             </a:r>
             <a:r>
-              <a:rPr lang="en-US" b="1" dirty="0" err="1" smtClean="0"/>
+              <a:rPr lang="en-US" b="1" dirty="0" err="1"/>
               <a:t>clasic</a:t>
             </a:r>
             <a:r>
-              <a:rPr lang="ro-RO" b="1" dirty="0" smtClean="0"/>
+              <a:rPr lang="ro-RO" b="1" dirty="0"/>
               <a:t>ă</a:t>
             </a:r>
             <a:r>
-              <a:rPr lang="en-US" b="1" dirty="0" smtClean="0"/>
+              <a:rPr lang="en-US" b="1" dirty="0"/>
               <a:t> (</a:t>
             </a:r>
             <a:r>
-              <a:rPr lang="en-US" b="1" i="1" dirty="0" err="1" smtClean="0"/>
+              <a:rPr lang="en-US" b="1" i="1" dirty="0" err="1"/>
               <a:t>P.Chen</a:t>
             </a:r>
             <a:r>
-              <a:rPr lang="en-US" b="1" dirty="0" smtClean="0"/>
+              <a:rPr lang="en-US" b="1" dirty="0"/>
               <a:t>)</a:t>
             </a:r>
-            <a:endParaRPr lang="en-US" b="1" dirty="0"/>
           </a:p>
         </p:txBody>
       </p:sp>
@@ -20422,7 +19743,7 @@
               <a:buNone/>
             </a:pPr>
             <a:r>
-              <a:rPr lang="ro-RO" sz="1800" i="1" smtClean="0">
+              <a:rPr lang="ro-RO" sz="1800" i="1">
                 <a:latin typeface="Segoe UI" pitchFamily="34" charset="0"/>
                 <a:ea typeface="Segoe UI" pitchFamily="34" charset="0"/>
                 <a:cs typeface="Segoe UI" pitchFamily="34" charset="0"/>
@@ -20430,18 +19751,13 @@
               <a:t>Sursa</a:t>
             </a:r>
             <a:r>
-              <a:rPr lang="en-US" sz="1800" i="1" smtClean="0">
+              <a:rPr lang="en-US" sz="1800" i="1">
                 <a:latin typeface="Segoe UI" pitchFamily="34" charset="0"/>
                 <a:ea typeface="Segoe UI" pitchFamily="34" charset="0"/>
                 <a:cs typeface="Segoe UI" pitchFamily="34" charset="0"/>
               </a:rPr>
               <a:t>: Ponniah 2007</a:t>
             </a:r>
-            <a:endParaRPr lang="en-US" sz="1800" i="1">
-              <a:latin typeface="Segoe UI" pitchFamily="34" charset="0"/>
-              <a:ea typeface="Segoe UI" pitchFamily="34" charset="0"/>
-              <a:cs typeface="Segoe UI" pitchFamily="34" charset="0"/>
-            </a:endParaRPr>
           </a:p>
         </p:txBody>
       </p:sp>
@@ -20497,23 +19813,23 @@
           <a:p>
             <a:pPr algn="ctr"/>
             <a:r>
-              <a:rPr lang="en-US" b="1" dirty="0" smtClean="0"/>
+              <a:rPr lang="en-US" b="1" dirty="0"/>
               <a:t>Diagram</a:t>
             </a:r>
             <a:r>
-              <a:rPr lang="ro-RO" b="1" dirty="0" smtClean="0"/>
+              <a:rPr lang="ro-RO" b="1" dirty="0"/>
               <a:t>ă</a:t>
             </a:r>
             <a:r>
-              <a:rPr lang="en-US" b="1" dirty="0" smtClean="0"/>
+              <a:rPr lang="en-US" b="1" dirty="0"/>
               <a:t> (E-R)</a:t>
             </a:r>
             <a:r>
-              <a:rPr lang="ro-RO" b="1" dirty="0" smtClean="0"/>
+              <a:rPr lang="ro-RO" b="1" dirty="0"/>
               <a:t> </a:t>
             </a:r>
             <a:r>
-              <a:rPr lang="ro-RO" b="1" i="1" dirty="0" smtClean="0"/>
+              <a:rPr lang="ro-RO" b="1" i="1" dirty="0"/>
               <a:t>IDEF1X</a:t>
             </a:r>
             <a:endParaRPr lang="en-US" b="1" i="1" dirty="0"/>
@@ -20578,7 +19894,7 @@
               <a:buNone/>
             </a:pPr>
             <a:r>
-              <a:rPr lang="ro-RO" sz="1800" i="1" smtClean="0">
+              <a:rPr lang="ro-RO" sz="1800" i="1">
                 <a:latin typeface="Segoe UI" pitchFamily="34" charset="0"/>
                 <a:ea typeface="Segoe UI" pitchFamily="34" charset="0"/>
                 <a:cs typeface="Segoe UI" pitchFamily="34" charset="0"/>
@@ -20586,18 +19902,13 @@
               <a:t>Sursa</a:t>
             </a:r>
             <a:r>
-              <a:rPr lang="en-US" sz="1800" i="1" smtClean="0">
+              <a:rPr lang="en-US" sz="1800" i="1">
                 <a:latin typeface="Segoe UI" pitchFamily="34" charset="0"/>
                 <a:ea typeface="Segoe UI" pitchFamily="34" charset="0"/>
                 <a:cs typeface="Segoe UI" pitchFamily="34" charset="0"/>
               </a:rPr>
               <a:t>: Ponniah 2007</a:t>
             </a:r>
-            <a:endParaRPr lang="en-US" sz="1800" i="1">
-              <a:latin typeface="Segoe UI" pitchFamily="34" charset="0"/>
-              <a:ea typeface="Segoe UI" pitchFamily="34" charset="0"/>
-              <a:cs typeface="Segoe UI" pitchFamily="34" charset="0"/>
-            </a:endParaRPr>
           </a:p>
         </p:txBody>
       </p:sp>
@@ -20653,15 +19964,15 @@
           <a:p>
             <a:pPr algn="ctr"/>
             <a:r>
-              <a:rPr lang="ro-RO" b="1" dirty="0" smtClean="0"/>
+              <a:rPr lang="ro-RO" b="1" dirty="0"/>
               <a:t>Diagramă </a:t>
             </a:r>
             <a:r>
-              <a:rPr lang="en-US" b="1" dirty="0" smtClean="0"/>
+              <a:rPr lang="en-US" b="1" dirty="0"/>
               <a:t>(E-R) </a:t>
             </a:r>
             <a:r>
-              <a:rPr lang="ro-RO" b="1" i="1" dirty="0" smtClean="0"/>
+              <a:rPr lang="ro-RO" b="1" i="1" dirty="0"/>
               <a:t>Barker</a:t>
             </a:r>
             <a:endParaRPr lang="en-US" b="1" i="1" dirty="0"/>
@@ -20726,7 +20037,7 @@
               <a:buNone/>
             </a:pPr>
             <a:r>
-              <a:rPr lang="ro-RO" sz="1800" i="1" smtClean="0">
+              <a:rPr lang="ro-RO" sz="1800" i="1">
                 <a:latin typeface="Segoe UI" pitchFamily="34" charset="0"/>
                 <a:ea typeface="Segoe UI" pitchFamily="34" charset="0"/>
                 <a:cs typeface="Segoe UI" pitchFamily="34" charset="0"/>
@@ -20734,18 +20045,13 @@
               <a:t>Sursa</a:t>
             </a:r>
             <a:r>
-              <a:rPr lang="en-US" sz="1800" i="1" smtClean="0">
+              <a:rPr lang="en-US" sz="1800" i="1">
                 <a:latin typeface="Segoe UI" pitchFamily="34" charset="0"/>
                 <a:ea typeface="Segoe UI" pitchFamily="34" charset="0"/>
                 <a:cs typeface="Segoe UI" pitchFamily="34" charset="0"/>
               </a:rPr>
               <a:t>: Ponniah 2007</a:t>
             </a:r>
-            <a:endParaRPr lang="en-US" sz="1800" i="1">
-              <a:latin typeface="Segoe UI" pitchFamily="34" charset="0"/>
-              <a:ea typeface="Segoe UI" pitchFamily="34" charset="0"/>
-              <a:cs typeface="Segoe UI" pitchFamily="34" charset="0"/>
-            </a:endParaRPr>
           </a:p>
         </p:txBody>
       </p:sp>
@@ -20801,22 +20107,22 @@
           <a:p>
             <a:pPr algn="ctr"/>
             <a:r>
-              <a:rPr lang="ro-RO" b="1" dirty="0" smtClean="0"/>
+              <a:rPr lang="ro-RO" b="1" dirty="0"/>
               <a:t>Diagrama </a:t>
             </a:r>
             <a:r>
-              <a:rPr lang="ro-RO" b="1" i="1" dirty="0" smtClean="0"/>
+              <a:rPr lang="ro-RO" b="1" i="1" dirty="0"/>
               <a:t>Barker</a:t>
             </a:r>
             <a:r>
-              <a:rPr lang="ro-RO" b="1" dirty="0" smtClean="0"/>
+              <a:rPr lang="ro-RO" b="1" dirty="0"/>
               <a:t> a BD VÎNZĂRI</a:t>
             </a:r>
             <a:br>
-              <a:rPr lang="ro-RO" b="1" dirty="0" smtClean="0"/>
+              <a:rPr lang="ro-RO" b="1" dirty="0"/>
             </a:br>
             <a:r>
-              <a:rPr lang="ro-RO" b="1" dirty="0" smtClean="0"/>
+              <a:rPr lang="ro-RO" b="1" dirty="0"/>
               <a:t>(Oracle Data Modeler)</a:t>
             </a:r>
             <a:endParaRPr lang="en-US" b="1" dirty="0"/>

--- a/03_Proiectarea BD prin normalizare/03a_Introducere_in_proiectareaBD.pptx
+++ b/03_Proiectarea BD prin normalizare/03a_Introducere_in_proiectareaBD.pptx
@@ -206,6 +206,50 @@
 </p:presentation>
 </file>
 
+<file path=ppt/changesInfos/changesInfo1.xml><?xml version="1.0" encoding="utf-8"?>
+<pc:chgInfo xmlns:a="http://schemas.openxmlformats.org/drawingml/2006/main" xmlns:r="http://schemas.openxmlformats.org/officeDocument/2006/relationships" xmlns:ac="http://schemas.microsoft.com/office/drawing/2013/main/command" xmlns:pc="http://schemas.microsoft.com/office/powerpoint/2013/main/command">
+  <pc:docChgLst>
+    <pc:chgData name="Marin Fotache" userId="9233cd031198ef03" providerId="LiveId" clId="{85F2C91B-03E9-3F44-8809-0DBBA3EDD737}"/>
+    <pc:docChg chg="custSel modSld">
+      <pc:chgData name="Marin Fotache" userId="9233cd031198ef03" providerId="LiveId" clId="{85F2C91B-03E9-3F44-8809-0DBBA3EDD737}" dt="2021-04-26T11:43:56.929" v="35" actId="20577"/>
+      <pc:docMkLst>
+        <pc:docMk/>
+      </pc:docMkLst>
+      <pc:sldChg chg="modSp mod">
+        <pc:chgData name="Marin Fotache" userId="9233cd031198ef03" providerId="LiveId" clId="{85F2C91B-03E9-3F44-8809-0DBBA3EDD737}" dt="2021-04-26T11:43:56.929" v="35" actId="20577"/>
+        <pc:sldMkLst>
+          <pc:docMk/>
+          <pc:sldMk cId="0" sldId="296"/>
+        </pc:sldMkLst>
+        <pc:spChg chg="mod">
+          <ac:chgData name="Marin Fotache" userId="9233cd031198ef03" providerId="LiveId" clId="{85F2C91B-03E9-3F44-8809-0DBBA3EDD737}" dt="2021-04-26T11:43:56.929" v="35" actId="20577"/>
+          <ac:spMkLst>
+            <pc:docMk/>
+            <pc:sldMk cId="0" sldId="296"/>
+            <ac:spMk id="3" creationId="{00000000-0000-0000-0000-000000000000}"/>
+          </ac:spMkLst>
+        </pc:spChg>
+      </pc:sldChg>
+      <pc:sldChg chg="modSp mod">
+        <pc:chgData name="Marin Fotache" userId="9233cd031198ef03" providerId="LiveId" clId="{85F2C91B-03E9-3F44-8809-0DBBA3EDD737}" dt="2021-04-26T11:41:53.834" v="24" actId="20577"/>
+        <pc:sldMkLst>
+          <pc:docMk/>
+          <pc:sldMk cId="0" sldId="325"/>
+        </pc:sldMkLst>
+        <pc:spChg chg="mod">
+          <ac:chgData name="Marin Fotache" userId="9233cd031198ef03" providerId="LiveId" clId="{85F2C91B-03E9-3F44-8809-0DBBA3EDD737}" dt="2021-04-26T11:41:53.834" v="24" actId="20577"/>
+          <ac:spMkLst>
+            <pc:docMk/>
+            <pc:sldMk cId="0" sldId="325"/>
+            <ac:spMk id="3" creationId="{00000000-0000-0000-0000-000000000000}"/>
+          </ac:spMkLst>
+        </pc:spChg>
+      </pc:sldChg>
+    </pc:docChg>
+  </pc:docChgLst>
+</pc:chgInfo>
+</file>
+
 <file path=ppt/notesMasters/notesMaster1.xml><?xml version="1.0" encoding="utf-8"?>
 <p:notesMaster xmlns:a="http://schemas.openxmlformats.org/drawingml/2006/main" xmlns:r="http://schemas.openxmlformats.org/officeDocument/2006/relationships" xmlns:p="http://schemas.openxmlformats.org/presentationml/2006/main">
   <p:cSld>
@@ -289,7 +333,7 @@
             <a:fld id="{082B9E41-CDA9-4A7D-97C0-E81083CE2A8D}" type="datetimeFigureOut">
               <a:rPr lang="en-US" smtClean="0"/>
               <a:pPr/>
-              <a:t>3/24/20</a:t>
+              <a:t>4/26/21</a:t>
             </a:fld>
             <a:endParaRPr lang="en-US"/>
           </a:p>
@@ -15593,89 +15637,202 @@
           <a:p>
             <a:pPr eaLnBrk="1" hangingPunct="1"/>
             <a:r>
-              <a:rPr lang="ro-RO"/>
-              <a:t>După ureche (lăutăreşte) </a:t>
-            </a:r>
-            <a:r>
-              <a:rPr lang="en-US"/>
-              <a:t>– este cea mai </a:t>
-            </a:r>
-            <a:r>
-              <a:rPr lang="ro-RO"/>
-              <a:t>îndrăgită metodologie şi uneori chiar funcţionează!</a:t>
+              <a:rPr lang="ro-RO" dirty="0"/>
+              <a:t>După ureche (</a:t>
+            </a:r>
+            <a:r>
+              <a:rPr lang="ro-RO" dirty="0" err="1"/>
+              <a:t>lăutăreşte</a:t>
+            </a:r>
+            <a:r>
+              <a:rPr lang="ro-RO" dirty="0"/>
+              <a:t>) </a:t>
+            </a:r>
+            <a:r>
+              <a:rPr lang="en-US" dirty="0"/>
+              <a:t>– </a:t>
+            </a:r>
+            <a:r>
+              <a:rPr lang="en-US" dirty="0" err="1"/>
+              <a:t>este</a:t>
+            </a:r>
+            <a:r>
+              <a:rPr lang="en-US" dirty="0"/>
+              <a:t> </a:t>
+            </a:r>
+            <a:r>
+              <a:rPr lang="en-US" dirty="0" err="1"/>
+              <a:t>cea</a:t>
+            </a:r>
+            <a:r>
+              <a:rPr lang="en-US" dirty="0"/>
+              <a:t> </a:t>
+            </a:r>
+            <a:r>
+              <a:rPr lang="en-US" dirty="0" err="1"/>
+              <a:t>mai</a:t>
+            </a:r>
+            <a:r>
+              <a:rPr lang="en-US" dirty="0"/>
+              <a:t> </a:t>
+            </a:r>
+            <a:r>
+              <a:rPr lang="ro-RO" dirty="0"/>
+              <a:t>îndrăgită metodologie </a:t>
+            </a:r>
+            <a:r>
+              <a:rPr lang="ro-RO" dirty="0" err="1"/>
+              <a:t>şi</a:t>
+            </a:r>
+            <a:r>
+              <a:rPr lang="ro-RO" dirty="0"/>
+              <a:t> uneori chiar </a:t>
+            </a:r>
+            <a:r>
+              <a:rPr lang="ro-RO" dirty="0" err="1"/>
+              <a:t>funcţionează</a:t>
+            </a:r>
+            <a:r>
+              <a:rPr lang="ro-RO" dirty="0"/>
+              <a:t>!</a:t>
             </a:r>
           </a:p>
           <a:p>
             <a:pPr eaLnBrk="1" hangingPunct="1"/>
             <a:r>
-              <a:rPr lang="ro-RO"/>
+              <a:rPr lang="ro-RO" dirty="0"/>
               <a:t>Folosind metodologii</a:t>
             </a:r>
             <a:r>
-              <a:rPr lang="en-US"/>
+              <a:rPr lang="en-US" dirty="0"/>
               <a:t>/</a:t>
             </a:r>
             <a:r>
-              <a:rPr lang="ro-RO"/>
-              <a:t>instrumente ale analizei şi proiectării de sisteme informaţionale</a:t>
-            </a:r>
-            <a:r>
-              <a:rPr lang="en-US"/>
+              <a:rPr lang="ro-RO" dirty="0"/>
+              <a:t>instrumente ale analizei </a:t>
+            </a:r>
+            <a:r>
+              <a:rPr lang="ro-RO" dirty="0" err="1"/>
+              <a:t>şi</a:t>
+            </a:r>
+            <a:r>
+              <a:rPr lang="ro-RO" dirty="0"/>
+              <a:t> proiectării de sisteme </a:t>
+            </a:r>
+            <a:r>
+              <a:rPr lang="ro-RO" dirty="0" err="1"/>
+              <a:t>informaţionale</a:t>
+            </a:r>
+            <a:r>
+              <a:rPr lang="en-US" dirty="0"/>
               <a:t> (APSI)</a:t>
             </a:r>
             <a:r>
-              <a:rPr lang="ro-RO"/>
+              <a:rPr lang="ro-RO" dirty="0"/>
               <a:t> </a:t>
             </a:r>
             <a:r>
-              <a:rPr lang="en-US"/>
-              <a:t>– mai ales pentru aplica</a:t>
-            </a:r>
-            <a:r>
-              <a:rPr lang="ro-RO"/>
-              <a:t>ţii complexe</a:t>
-            </a:r>
-            <a:r>
-              <a:rPr lang="en-US"/>
-              <a:t> (vezi APSI, SIFC)</a:t>
-            </a:r>
-            <a:endParaRPr lang="ro-RO"/>
+              <a:rPr lang="en-US" dirty="0"/>
+              <a:t>– </a:t>
+            </a:r>
+            <a:r>
+              <a:rPr lang="en-US" dirty="0" err="1"/>
+              <a:t>mai</a:t>
+            </a:r>
+            <a:r>
+              <a:rPr lang="en-US" dirty="0"/>
+              <a:t> ales </a:t>
+            </a:r>
+            <a:r>
+              <a:rPr lang="en-US" dirty="0" err="1"/>
+              <a:t>pentru</a:t>
+            </a:r>
+            <a:r>
+              <a:rPr lang="en-US" dirty="0"/>
+              <a:t> </a:t>
+            </a:r>
+            <a:r>
+              <a:rPr lang="en-US" dirty="0" err="1"/>
+              <a:t>aplica</a:t>
+            </a:r>
+            <a:r>
+              <a:rPr lang="ro-RO" dirty="0" err="1"/>
+              <a:t>ţii</a:t>
+            </a:r>
+            <a:r>
+              <a:rPr lang="ro-RO" dirty="0"/>
+              <a:t> complexe</a:t>
+            </a:r>
+            <a:r>
+              <a:rPr lang="en-US" dirty="0"/>
+              <a:t> (</a:t>
+            </a:r>
+            <a:r>
+              <a:rPr lang="en-US" dirty="0" err="1"/>
+              <a:t>vezi</a:t>
+            </a:r>
+            <a:r>
+              <a:rPr lang="en-US" dirty="0"/>
+              <a:t> APSI, SIFC)</a:t>
+            </a:r>
+            <a:endParaRPr lang="ro-RO" dirty="0"/>
           </a:p>
           <a:p>
             <a:pPr eaLnBrk="1" hangingPunct="1"/>
             <a:r>
-              <a:rPr lang="ro-RO"/>
+              <a:rPr lang="ro-RO" dirty="0"/>
               <a:t>Prin</a:t>
             </a:r>
             <a:r>
-              <a:rPr lang="ro-RO" b="1"/>
+              <a:rPr lang="ro-RO" b="1" dirty="0"/>
               <a:t> normalizare</a:t>
             </a:r>
             <a:r>
-              <a:rPr lang="ro-RO"/>
+              <a:rPr lang="ro-RO" dirty="0"/>
               <a:t> </a:t>
             </a:r>
             <a:r>
-              <a:rPr lang="en-US"/>
-              <a:t>– subiectul nostru de discu</a:t>
-            </a:r>
-            <a:r>
-              <a:rPr lang="ro-RO"/>
+              <a:rPr lang="en-US" dirty="0"/>
+              <a:t>– </a:t>
+            </a:r>
+            <a:r>
+              <a:rPr lang="en-US" dirty="0" err="1"/>
+              <a:t>subiectul</a:t>
+            </a:r>
+            <a:r>
+              <a:rPr lang="en-US" dirty="0"/>
+              <a:t> </a:t>
+            </a:r>
+            <a:r>
+              <a:rPr lang="en-US" dirty="0" err="1"/>
+              <a:t>nostru</a:t>
+            </a:r>
+            <a:r>
+              <a:rPr lang="en-US" dirty="0"/>
+              <a:t> de </a:t>
+            </a:r>
+            <a:r>
+              <a:rPr lang="en-US" dirty="0" err="1"/>
+              <a:t>discu</a:t>
+            </a:r>
+            <a:r>
+              <a:rPr lang="ro-RO" dirty="0" err="1"/>
               <a:t>ţie</a:t>
             </a:r>
+            <a:endParaRPr lang="ro-RO" dirty="0"/>
           </a:p>
           <a:p>
             <a:pPr eaLnBrk="1" hangingPunct="1"/>
             <a:r>
-              <a:rPr lang="ro-RO"/>
+              <a:rPr lang="ro-RO" dirty="0"/>
               <a:t>Combinând o metodologie </a:t>
             </a:r>
             <a:r>
-              <a:rPr lang="en-US"/>
+              <a:rPr lang="en-US" dirty="0"/>
               <a:t>APSI </a:t>
             </a:r>
             <a:r>
-              <a:rPr lang="ro-RO"/>
+              <a:rPr lang="ro-RO" dirty="0"/>
               <a:t>cu normalizarea (demers mixt)</a:t>
             </a:r>
           </a:p>
@@ -16329,7 +16486,13 @@
             </a:r>
             <a:r>
               <a:rPr lang="en-US" sz="3400" dirty="0"/>
-              <a:t>t</a:t>
+              <a:t>t </a:t>
+            </a:r>
+            <a:r>
+              <a:rPr lang="en-US" sz="3400" dirty="0">
+                <a:sym typeface="Wingdings" pitchFamily="2" charset="2"/>
+              </a:rPr>
+              <a:t></a:t>
             </a:r>
             <a:r>
               <a:rPr lang="ro-RO" sz="3400" dirty="0"/>
@@ -17453,7 +17616,19 @@
             </a:r>
             <a:r>
               <a:rPr lang="en-US" dirty="0"/>
-              <a:t>-un SI</a:t>
+              <a:t>-un </a:t>
+            </a:r>
+            <a:r>
+              <a:rPr lang="en-US" dirty="0" err="1"/>
+              <a:t>sistem</a:t>
+            </a:r>
+            <a:r>
+              <a:rPr lang="en-US" dirty="0"/>
+              <a:t> </a:t>
+            </a:r>
+            <a:r>
+              <a:rPr lang="en-US" dirty="0" err="1"/>
+              <a:t>informațional</a:t>
             </a:r>
             <a:r>
               <a:rPr lang="ro-RO" dirty="0"/>
